--- a/course_material/week_02/week_02_presentation.pptx
+++ b/course_material/week_02/week_02_presentation.pptx
@@ -5,7 +5,7 @@
     <p:sldMasterId id="2147483696" r:id="rId1"/>
   </p:sldMasterIdLst>
   <p:notesMasterIdLst>
-    <p:notesMasterId r:id="rId24"/>
+    <p:notesMasterId r:id="rId23"/>
   </p:notesMasterIdLst>
   <p:sldIdLst>
     <p:sldId id="256" r:id="rId2"/>
@@ -23,13 +23,12 @@
     <p:sldId id="275" r:id="rId14"/>
     <p:sldId id="277" r:id="rId15"/>
     <p:sldId id="276" r:id="rId16"/>
-    <p:sldId id="284" r:id="rId17"/>
-    <p:sldId id="285" r:id="rId18"/>
-    <p:sldId id="264" r:id="rId19"/>
-    <p:sldId id="265" r:id="rId20"/>
-    <p:sldId id="283" r:id="rId21"/>
-    <p:sldId id="270" r:id="rId22"/>
-    <p:sldId id="282" r:id="rId23"/>
+    <p:sldId id="285" r:id="rId17"/>
+    <p:sldId id="264" r:id="rId18"/>
+    <p:sldId id="265" r:id="rId19"/>
+    <p:sldId id="283" r:id="rId20"/>
+    <p:sldId id="270" r:id="rId21"/>
+    <p:sldId id="282" r:id="rId22"/>
   </p:sldIdLst>
   <p:sldSz cx="12192000" cy="6858000"/>
   <p:notesSz cx="6858000" cy="9144000"/>
@@ -1508,7 +1507,7 @@
           <a:p>
             <a:fld id="{84B723E6-6E3C-467B-A65A-C60C6BFA5392}" type="datetimeFigureOut">
               <a:rPr lang="en-US" smtClean="0"/>
-              <a:t>3/8/2021</a:t>
+              <a:t>3/13/2021</a:t>
             </a:fld>
             <a:endParaRPr lang="en-US"/>
           </a:p>
@@ -2161,7 +2160,7 @@
           <a:p>
             <a:fld id="{ACF1A1B0-862D-4909-A7DB-D8ADA062DFCA}" type="datetimeFigureOut">
               <a:rPr lang="en-US" dirty="0"/>
-              <a:t>3/8/2021</a:t>
+              <a:t>3/13/2021</a:t>
             </a:fld>
             <a:endParaRPr lang="en-US"/>
           </a:p>
@@ -2384,7 +2383,7 @@
           <a:p>
             <a:fld id="{7B156144-9CB7-4E3A-B87E-A382F9BE05EF}" type="datetimeFigureOut">
               <a:rPr lang="en-US" dirty="0"/>
-              <a:t>3/8/2021</a:t>
+              <a:t>3/13/2021</a:t>
             </a:fld>
             <a:endParaRPr lang="en-US"/>
           </a:p>
@@ -2562,7 +2561,7 @@
           <a:p>
             <a:fld id="{2643D55F-46AB-4791-9172-4FA8DD3A6A9C}" type="datetimeFigureOut">
               <a:rPr lang="en-US" dirty="0"/>
-              <a:t>3/8/2021</a:t>
+              <a:t>3/13/2021</a:t>
             </a:fld>
             <a:endParaRPr lang="en-US"/>
           </a:p>
@@ -2730,7 +2729,7 @@
           <a:p>
             <a:fld id="{58026881-8A08-449C-8D73-E5F201F814C1}" type="datetimeFigureOut">
               <a:rPr lang="en-US" dirty="0"/>
-              <a:t>3/8/2021</a:t>
+              <a:t>3/13/2021</a:t>
             </a:fld>
             <a:endParaRPr lang="en-US"/>
           </a:p>
@@ -3020,7 +3019,7 @@
           <a:p>
             <a:fld id="{1BEB5A5E-0C07-4E93-A112-D37B4D166B30}" type="datetimeFigureOut">
               <a:rPr lang="en-US" dirty="0"/>
-              <a:t>3/8/2021</a:t>
+              <a:t>3/13/2021</a:t>
             </a:fld>
             <a:endParaRPr lang="en-US"/>
           </a:p>
@@ -3343,7 +3342,7 @@
           <a:p>
             <a:fld id="{9E1F71C5-DC57-4358-A1EA-30C08AF6E3C5}" type="datetimeFigureOut">
               <a:rPr lang="en-US" dirty="0"/>
-              <a:t>3/8/2021</a:t>
+              <a:t>3/13/2021</a:t>
             </a:fld>
             <a:endParaRPr lang="en-US"/>
           </a:p>
@@ -3752,7 +3751,7 @@
           <a:p>
             <a:fld id="{12571DBA-DE60-4731-B773-47AAA185C143}" type="datetimeFigureOut">
               <a:rPr lang="en-US" dirty="0"/>
-              <a:t>3/8/2021</a:t>
+              <a:t>3/13/2021</a:t>
             </a:fld>
             <a:endParaRPr lang="en-US"/>
           </a:p>
@@ -3869,7 +3868,7 @@
           <a:p>
             <a:fld id="{4F170639-886C-4FCF-9EAB-ABB5DA3F3F4A}" type="datetimeFigureOut">
               <a:rPr lang="en-US" dirty="0"/>
-              <a:t>3/8/2021</a:t>
+              <a:t>3/13/2021</a:t>
             </a:fld>
             <a:endParaRPr lang="en-US"/>
           </a:p>
@@ -3964,7 +3963,7 @@
           <a:p>
             <a:fld id="{34C4A628-C83B-4C66-83F4-1711CE3738FD}" type="datetimeFigureOut">
               <a:rPr lang="en-US" dirty="0"/>
-              <a:t>3/8/2021</a:t>
+              <a:t>3/13/2021</a:t>
             </a:fld>
             <a:endParaRPr lang="en-US"/>
           </a:p>
@@ -4249,7 +4248,7 @@
           <a:p>
             <a:fld id="{B88C1D73-9400-43CA-A37F-F9B7D00DE14C}" type="datetimeFigureOut">
               <a:rPr lang="en-US" dirty="0"/>
-              <a:t>3/8/2021</a:t>
+              <a:t>3/13/2021</a:t>
             </a:fld>
             <a:endParaRPr lang="en-US"/>
           </a:p>
@@ -4521,7 +4520,7 @@
           <a:p>
             <a:fld id="{188B7711-B905-4633-B4D7-6F3A49A2E7D9}" type="datetimeFigureOut">
               <a:rPr lang="en-US" dirty="0"/>
-              <a:t>3/8/2021</a:t>
+              <a:t>3/13/2021</a:t>
             </a:fld>
             <a:endParaRPr lang="en-US"/>
           </a:p>
@@ -4771,7 +4770,7 @@
             <a:fld id="{89C235CF-BDA2-4E7E-8BBD-350479985E74}" type="datetimeFigureOut">
               <a:rPr lang="en-US" dirty="0"/>
               <a:pPr/>
-              <a:t>3/8/2021</a:t>
+              <a:t>3/13/2021</a:t>
             </a:fld>
             <a:endParaRPr lang="en-US"/>
           </a:p>
@@ -6070,10 +6069,10 @@
       </p:grpSpPr>
       <p:sp>
         <p:nvSpPr>
-          <p:cNvPr id="2" name="Title 1">
+          <p:cNvPr id="4" name="Title 3">
             <a:extLst>
               <a:ext uri="{FF2B5EF4-FFF2-40B4-BE49-F238E27FC236}">
-                <a16:creationId xmlns:a16="http://schemas.microsoft.com/office/drawing/2014/main" id="{9501DE01-EE69-4463-A505-667D427582B6}"/>
+                <a16:creationId xmlns:a16="http://schemas.microsoft.com/office/drawing/2014/main" id="{297BDE90-8DCF-4039-AB05-11C3F09C3813}"/>
               </a:ext>
             </a:extLst>
           </p:cNvPr>
@@ -6081,7 +6080,7 @@
             <a:spLocks noGrp="1"/>
           </p:cNvSpPr>
           <p:nvPr>
-            <p:ph type="title"/>
+            <p:ph type="ctrTitle"/>
           </p:nvPr>
         </p:nvSpPr>
         <p:spPr/>
@@ -6091,17 +6090,17 @@
           <a:p>
             <a:r>
               <a:rPr lang="en-US" dirty="0"/>
-              <a:t>Install VS Code</a:t>
-            </a:r>
-          </a:p>
-        </p:txBody>
-      </p:sp>
-      <p:sp>
-        <p:nvSpPr>
-          <p:cNvPr id="3" name="Content Placeholder 2">
+              <a:t>Break (10 Minutes)</a:t>
+            </a:r>
+          </a:p>
+        </p:txBody>
+      </p:sp>
+      <p:sp>
+        <p:nvSpPr>
+          <p:cNvPr id="5" name="Subtitle 4">
             <a:extLst>
               <a:ext uri="{FF2B5EF4-FFF2-40B4-BE49-F238E27FC236}">
-                <a16:creationId xmlns:a16="http://schemas.microsoft.com/office/drawing/2014/main" id="{0339AC0F-37FB-48D4-B875-93AD23AE65FF}"/>
+                <a16:creationId xmlns:a16="http://schemas.microsoft.com/office/drawing/2014/main" id="{AE43AD4D-53BE-4D90-B4EE-A313556AC5A9}"/>
               </a:ext>
             </a:extLst>
           </p:cNvPr>
@@ -6109,7 +6108,7 @@
             <a:spLocks noGrp="1"/>
           </p:cNvSpPr>
           <p:nvPr>
-            <p:ph idx="1"/>
+            <p:ph type="subTitle" idx="1"/>
           </p:nvPr>
         </p:nvSpPr>
         <p:spPr/>
@@ -6118,17 +6117,8 @@
           <a:lstStyle/>
           <a:p>
             <a:r>
-              <a:rPr lang="en-US" dirty="0">
-                <a:hlinkClick r:id="rId2"/>
-              </a:rPr>
-              <a:t>https://code.visualstudio.com/download</a:t>
-            </a:r>
-            <a:endParaRPr lang="en-US" dirty="0"/>
-          </a:p>
-          <a:p>
-            <a:r>
-              <a:rPr lang="en-US" dirty="0"/>
-              <a:t>I love VS code. My love for it rivals my love for all other things. It is magical and has a million plugins and runs all the code and is the best. </a:t>
+              <a:rPr lang="en-US" dirty="0"/>
+              <a:t>We will always have a break about midway through class. You need a breather, we need a breather, breaks are good. </a:t>
             </a:r>
           </a:p>
         </p:txBody>
@@ -6136,7 +6126,7 @@
     </p:spTree>
     <p:extLst>
       <p:ext uri="{BB962C8B-B14F-4D97-AF65-F5344CB8AC3E}">
-        <p14:creationId xmlns:p14="http://schemas.microsoft.com/office/powerpoint/2010/main" val="1719036827"/>
+        <p14:creationId xmlns:p14="http://schemas.microsoft.com/office/powerpoint/2010/main" val="3877287137"/>
       </p:ext>
     </p:extLst>
   </p:cSld>
@@ -6147,7 +6137,7 @@
 </file>
 
 <file path=ppt/slides/slide17.xml><?xml version="1.0" encoding="utf-8"?>
-<p:sld xmlns:a="http://schemas.openxmlformats.org/drawingml/2006/main" xmlns:r="http://schemas.openxmlformats.org/officeDocument/2006/relationships" xmlns:p="http://schemas.openxmlformats.org/presentationml/2006/main">
+<p:sld xmlns:a="http://schemas.openxmlformats.org/drawingml/2006/main" xmlns:r="http://schemas.openxmlformats.org/officeDocument/2006/relationships" xmlns:p="http://schemas.openxmlformats.org/presentationml/2006/main" show="0">
   <p:cSld>
     <p:spTree>
       <p:nvGrpSpPr>
@@ -6165,10 +6155,10 @@
       </p:grpSpPr>
       <p:sp>
         <p:nvSpPr>
-          <p:cNvPr id="4" name="Title 3">
+          <p:cNvPr id="2" name="Title 1">
             <a:extLst>
               <a:ext uri="{FF2B5EF4-FFF2-40B4-BE49-F238E27FC236}">
-                <a16:creationId xmlns:a16="http://schemas.microsoft.com/office/drawing/2014/main" id="{297BDE90-8DCF-4039-AB05-11C3F09C3813}"/>
+                <a16:creationId xmlns:a16="http://schemas.microsoft.com/office/drawing/2014/main" id="{D59EB417-A1B2-4787-81FF-131409557CF8}"/>
               </a:ext>
             </a:extLst>
           </p:cNvPr>
@@ -6176,27 +6166,32 @@
             <a:spLocks noGrp="1"/>
           </p:cNvSpPr>
           <p:nvPr>
-            <p:ph type="ctrTitle"/>
-          </p:nvPr>
-        </p:nvSpPr>
-        <p:spPr/>
+            <p:ph type="title"/>
+          </p:nvPr>
+        </p:nvSpPr>
+        <p:spPr>
+          <a:xfrm>
+            <a:off x="970771" y="-507543"/>
+            <a:ext cx="9692640" cy="1325562"/>
+          </a:xfrm>
+        </p:spPr>
         <p:txBody>
           <a:bodyPr/>
           <a:lstStyle/>
           <a:p>
             <a:r>
-              <a:rPr lang="en-US" dirty="0"/>
-              <a:t>Break (10 Minutes)</a:t>
-            </a:r>
-          </a:p>
-        </p:txBody>
-      </p:sp>
-      <p:sp>
-        <p:nvSpPr>
-          <p:cNvPr id="5" name="Subtitle 4">
+              <a:rPr lang="en-US"/>
+              <a:t>Installation Corrections</a:t>
+            </a:r>
+          </a:p>
+        </p:txBody>
+      </p:sp>
+      <p:sp>
+        <p:nvSpPr>
+          <p:cNvPr id="3" name="Content Placeholder 2">
             <a:extLst>
               <a:ext uri="{FF2B5EF4-FFF2-40B4-BE49-F238E27FC236}">
-                <a16:creationId xmlns:a16="http://schemas.microsoft.com/office/drawing/2014/main" id="{AE43AD4D-53BE-4D90-B4EE-A313556AC5A9}"/>
+                <a16:creationId xmlns:a16="http://schemas.microsoft.com/office/drawing/2014/main" id="{1E614483-10C4-418F-A031-02C4467C14E7}"/>
               </a:ext>
             </a:extLst>
           </p:cNvPr>
@@ -6204,25 +6199,299 @@
             <a:spLocks noGrp="1"/>
           </p:cNvSpPr>
           <p:nvPr>
-            <p:ph type="subTitle" idx="1"/>
-          </p:nvPr>
-        </p:nvSpPr>
-        <p:spPr/>
-        <p:txBody>
-          <a:bodyPr/>
+            <p:ph idx="1"/>
+          </p:nvPr>
+        </p:nvSpPr>
+        <p:spPr>
+          <a:xfrm>
+            <a:off x="868029" y="1006867"/>
+            <a:ext cx="9913876" cy="5498617"/>
+          </a:xfrm>
+        </p:spPr>
+        <p:txBody>
+          <a:bodyPr vert="horz" lIns="91440" tIns="45720" rIns="91440" bIns="45720" rtlCol="0" anchor="t">
+            <a:normAutofit lnSpcReduction="10000"/>
+          </a:bodyPr>
           <a:lstStyle/>
           <a:p>
             <a:r>
               <a:rPr lang="en-US" dirty="0"/>
-              <a:t>We will always have a break about midway through class. You need a breather, we need a breather, breaks are good. </a:t>
-            </a:r>
+              <a:t>Everyone together (please do this with the class): </a:t>
+            </a:r>
+          </a:p>
+          <a:p>
+            <a:pPr lvl="1">
+              <a:buFont typeface="Arial" pitchFamily="18" charset="2"/>
+              <a:buChar char="•"/>
+            </a:pPr>
+            <a:r>
+              <a:rPr lang="en-US" dirty="0"/>
+              <a:t>In a terminal: python --version </a:t>
+            </a:r>
+          </a:p>
+          <a:p>
+            <a:pPr lvl="2">
+              <a:buFont typeface="Arial" pitchFamily="18" charset="2"/>
+              <a:buChar char="•"/>
+            </a:pPr>
+            <a:r>
+              <a:rPr lang="en-US" dirty="0"/>
+              <a:t>If you do not have python 3.X as a version let us know</a:t>
+            </a:r>
+          </a:p>
+          <a:p>
+            <a:pPr lvl="1">
+              <a:buFont typeface="Arial" pitchFamily="18" charset="2"/>
+              <a:buChar char="•"/>
+            </a:pPr>
+            <a:r>
+              <a:rPr lang="en-US" dirty="0"/>
+              <a:t>In a terminal: pip </a:t>
+            </a:r>
+            <a:r>
+              <a:rPr lang="en-US" dirty="0">
+                <a:ea typeface="+mn-lt"/>
+                <a:cs typeface="+mn-lt"/>
+              </a:rPr>
+              <a:t>--version </a:t>
+            </a:r>
+          </a:p>
+          <a:p>
+            <a:pPr lvl="2">
+              <a:buFont typeface="Arial" pitchFamily="18" charset="2"/>
+              <a:buChar char="•"/>
+            </a:pPr>
+            <a:r>
+              <a:rPr lang="en-US" dirty="0"/>
+              <a:t>If you do not have pip3 let us know</a:t>
+            </a:r>
+          </a:p>
+          <a:p>
+            <a:pPr lvl="1">
+              <a:buFont typeface="Arial" pitchFamily="18" charset="2"/>
+              <a:buChar char="•"/>
+            </a:pPr>
+            <a:r>
+              <a:rPr lang="en-US" dirty="0"/>
+              <a:t>Aliasing (not everyone had to do this last week)</a:t>
+            </a:r>
+          </a:p>
+          <a:p>
+            <a:pPr lvl="2">
+              <a:buFont typeface="Arial" pitchFamily="18" charset="2"/>
+              <a:buChar char="•"/>
+            </a:pPr>
+            <a:r>
+              <a:rPr lang="en-US" dirty="0"/>
+              <a:t>When we did alias python='python3' it likely did not persist</a:t>
+            </a:r>
+          </a:p>
+          <a:p>
+            <a:pPr lvl="2">
+              <a:buFont typeface="Arial" pitchFamily="18" charset="2"/>
+              <a:buChar char="•"/>
+            </a:pPr>
+            <a:r>
+              <a:rPr lang="en-US" dirty="0"/>
+              <a:t>Why? Some commands are set for the session only. </a:t>
+            </a:r>
+          </a:p>
+          <a:p>
+            <a:pPr lvl="2">
+              <a:buFont typeface="Arial" pitchFamily="18" charset="2"/>
+              <a:buChar char="•"/>
+            </a:pPr>
+            <a:r>
+              <a:rPr lang="en-US" dirty="0"/>
+              <a:t>Set aliases in .</a:t>
+            </a:r>
+            <a:r>
+              <a:rPr lang="en-US" dirty="0" err="1"/>
+              <a:t>bashrc</a:t>
+            </a:r>
+            <a:r>
+              <a:rPr lang="en-US" dirty="0"/>
+              <a:t> or  other .</a:t>
+            </a:r>
+            <a:r>
+              <a:rPr lang="en-US" dirty="0" err="1"/>
+              <a:t>xxxrc</a:t>
+            </a:r>
+            <a:r>
+              <a:rPr lang="en-US" dirty="0"/>
+              <a:t> file. </a:t>
+            </a:r>
+          </a:p>
+          <a:p>
+            <a:pPr lvl="3">
+              <a:buFont typeface="Arial" pitchFamily="18" charset="2"/>
+              <a:buChar char="•"/>
+            </a:pPr>
+            <a:r>
+              <a:rPr lang="en-US" dirty="0"/>
+              <a:t>cd ~</a:t>
+            </a:r>
+          </a:p>
+          <a:p>
+            <a:pPr lvl="3">
+              <a:buFont typeface="Arial" pitchFamily="18" charset="2"/>
+              <a:buChar char="•"/>
+            </a:pPr>
+            <a:r>
+              <a:rPr lang="en-US" dirty="0"/>
+              <a:t>ls –la </a:t>
+            </a:r>
+          </a:p>
+          <a:p>
+            <a:pPr lvl="3">
+              <a:buFont typeface="Arial" pitchFamily="18" charset="2"/>
+              <a:buChar char="•"/>
+            </a:pPr>
+            <a:r>
+              <a:rPr lang="en-US" dirty="0"/>
+              <a:t>Find .</a:t>
+            </a:r>
+            <a:r>
+              <a:rPr lang="en-US" dirty="0" err="1"/>
+              <a:t>bashrc</a:t>
+            </a:r>
+            <a:r>
+              <a:rPr lang="en-US" dirty="0"/>
+              <a:t> or equivalent</a:t>
+            </a:r>
+          </a:p>
+          <a:p>
+            <a:pPr lvl="4">
+              <a:buFont typeface="Arial" pitchFamily="18" charset="2"/>
+              <a:buChar char="•"/>
+            </a:pPr>
+            <a:r>
+              <a:rPr lang="en-US" dirty="0"/>
+              <a:t>If it does not exist that's ok!</a:t>
+            </a:r>
+          </a:p>
+          <a:p>
+            <a:pPr lvl="4">
+              <a:buFont typeface="Arial" pitchFamily="18" charset="2"/>
+              <a:buChar char="•"/>
+            </a:pPr>
+            <a:r>
+              <a:rPr lang="en-US" dirty="0"/>
+              <a:t>touch .</a:t>
+            </a:r>
+            <a:r>
+              <a:rPr lang="en-US" dirty="0" err="1"/>
+              <a:t>bashrc</a:t>
+            </a:r>
+            <a:r>
+              <a:rPr lang="en-US" dirty="0"/>
+              <a:t> or equivalent</a:t>
+            </a:r>
+          </a:p>
+          <a:p>
+            <a:pPr lvl="3">
+              <a:buFont typeface="Arial" pitchFamily="18" charset="2"/>
+              <a:buChar char="•"/>
+            </a:pPr>
+            <a:r>
+              <a:rPr lang="en-US" dirty="0"/>
+              <a:t>vim .</a:t>
+            </a:r>
+            <a:r>
+              <a:rPr lang="en-US" dirty="0" err="1"/>
+              <a:t>bashrc</a:t>
+            </a:r>
+            <a:r>
+              <a:rPr lang="en-US" dirty="0"/>
+              <a:t> or equivalent</a:t>
+            </a:r>
+          </a:p>
+          <a:p>
+            <a:pPr lvl="3">
+              <a:buFont typeface="Arial" pitchFamily="18" charset="2"/>
+              <a:buChar char="•"/>
+            </a:pPr>
+            <a:r>
+              <a:rPr lang="en-US" dirty="0"/>
+              <a:t>Hit the '</a:t>
+            </a:r>
+            <a:r>
+              <a:rPr lang="en-US" dirty="0" err="1"/>
+              <a:t>i</a:t>
+            </a:r>
+            <a:r>
+              <a:rPr lang="en-US" dirty="0"/>
+              <a:t>' key to toggle to insert mode</a:t>
+            </a:r>
+          </a:p>
+          <a:p>
+            <a:pPr lvl="3">
+              <a:buFont typeface="Arial" pitchFamily="18" charset="2"/>
+              <a:buChar char="•"/>
+            </a:pPr>
+            <a:r>
+              <a:rPr lang="en-US" dirty="0"/>
+              <a:t>Type alias python='python3' and hit 'return'</a:t>
+            </a:r>
+          </a:p>
+          <a:p>
+            <a:pPr lvl="3">
+              <a:buFont typeface="Arial" pitchFamily="18" charset="2"/>
+              <a:buChar char="•"/>
+            </a:pPr>
+            <a:r>
+              <a:rPr lang="en-US" dirty="0"/>
+              <a:t>Type alias pip='pip3'</a:t>
+            </a:r>
+          </a:p>
+          <a:p>
+            <a:pPr lvl="3">
+              <a:buFont typeface="Arial" pitchFamily="18" charset="2"/>
+              <a:buChar char="•"/>
+            </a:pPr>
+            <a:r>
+              <a:rPr lang="en-US" dirty="0"/>
+              <a:t>Hit escape key followed by :</a:t>
+            </a:r>
+            <a:r>
+              <a:rPr lang="en-US" dirty="0" err="1"/>
+              <a:t>wq</a:t>
+            </a:r>
+            <a:r>
+              <a:rPr lang="en-US" dirty="0"/>
+              <a:t> and hit enter</a:t>
+            </a:r>
+          </a:p>
+          <a:p>
+            <a:pPr lvl="3">
+              <a:buFont typeface="Arial" pitchFamily="18" charset="2"/>
+              <a:buChar char="•"/>
+            </a:pPr>
+            <a:r>
+              <a:rPr lang="en-US" dirty="0"/>
+              <a:t>Close terminal and open new terminal</a:t>
+            </a:r>
+          </a:p>
+          <a:p>
+            <a:pPr lvl="3">
+              <a:buFont typeface="Arial" pitchFamily="18" charset="2"/>
+              <a:buChar char="•"/>
+            </a:pPr>
+            <a:r>
+              <a:rPr lang="en-US" dirty="0"/>
+              <a:t>See python and pip versions again and let us know if they are incorrect</a:t>
+            </a:r>
+          </a:p>
+          <a:p>
+            <a:pPr lvl="2"/>
+            <a:endParaRPr lang="en-US" dirty="0"/>
           </a:p>
         </p:txBody>
       </p:sp>
     </p:spTree>
     <p:extLst>
       <p:ext uri="{BB962C8B-B14F-4D97-AF65-F5344CB8AC3E}">
-        <p14:creationId xmlns:p14="http://schemas.microsoft.com/office/powerpoint/2010/main" val="3877287137"/>
+        <p14:creationId xmlns:p14="http://schemas.microsoft.com/office/powerpoint/2010/main" val="373214369"/>
       </p:ext>
     </p:extLst>
   </p:cSld>
@@ -6254,7 +6523,7 @@
           <p:cNvPr id="2" name="Title 1">
             <a:extLst>
               <a:ext uri="{FF2B5EF4-FFF2-40B4-BE49-F238E27FC236}">
-                <a16:creationId xmlns:a16="http://schemas.microsoft.com/office/drawing/2014/main" id="{D59EB417-A1B2-4787-81FF-131409557CF8}"/>
+                <a16:creationId xmlns:a16="http://schemas.microsoft.com/office/drawing/2014/main" id="{B1EDD2EB-930B-4D1A-AEEE-78EEBB799ADB}"/>
               </a:ext>
             </a:extLst>
           </p:cNvPr>
@@ -6267,17 +6536,19 @@
         </p:nvSpPr>
         <p:spPr>
           <a:xfrm>
-            <a:off x="970771" y="-507543"/>
-            <a:ext cx="9692640" cy="1325562"/>
+            <a:off x="140276" y="74659"/>
+            <a:ext cx="9692640" cy="683428"/>
           </a:xfrm>
         </p:spPr>
         <p:txBody>
-          <a:bodyPr/>
+          <a:bodyPr>
+            <a:normAutofit fontScale="90000"/>
+          </a:bodyPr>
           <a:lstStyle/>
           <a:p>
             <a:r>
               <a:rPr lang="en-US"/>
-              <a:t>Installation Corrections</a:t>
+              <a:t>Installation Corrections </a:t>
             </a:r>
           </a:p>
         </p:txBody>
@@ -6287,7 +6558,7 @@
           <p:cNvPr id="3" name="Content Placeholder 2">
             <a:extLst>
               <a:ext uri="{FF2B5EF4-FFF2-40B4-BE49-F238E27FC236}">
-                <a16:creationId xmlns:a16="http://schemas.microsoft.com/office/drawing/2014/main" id="{1E614483-10C4-418F-A031-02C4467C14E7}"/>
+                <a16:creationId xmlns:a16="http://schemas.microsoft.com/office/drawing/2014/main" id="{BA874226-B518-44A7-B142-BA0EFCF75816}"/>
               </a:ext>
             </a:extLst>
           </p:cNvPr>
@@ -6300,19 +6571,33 @@
         </p:nvSpPr>
         <p:spPr>
           <a:xfrm>
-            <a:off x="868029" y="1006867"/>
-            <a:ext cx="9913876" cy="5498617"/>
+            <a:off x="431378" y="981182"/>
+            <a:ext cx="8595360" cy="4351337"/>
           </a:xfrm>
         </p:spPr>
         <p:txBody>
           <a:bodyPr vert="horz" lIns="91440" tIns="45720" rIns="91440" bIns="45720" rtlCol="0" anchor="t">
-            <a:normAutofit lnSpcReduction="10000"/>
+            <a:normAutofit fontScale="92500" lnSpcReduction="20000"/>
           </a:bodyPr>
           <a:lstStyle/>
           <a:p>
             <a:r>
-              <a:rPr lang="en-US" dirty="0"/>
-              <a:t>Everyone together (please do this with the class): </a:t>
+              <a:rPr lang="en-US"/>
+              <a:t>Now that everyone has the correct python/pip we can correct some installs</a:t>
+            </a:r>
+          </a:p>
+          <a:p>
+            <a:r>
+              <a:rPr lang="en-US"/>
+              <a:t>Last week 'pip install </a:t>
+            </a:r>
+            <a:r>
+              <a:rPr lang="en-US" err="1"/>
+              <a:t>jupyter</a:t>
+            </a:r>
+            <a:r>
+              <a:rPr lang="en-US"/>
+              <a:t> lab'</a:t>
             </a:r>
           </a:p>
           <a:p>
@@ -6321,18 +6606,82 @@
               <a:buChar char="•"/>
             </a:pPr>
             <a:r>
-              <a:rPr lang="en-US" dirty="0"/>
-              <a:t>In a terminal: python --version </a:t>
-            </a:r>
-          </a:p>
-          <a:p>
-            <a:pPr lvl="2">
-              <a:buFont typeface="Arial" pitchFamily="18" charset="2"/>
-              <a:buChar char="•"/>
-            </a:pPr>
-            <a:r>
-              <a:rPr lang="en-US" dirty="0"/>
-              <a:t>If you do not have python 3.X as a version let us know</a:t>
+              <a:rPr lang="en-US"/>
+              <a:t>Same as  pip install package1 package2 package3</a:t>
+            </a:r>
+          </a:p>
+          <a:p>
+            <a:r>
+              <a:rPr lang="en-US"/>
+              <a:t>pip uninstall lab</a:t>
+            </a:r>
+          </a:p>
+          <a:p>
+            <a:r>
+              <a:rPr lang="en-US"/>
+              <a:t>pip uninstall </a:t>
+            </a:r>
+            <a:r>
+              <a:rPr lang="en-US" err="1"/>
+              <a:t>jupyter</a:t>
+            </a:r>
+            <a:endParaRPr lang="en-US"/>
+          </a:p>
+          <a:p>
+            <a:r>
+              <a:rPr lang="en-US"/>
+              <a:t>pip uninstall (anything else </a:t>
+            </a:r>
+            <a:r>
+              <a:rPr lang="en-US" err="1"/>
+              <a:t>jupyter</a:t>
+            </a:r>
+            <a:r>
+              <a:rPr lang="en-US"/>
+              <a:t> related you might have tried) (</a:t>
+            </a:r>
+            <a:r>
+              <a:rPr lang="en-US" err="1"/>
+              <a:t>jupyter</a:t>
+            </a:r>
+            <a:r>
+              <a:rPr lang="en-US"/>
+              <a:t>-lab)</a:t>
+            </a:r>
+          </a:p>
+          <a:p>
+            <a:r>
+              <a:rPr lang="en-US"/>
+              <a:t>pip install </a:t>
+            </a:r>
+            <a:r>
+              <a:rPr lang="en-US" err="1"/>
+              <a:t>jupyterlab</a:t>
+            </a:r>
+            <a:endParaRPr lang="en-US"/>
+          </a:p>
+          <a:p>
+            <a:r>
+              <a:rPr lang="en-US"/>
+              <a:t>Pip install notebook (this is the classic </a:t>
+            </a:r>
+            <a:r>
+              <a:rPr lang="en-US" err="1"/>
+              <a:t>jupyter</a:t>
+            </a:r>
+            <a:r>
+              <a:rPr lang="en-US"/>
+              <a:t>)</a:t>
+            </a:r>
+          </a:p>
+          <a:p>
+            <a:r>
+              <a:rPr lang="en-US" err="1"/>
+              <a:t>jupyter</a:t>
+            </a:r>
+            <a:r>
+              <a:rPr lang="en-US"/>
+              <a:t> lab</a:t>
             </a:r>
           </a:p>
           <a:p>
@@ -6341,253 +6690,37 @@
               <a:buChar char="•"/>
             </a:pPr>
             <a:r>
-              <a:rPr lang="en-US" dirty="0"/>
-              <a:t>In a terminal: pip </a:t>
-            </a:r>
-            <a:r>
-              <a:rPr lang="en-US" dirty="0">
-                <a:ea typeface="+mn-lt"/>
-                <a:cs typeface="+mn-lt"/>
-              </a:rPr>
-              <a:t>--version </a:t>
-            </a:r>
-          </a:p>
-          <a:p>
-            <a:pPr lvl="2">
+              <a:rPr lang="en-US" spc="10"/>
+              <a:t>Close terminal</a:t>
+            </a:r>
+            <a:endParaRPr lang="en-US"/>
+          </a:p>
+          <a:p>
+            <a:pPr>
               <a:buFont typeface="Arial" pitchFamily="18" charset="2"/>
               <a:buChar char="•"/>
             </a:pPr>
             <a:r>
-              <a:rPr lang="en-US" dirty="0"/>
-              <a:t>If you do not have pip3 let us know</a:t>
-            </a:r>
-          </a:p>
-          <a:p>
-            <a:pPr lvl="1">
-              <a:buFont typeface="Arial" pitchFamily="18" charset="2"/>
-              <a:buChar char="•"/>
-            </a:pPr>
-            <a:r>
-              <a:rPr lang="en-US" dirty="0"/>
-              <a:t>Aliasing (not everyone had to do this last week)</a:t>
-            </a:r>
-          </a:p>
-          <a:p>
-            <a:pPr lvl="2">
-              <a:buFont typeface="Arial" pitchFamily="18" charset="2"/>
-              <a:buChar char="•"/>
-            </a:pPr>
-            <a:r>
-              <a:rPr lang="en-US" dirty="0"/>
-              <a:t>When we did alias python='python3' it likely did not persist</a:t>
-            </a:r>
-          </a:p>
-          <a:p>
-            <a:pPr lvl="2">
-              <a:buFont typeface="Arial" pitchFamily="18" charset="2"/>
-              <a:buChar char="•"/>
-            </a:pPr>
-            <a:r>
-              <a:rPr lang="en-US" dirty="0"/>
-              <a:t>Why? Some commands are set for the session only. </a:t>
-            </a:r>
-          </a:p>
-          <a:p>
-            <a:pPr lvl="2">
-              <a:buFont typeface="Arial" pitchFamily="18" charset="2"/>
-              <a:buChar char="•"/>
-            </a:pPr>
-            <a:r>
-              <a:rPr lang="en-US" dirty="0"/>
-              <a:t>Set aliases in .</a:t>
-            </a:r>
-            <a:r>
-              <a:rPr lang="en-US" dirty="0" err="1"/>
-              <a:t>bashrc</a:t>
-            </a:r>
-            <a:r>
-              <a:rPr lang="en-US" dirty="0"/>
-              <a:t> or  other .</a:t>
-            </a:r>
-            <a:r>
-              <a:rPr lang="en-US" dirty="0" err="1"/>
-              <a:t>xxxrc</a:t>
-            </a:r>
-            <a:r>
-              <a:rPr lang="en-US" dirty="0"/>
-              <a:t> file. </a:t>
-            </a:r>
-          </a:p>
-          <a:p>
-            <a:pPr lvl="3">
-              <a:buFont typeface="Arial" pitchFamily="18" charset="2"/>
-              <a:buChar char="•"/>
-            </a:pPr>
-            <a:r>
-              <a:rPr lang="en-US" dirty="0"/>
-              <a:t>cd ~</a:t>
-            </a:r>
-          </a:p>
-          <a:p>
-            <a:pPr lvl="3">
-              <a:buFont typeface="Arial" pitchFamily="18" charset="2"/>
-              <a:buChar char="•"/>
-            </a:pPr>
-            <a:r>
-              <a:rPr lang="en-US" dirty="0"/>
-              <a:t>ls –la </a:t>
-            </a:r>
-          </a:p>
-          <a:p>
-            <a:pPr lvl="3">
-              <a:buFont typeface="Arial" pitchFamily="18" charset="2"/>
-              <a:buChar char="•"/>
-            </a:pPr>
-            <a:r>
-              <a:rPr lang="en-US" dirty="0"/>
-              <a:t>Find .</a:t>
-            </a:r>
-            <a:r>
-              <a:rPr lang="en-US" dirty="0" err="1"/>
-              <a:t>bashrc</a:t>
-            </a:r>
-            <a:r>
-              <a:rPr lang="en-US" dirty="0"/>
-              <a:t> or equivalent</a:t>
-            </a:r>
-          </a:p>
-          <a:p>
-            <a:pPr lvl="4">
-              <a:buFont typeface="Arial" pitchFamily="18" charset="2"/>
-              <a:buChar char="•"/>
-            </a:pPr>
-            <a:r>
-              <a:rPr lang="en-US" dirty="0"/>
-              <a:t>If it does not exist that's ok!</a:t>
-            </a:r>
-          </a:p>
-          <a:p>
-            <a:pPr lvl="4">
-              <a:buFont typeface="Arial" pitchFamily="18" charset="2"/>
-              <a:buChar char="•"/>
-            </a:pPr>
-            <a:r>
-              <a:rPr lang="en-US" dirty="0"/>
-              <a:t>touch .</a:t>
-            </a:r>
-            <a:r>
-              <a:rPr lang="en-US" dirty="0" err="1"/>
-              <a:t>bashrc</a:t>
-            </a:r>
-            <a:r>
-              <a:rPr lang="en-US" dirty="0"/>
-              <a:t> or equivalent</a:t>
-            </a:r>
-          </a:p>
-          <a:p>
-            <a:pPr lvl="3">
-              <a:buFont typeface="Arial" pitchFamily="18" charset="2"/>
-              <a:buChar char="•"/>
-            </a:pPr>
-            <a:r>
-              <a:rPr lang="en-US" dirty="0"/>
-              <a:t>vim .</a:t>
-            </a:r>
-            <a:r>
-              <a:rPr lang="en-US" dirty="0" err="1"/>
-              <a:t>bashrc</a:t>
-            </a:r>
-            <a:r>
-              <a:rPr lang="en-US" dirty="0"/>
-              <a:t> or equivalent</a:t>
-            </a:r>
-          </a:p>
-          <a:p>
-            <a:pPr lvl="3">
-              <a:buFont typeface="Arial" pitchFamily="18" charset="2"/>
-              <a:buChar char="•"/>
-            </a:pPr>
-            <a:r>
-              <a:rPr lang="en-US" dirty="0"/>
-              <a:t>Hit the '</a:t>
-            </a:r>
-            <a:r>
-              <a:rPr lang="en-US" dirty="0" err="1"/>
-              <a:t>i</a:t>
-            </a:r>
-            <a:r>
-              <a:rPr lang="en-US" dirty="0"/>
-              <a:t>' key to toggle to insert mode</a:t>
-            </a:r>
-          </a:p>
-          <a:p>
-            <a:pPr lvl="3">
-              <a:buFont typeface="Arial" pitchFamily="18" charset="2"/>
-              <a:buChar char="•"/>
-            </a:pPr>
-            <a:r>
-              <a:rPr lang="en-US" dirty="0"/>
-              <a:t>Type alias python='python3' and hit 'return'</a:t>
-            </a:r>
-          </a:p>
-          <a:p>
-            <a:pPr lvl="3">
-              <a:buFont typeface="Arial" pitchFamily="18" charset="2"/>
-              <a:buChar char="•"/>
-            </a:pPr>
-            <a:r>
-              <a:rPr lang="en-US" dirty="0"/>
-              <a:t>Type alias pip='pip3'</a:t>
-            </a:r>
-          </a:p>
-          <a:p>
-            <a:pPr lvl="3">
-              <a:buFont typeface="Arial" pitchFamily="18" charset="2"/>
-              <a:buChar char="•"/>
-            </a:pPr>
-            <a:r>
-              <a:rPr lang="en-US" dirty="0"/>
-              <a:t>Hit escape key followed by :</a:t>
-            </a:r>
-            <a:r>
-              <a:rPr lang="en-US" dirty="0" err="1"/>
-              <a:t>wq</a:t>
-            </a:r>
-            <a:r>
-              <a:rPr lang="en-US" dirty="0"/>
-              <a:t> and hit enter</a:t>
-            </a:r>
-          </a:p>
-          <a:p>
-            <a:pPr lvl="3">
-              <a:buFont typeface="Arial" pitchFamily="18" charset="2"/>
-              <a:buChar char="•"/>
-            </a:pPr>
-            <a:r>
-              <a:rPr lang="en-US" dirty="0"/>
-              <a:t>Close terminal and open new terminal</a:t>
-            </a:r>
-          </a:p>
-          <a:p>
-            <a:pPr lvl="3">
-              <a:buFont typeface="Arial" pitchFamily="18" charset="2"/>
-              <a:buChar char="•"/>
-            </a:pPr>
-            <a:r>
-              <a:rPr lang="en-US" dirty="0"/>
-              <a:t>See python and pip versions again and let us know if they are incorrect</a:t>
-            </a:r>
-          </a:p>
-          <a:p>
-            <a:pPr lvl="2"/>
-            <a:endParaRPr lang="en-US" dirty="0"/>
+              <a:rPr lang="en-US" spc="0" err="1"/>
+              <a:t>jupyter</a:t>
+            </a:r>
+            <a:r>
+              <a:rPr lang="en-US" spc="0"/>
+              <a:t> notebook</a:t>
+            </a:r>
+          </a:p>
+          <a:p>
+            <a:r>
+              <a:rPr lang="en-US"/>
+              <a:t>Any issues let us know!</a:t>
+            </a:r>
           </a:p>
         </p:txBody>
       </p:sp>
     </p:spTree>
     <p:extLst>
       <p:ext uri="{BB962C8B-B14F-4D97-AF65-F5344CB8AC3E}">
-        <p14:creationId xmlns:p14="http://schemas.microsoft.com/office/powerpoint/2010/main" val="373214369"/>
+        <p14:creationId xmlns:p14="http://schemas.microsoft.com/office/powerpoint/2010/main" val="3039479220"/>
       </p:ext>
     </p:extLst>
   </p:cSld>
@@ -6598,7 +6731,7 @@
 </file>
 
 <file path=ppt/slides/slide19.xml><?xml version="1.0" encoding="utf-8"?>
-<p:sld xmlns:a="http://schemas.openxmlformats.org/drawingml/2006/main" xmlns:r="http://schemas.openxmlformats.org/officeDocument/2006/relationships" xmlns:p="http://schemas.openxmlformats.org/presentationml/2006/main" show="0">
+<p:sld xmlns:a="http://schemas.openxmlformats.org/drawingml/2006/main" xmlns:r="http://schemas.openxmlformats.org/officeDocument/2006/relationships" xmlns:p="http://schemas.openxmlformats.org/presentationml/2006/main">
   <p:cSld>
     <p:spTree>
       <p:nvGrpSpPr>
@@ -6616,10 +6749,10 @@
       </p:grpSpPr>
       <p:sp>
         <p:nvSpPr>
-          <p:cNvPr id="2" name="Title 1">
+          <p:cNvPr id="4" name="Title 3">
             <a:extLst>
               <a:ext uri="{FF2B5EF4-FFF2-40B4-BE49-F238E27FC236}">
-                <a16:creationId xmlns:a16="http://schemas.microsoft.com/office/drawing/2014/main" id="{B1EDD2EB-930B-4D1A-AEEE-78EEBB799ADB}"/>
+                <a16:creationId xmlns:a16="http://schemas.microsoft.com/office/drawing/2014/main" id="{526E2F76-E148-4A03-8403-C722C7973B45}"/>
               </a:ext>
             </a:extLst>
           </p:cNvPr>
@@ -6627,34 +6760,27 @@
             <a:spLocks noGrp="1"/>
           </p:cNvSpPr>
           <p:nvPr>
-            <p:ph type="title"/>
-          </p:nvPr>
-        </p:nvSpPr>
-        <p:spPr>
-          <a:xfrm>
-            <a:off x="140276" y="74659"/>
-            <a:ext cx="9692640" cy="683428"/>
-          </a:xfrm>
-        </p:spPr>
-        <p:txBody>
-          <a:bodyPr>
-            <a:normAutofit fontScale="90000"/>
-          </a:bodyPr>
+            <p:ph type="ctrTitle"/>
+          </p:nvPr>
+        </p:nvSpPr>
+        <p:spPr/>
+        <p:txBody>
+          <a:bodyPr/>
           <a:lstStyle/>
           <a:p>
             <a:r>
-              <a:rPr lang="en-US"/>
-              <a:t>Installation Corrections </a:t>
-            </a:r>
-          </a:p>
-        </p:txBody>
-      </p:sp>
-      <p:sp>
-        <p:nvSpPr>
-          <p:cNvPr id="3" name="Content Placeholder 2">
+              <a:rPr lang="en-US" dirty="0"/>
+              <a:t>Review Week 1 Homework</a:t>
+            </a:r>
+          </a:p>
+        </p:txBody>
+      </p:sp>
+      <p:sp>
+        <p:nvSpPr>
+          <p:cNvPr id="5" name="Subtitle 4">
             <a:extLst>
               <a:ext uri="{FF2B5EF4-FFF2-40B4-BE49-F238E27FC236}">
-                <a16:creationId xmlns:a16="http://schemas.microsoft.com/office/drawing/2014/main" id="{BA874226-B518-44A7-B142-BA0EFCF75816}"/>
+                <a16:creationId xmlns:a16="http://schemas.microsoft.com/office/drawing/2014/main" id="{7E60D122-A577-40B6-B740-B95C8557E016}"/>
               </a:ext>
             </a:extLst>
           </p:cNvPr>
@@ -6662,161 +6788,22 @@
             <a:spLocks noGrp="1"/>
           </p:cNvSpPr>
           <p:nvPr>
-            <p:ph idx="1"/>
-          </p:nvPr>
-        </p:nvSpPr>
-        <p:spPr>
-          <a:xfrm>
-            <a:off x="431378" y="981182"/>
-            <a:ext cx="8595360" cy="4351337"/>
-          </a:xfrm>
-        </p:spPr>
-        <p:txBody>
-          <a:bodyPr vert="horz" lIns="91440" tIns="45720" rIns="91440" bIns="45720" rtlCol="0" anchor="t">
-            <a:normAutofit fontScale="92500" lnSpcReduction="20000"/>
-          </a:bodyPr>
+            <p:ph type="subTitle" idx="1"/>
+          </p:nvPr>
+        </p:nvSpPr>
+        <p:spPr/>
+        <p:txBody>
+          <a:bodyPr/>
           <a:lstStyle/>
           <a:p>
-            <a:r>
-              <a:rPr lang="en-US"/>
-              <a:t>Now that everyone has the correct python/pip we can correct some installs</a:t>
-            </a:r>
-          </a:p>
-          <a:p>
-            <a:r>
-              <a:rPr lang="en-US"/>
-              <a:t>Last week 'pip install </a:t>
-            </a:r>
-            <a:r>
-              <a:rPr lang="en-US" err="1"/>
-              <a:t>jupyter</a:t>
-            </a:r>
-            <a:r>
-              <a:rPr lang="en-US"/>
-              <a:t> lab'</a:t>
-            </a:r>
-          </a:p>
-          <a:p>
-            <a:pPr lvl="1">
-              <a:buFont typeface="Arial" pitchFamily="18" charset="2"/>
-              <a:buChar char="•"/>
-            </a:pPr>
-            <a:r>
-              <a:rPr lang="en-US"/>
-              <a:t>Same as  pip install package1 package2 package3</a:t>
-            </a:r>
-          </a:p>
-          <a:p>
-            <a:r>
-              <a:rPr lang="en-US"/>
-              <a:t>pip uninstall lab</a:t>
-            </a:r>
-          </a:p>
-          <a:p>
-            <a:r>
-              <a:rPr lang="en-US"/>
-              <a:t>pip uninstall </a:t>
-            </a:r>
-            <a:r>
-              <a:rPr lang="en-US" err="1"/>
-              <a:t>jupyter</a:t>
-            </a:r>
             <a:endParaRPr lang="en-US"/>
-          </a:p>
-          <a:p>
-            <a:r>
-              <a:rPr lang="en-US"/>
-              <a:t>pip uninstall (anything else </a:t>
-            </a:r>
-            <a:r>
-              <a:rPr lang="en-US" err="1"/>
-              <a:t>jupyter</a:t>
-            </a:r>
-            <a:r>
-              <a:rPr lang="en-US"/>
-              <a:t> related you might have tried) (</a:t>
-            </a:r>
-            <a:r>
-              <a:rPr lang="en-US" err="1"/>
-              <a:t>jupyter</a:t>
-            </a:r>
-            <a:r>
-              <a:rPr lang="en-US"/>
-              <a:t>-lab)</a:t>
-            </a:r>
-          </a:p>
-          <a:p>
-            <a:r>
-              <a:rPr lang="en-US"/>
-              <a:t>pip install </a:t>
-            </a:r>
-            <a:r>
-              <a:rPr lang="en-US" err="1"/>
-              <a:t>jupyterlab</a:t>
-            </a:r>
-            <a:endParaRPr lang="en-US"/>
-          </a:p>
-          <a:p>
-            <a:r>
-              <a:rPr lang="en-US"/>
-              <a:t>Pip install notebook (this is the classic </a:t>
-            </a:r>
-            <a:r>
-              <a:rPr lang="en-US" err="1"/>
-              <a:t>jupyter</a:t>
-            </a:r>
-            <a:r>
-              <a:rPr lang="en-US"/>
-              <a:t>)</a:t>
-            </a:r>
-          </a:p>
-          <a:p>
-            <a:r>
-              <a:rPr lang="en-US" err="1"/>
-              <a:t>jupyter</a:t>
-            </a:r>
-            <a:r>
-              <a:rPr lang="en-US"/>
-              <a:t> lab</a:t>
-            </a:r>
-          </a:p>
-          <a:p>
-            <a:pPr lvl="1">
-              <a:buFont typeface="Arial" pitchFamily="18" charset="2"/>
-              <a:buChar char="•"/>
-            </a:pPr>
-            <a:r>
-              <a:rPr lang="en-US" spc="10"/>
-              <a:t>Close terminal</a:t>
-            </a:r>
-            <a:endParaRPr lang="en-US"/>
-          </a:p>
-          <a:p>
-            <a:pPr>
-              <a:buFont typeface="Arial" pitchFamily="18" charset="2"/>
-              <a:buChar char="•"/>
-            </a:pPr>
-            <a:r>
-              <a:rPr lang="en-US" spc="0" err="1"/>
-              <a:t>jupyter</a:t>
-            </a:r>
-            <a:r>
-              <a:rPr lang="en-US" spc="0"/>
-              <a:t> notebook</a:t>
-            </a:r>
-          </a:p>
-          <a:p>
-            <a:r>
-              <a:rPr lang="en-US"/>
-              <a:t>Any issues let us know!</a:t>
-            </a:r>
           </a:p>
         </p:txBody>
       </p:sp>
     </p:spTree>
     <p:extLst>
       <p:ext uri="{BB962C8B-B14F-4D97-AF65-F5344CB8AC3E}">
-        <p14:creationId xmlns:p14="http://schemas.microsoft.com/office/powerpoint/2010/main" val="3039479220"/>
+        <p14:creationId xmlns:p14="http://schemas.microsoft.com/office/powerpoint/2010/main" val="244332754"/>
       </p:ext>
     </p:extLst>
   </p:cSld>
@@ -6994,89 +6981,6 @@
       </p:grpSpPr>
       <p:sp>
         <p:nvSpPr>
-          <p:cNvPr id="4" name="Title 3">
-            <a:extLst>
-              <a:ext uri="{FF2B5EF4-FFF2-40B4-BE49-F238E27FC236}">
-                <a16:creationId xmlns:a16="http://schemas.microsoft.com/office/drawing/2014/main" id="{526E2F76-E148-4A03-8403-C722C7973B45}"/>
-              </a:ext>
-            </a:extLst>
-          </p:cNvPr>
-          <p:cNvSpPr>
-            <a:spLocks noGrp="1"/>
-          </p:cNvSpPr>
-          <p:nvPr>
-            <p:ph type="ctrTitle"/>
-          </p:nvPr>
-        </p:nvSpPr>
-        <p:spPr/>
-        <p:txBody>
-          <a:bodyPr/>
-          <a:lstStyle/>
-          <a:p>
-            <a:r>
-              <a:rPr lang="en-US" dirty="0"/>
-              <a:t>Review Week 1 Homework</a:t>
-            </a:r>
-          </a:p>
-        </p:txBody>
-      </p:sp>
-      <p:sp>
-        <p:nvSpPr>
-          <p:cNvPr id="5" name="Subtitle 4">
-            <a:extLst>
-              <a:ext uri="{FF2B5EF4-FFF2-40B4-BE49-F238E27FC236}">
-                <a16:creationId xmlns:a16="http://schemas.microsoft.com/office/drawing/2014/main" id="{7E60D122-A577-40B6-B740-B95C8557E016}"/>
-              </a:ext>
-            </a:extLst>
-          </p:cNvPr>
-          <p:cNvSpPr>
-            <a:spLocks noGrp="1"/>
-          </p:cNvSpPr>
-          <p:nvPr>
-            <p:ph type="subTitle" idx="1"/>
-          </p:nvPr>
-        </p:nvSpPr>
-        <p:spPr/>
-        <p:txBody>
-          <a:bodyPr/>
-          <a:lstStyle/>
-          <a:p>
-            <a:endParaRPr lang="en-US"/>
-          </a:p>
-        </p:txBody>
-      </p:sp>
-    </p:spTree>
-    <p:extLst>
-      <p:ext uri="{BB962C8B-B14F-4D97-AF65-F5344CB8AC3E}">
-        <p14:creationId xmlns:p14="http://schemas.microsoft.com/office/powerpoint/2010/main" val="244332754"/>
-      </p:ext>
-    </p:extLst>
-  </p:cSld>
-  <p:clrMapOvr>
-    <a:masterClrMapping/>
-  </p:clrMapOvr>
-</p:sld>
-</file>
-
-<file path=ppt/slides/slide21.xml><?xml version="1.0" encoding="utf-8"?>
-<p:sld xmlns:a="http://schemas.openxmlformats.org/drawingml/2006/main" xmlns:r="http://schemas.openxmlformats.org/officeDocument/2006/relationships" xmlns:p="http://schemas.openxmlformats.org/presentationml/2006/main">
-  <p:cSld>
-    <p:spTree>
-      <p:nvGrpSpPr>
-        <p:cNvPr id="1" name=""/>
-        <p:cNvGrpSpPr/>
-        <p:nvPr/>
-      </p:nvGrpSpPr>
-      <p:grpSpPr>
-        <a:xfrm>
-          <a:off x="0" y="0"/>
-          <a:ext cx="0" cy="0"/>
-          <a:chOff x="0" y="0"/>
-          <a:chExt cx="0" cy="0"/>
-        </a:xfrm>
-      </p:grpSpPr>
-      <p:sp>
-        <p:nvSpPr>
           <p:cNvPr id="2" name="Title 1">
             <a:extLst>
               <a:ext uri="{FF2B5EF4-FFF2-40B4-BE49-F238E27FC236}">
@@ -7179,7 +7083,7 @@
 </p:sld>
 </file>
 
-<file path=ppt/slides/slide22.xml><?xml version="1.0" encoding="utf-8"?>
+<file path=ppt/slides/slide21.xml><?xml version="1.0" encoding="utf-8"?>
 <p:sld xmlns:a="http://schemas.openxmlformats.org/drawingml/2006/main" xmlns:r="http://schemas.openxmlformats.org/officeDocument/2006/relationships" xmlns:p="http://schemas.openxmlformats.org/presentationml/2006/main">
   <p:cSld>
     <p:spTree>
@@ -7351,13 +7255,21 @@
           <a:p>
             <a:r>
               <a:rPr lang="en-US" dirty="0"/>
-              <a:t>Warm-up (10 minutes)</a:t>
-            </a:r>
-          </a:p>
-          <a:p>
-            <a:r>
-              <a:rPr lang="en-US" dirty="0"/>
-              <a:t>Good struggle vs Bad struggle (10 minutes)</a:t>
+              <a:t>Warm-up </a:t>
+            </a:r>
+            <a:r>
+              <a:rPr lang="en-US"/>
+              <a:t>(15 </a:t>
+            </a:r>
+            <a:r>
+              <a:rPr lang="en-US" dirty="0"/>
+              <a:t>minutes)</a:t>
+            </a:r>
+          </a:p>
+          <a:p>
+            <a:r>
+              <a:rPr lang="en-US" dirty="0"/>
+              <a:t>Good struggle vs Bad struggle (15 minutes)</a:t>
             </a:r>
           </a:p>
           <a:p>
@@ -7391,12 +7303,6 @@
             <a:r>
               <a:rPr lang="en-US" dirty="0"/>
               <a:t>Exercise</a:t>
-            </a:r>
-          </a:p>
-          <a:p>
-            <a:r>
-              <a:rPr lang="en-US" dirty="0"/>
-              <a:t>Install VS Code (15 minutes)</a:t>
             </a:r>
           </a:p>
           <a:p>

--- a/course_material/week_02/week_02_presentation.pptx
+++ b/course_material/week_02/week_02_presentation.pptx
@@ -5,7 +5,7 @@
     <p:sldMasterId id="2147483696" r:id="rId1"/>
   </p:sldMasterIdLst>
   <p:notesMasterIdLst>
-    <p:notesMasterId r:id="rId23"/>
+    <p:notesMasterId r:id="rId24"/>
   </p:notesMasterIdLst>
   <p:sldIdLst>
     <p:sldId id="256" r:id="rId2"/>
@@ -13,22 +13,23 @@
     <p:sldId id="259" r:id="rId4"/>
     <p:sldId id="271" r:id="rId5"/>
     <p:sldId id="263" r:id="rId6"/>
-    <p:sldId id="274" r:id="rId7"/>
-    <p:sldId id="279" r:id="rId8"/>
-    <p:sldId id="267" r:id="rId9"/>
-    <p:sldId id="286" r:id="rId10"/>
-    <p:sldId id="269" r:id="rId11"/>
-    <p:sldId id="280" r:id="rId12"/>
-    <p:sldId id="287" r:id="rId13"/>
-    <p:sldId id="275" r:id="rId14"/>
-    <p:sldId id="277" r:id="rId15"/>
-    <p:sldId id="276" r:id="rId16"/>
-    <p:sldId id="285" r:id="rId17"/>
-    <p:sldId id="264" r:id="rId18"/>
-    <p:sldId id="265" r:id="rId19"/>
-    <p:sldId id="283" r:id="rId20"/>
-    <p:sldId id="270" r:id="rId21"/>
-    <p:sldId id="282" r:id="rId22"/>
+    <p:sldId id="288" r:id="rId7"/>
+    <p:sldId id="274" r:id="rId8"/>
+    <p:sldId id="279" r:id="rId9"/>
+    <p:sldId id="267" r:id="rId10"/>
+    <p:sldId id="286" r:id="rId11"/>
+    <p:sldId id="269" r:id="rId12"/>
+    <p:sldId id="280" r:id="rId13"/>
+    <p:sldId id="287" r:id="rId14"/>
+    <p:sldId id="275" r:id="rId15"/>
+    <p:sldId id="277" r:id="rId16"/>
+    <p:sldId id="276" r:id="rId17"/>
+    <p:sldId id="285" r:id="rId18"/>
+    <p:sldId id="264" r:id="rId19"/>
+    <p:sldId id="265" r:id="rId20"/>
+    <p:sldId id="283" r:id="rId21"/>
+    <p:sldId id="270" r:id="rId22"/>
+    <p:sldId id="282" r:id="rId23"/>
   </p:sldIdLst>
   <p:sldSz cx="12192000" cy="6858000"/>
   <p:notesSz cx="6858000" cy="9144000"/>
@@ -1507,7 +1508,7 @@
           <a:p>
             <a:fld id="{84B723E6-6E3C-467B-A65A-C60C6BFA5392}" type="datetimeFigureOut">
               <a:rPr lang="en-US" smtClean="0"/>
-              <a:t>3/13/2021</a:t>
+              <a:t>9/7/2021</a:t>
             </a:fld>
             <a:endParaRPr lang="en-US"/>
           </a:p>
@@ -1855,7 +1856,7 @@
           <a:p>
             <a:fld id="{806B7796-0EC5-4B07-8569-0213ABC15A1E}" type="slidenum">
               <a:rPr lang="en-US" smtClean="0"/>
-              <a:t>12</a:t>
+              <a:t>13</a:t>
             </a:fld>
             <a:endParaRPr lang="en-US"/>
           </a:p>
@@ -1947,7 +1948,7 @@
           <a:p>
             <a:fld id="{2CD6395E-E0A2-4FD5-96E6-628A2336CB73}" type="slidenum">
               <a:rPr lang="en-US" smtClean="0"/>
-              <a:t>13</a:t>
+              <a:t>14</a:t>
             </a:fld>
             <a:endParaRPr lang="en-US"/>
           </a:p>
@@ -2160,7 +2161,7 @@
           <a:p>
             <a:fld id="{ACF1A1B0-862D-4909-A7DB-D8ADA062DFCA}" type="datetimeFigureOut">
               <a:rPr lang="en-US" dirty="0"/>
-              <a:t>3/13/2021</a:t>
+              <a:t>9/7/2021</a:t>
             </a:fld>
             <a:endParaRPr lang="en-US"/>
           </a:p>
@@ -2383,7 +2384,7 @@
           <a:p>
             <a:fld id="{7B156144-9CB7-4E3A-B87E-A382F9BE05EF}" type="datetimeFigureOut">
               <a:rPr lang="en-US" dirty="0"/>
-              <a:t>3/13/2021</a:t>
+              <a:t>9/7/2021</a:t>
             </a:fld>
             <a:endParaRPr lang="en-US"/>
           </a:p>
@@ -2561,7 +2562,7 @@
           <a:p>
             <a:fld id="{2643D55F-46AB-4791-9172-4FA8DD3A6A9C}" type="datetimeFigureOut">
               <a:rPr lang="en-US" dirty="0"/>
-              <a:t>3/13/2021</a:t>
+              <a:t>9/7/2021</a:t>
             </a:fld>
             <a:endParaRPr lang="en-US"/>
           </a:p>
@@ -2729,7 +2730,7 @@
           <a:p>
             <a:fld id="{58026881-8A08-449C-8D73-E5F201F814C1}" type="datetimeFigureOut">
               <a:rPr lang="en-US" dirty="0"/>
-              <a:t>3/13/2021</a:t>
+              <a:t>9/7/2021</a:t>
             </a:fld>
             <a:endParaRPr lang="en-US"/>
           </a:p>
@@ -3019,7 +3020,7 @@
           <a:p>
             <a:fld id="{1BEB5A5E-0C07-4E93-A112-D37B4D166B30}" type="datetimeFigureOut">
               <a:rPr lang="en-US" dirty="0"/>
-              <a:t>3/13/2021</a:t>
+              <a:t>9/7/2021</a:t>
             </a:fld>
             <a:endParaRPr lang="en-US"/>
           </a:p>
@@ -3342,7 +3343,7 @@
           <a:p>
             <a:fld id="{9E1F71C5-DC57-4358-A1EA-30C08AF6E3C5}" type="datetimeFigureOut">
               <a:rPr lang="en-US" dirty="0"/>
-              <a:t>3/13/2021</a:t>
+              <a:t>9/7/2021</a:t>
             </a:fld>
             <a:endParaRPr lang="en-US"/>
           </a:p>
@@ -3751,7 +3752,7 @@
           <a:p>
             <a:fld id="{12571DBA-DE60-4731-B773-47AAA185C143}" type="datetimeFigureOut">
               <a:rPr lang="en-US" dirty="0"/>
-              <a:t>3/13/2021</a:t>
+              <a:t>9/7/2021</a:t>
             </a:fld>
             <a:endParaRPr lang="en-US"/>
           </a:p>
@@ -3868,7 +3869,7 @@
           <a:p>
             <a:fld id="{4F170639-886C-4FCF-9EAB-ABB5DA3F3F4A}" type="datetimeFigureOut">
               <a:rPr lang="en-US" dirty="0"/>
-              <a:t>3/13/2021</a:t>
+              <a:t>9/7/2021</a:t>
             </a:fld>
             <a:endParaRPr lang="en-US"/>
           </a:p>
@@ -3963,7 +3964,7 @@
           <a:p>
             <a:fld id="{34C4A628-C83B-4C66-83F4-1711CE3738FD}" type="datetimeFigureOut">
               <a:rPr lang="en-US" dirty="0"/>
-              <a:t>3/13/2021</a:t>
+              <a:t>9/7/2021</a:t>
             </a:fld>
             <a:endParaRPr lang="en-US"/>
           </a:p>
@@ -4248,7 +4249,7 @@
           <a:p>
             <a:fld id="{B88C1D73-9400-43CA-A37F-F9B7D00DE14C}" type="datetimeFigureOut">
               <a:rPr lang="en-US" dirty="0"/>
-              <a:t>3/13/2021</a:t>
+              <a:t>9/7/2021</a:t>
             </a:fld>
             <a:endParaRPr lang="en-US"/>
           </a:p>
@@ -4520,7 +4521,7 @@
           <a:p>
             <a:fld id="{188B7711-B905-4633-B4D7-6F3A49A2E7D9}" type="datetimeFigureOut">
               <a:rPr lang="en-US" dirty="0"/>
-              <a:t>3/13/2021</a:t>
+              <a:t>9/7/2021</a:t>
             </a:fld>
             <a:endParaRPr lang="en-US"/>
           </a:p>
@@ -4770,7 +4771,7 @@
             <a:fld id="{89C235CF-BDA2-4E7E-8BBD-350479985E74}" type="datetimeFigureOut">
               <a:rPr lang="en-US" dirty="0"/>
               <a:pPr/>
-              <a:t>3/13/2021</a:t>
+              <a:t>9/7/2021</a:t>
             </a:fld>
             <a:endParaRPr lang="en-US"/>
           </a:p>
@@ -5330,7 +5331,7 @@
           <p:cNvPr id="2" name="Title 1">
             <a:extLst>
               <a:ext uri="{FF2B5EF4-FFF2-40B4-BE49-F238E27FC236}">
-                <a16:creationId xmlns:a16="http://schemas.microsoft.com/office/drawing/2014/main" id="{D83172B4-34F1-4C4E-AA31-5A496E459E1D}"/>
+                <a16:creationId xmlns:a16="http://schemas.microsoft.com/office/drawing/2014/main" id="{D6E37796-6D6D-47C6-86EA-242957A9E930}"/>
               </a:ext>
             </a:extLst>
           </p:cNvPr>
@@ -5341,21 +5342,14 @@
             <p:ph type="title"/>
           </p:nvPr>
         </p:nvSpPr>
-        <p:spPr>
-          <a:xfrm>
-            <a:off x="439940" y="237333"/>
-            <a:ext cx="9709763" cy="649180"/>
-          </a:xfrm>
-        </p:spPr>
-        <p:txBody>
-          <a:bodyPr>
-            <a:normAutofit fontScale="90000"/>
-          </a:bodyPr>
+        <p:spPr/>
+        <p:txBody>
+          <a:bodyPr/>
           <a:lstStyle/>
           <a:p>
             <a:r>
-              <a:rPr lang="en-US"/>
-              <a:t>Congrats! You have your first repo!</a:t>
+              <a:rPr lang="en-US" dirty="0"/>
+              <a:t>Where do you clone your HW repo?!?!?!</a:t>
             </a:r>
           </a:p>
         </p:txBody>
@@ -5365,7 +5359,7 @@
           <p:cNvPr id="3" name="Content Placeholder 2">
             <a:extLst>
               <a:ext uri="{FF2B5EF4-FFF2-40B4-BE49-F238E27FC236}">
-                <a16:creationId xmlns:a16="http://schemas.microsoft.com/office/drawing/2014/main" id="{E4388549-A6DD-4B47-9AF0-1810E08B5629}"/>
+                <a16:creationId xmlns:a16="http://schemas.microsoft.com/office/drawing/2014/main" id="{BB1F21AB-ABE0-4C0B-ACD9-63F486D55ED4}"/>
               </a:ext>
             </a:extLst>
           </p:cNvPr>
@@ -5376,90 +5370,71 @@
             <p:ph idx="1"/>
           </p:nvPr>
         </p:nvSpPr>
+        <p:spPr/>
+        <p:txBody>
+          <a:bodyPr/>
+          <a:lstStyle/>
+          <a:p>
+            <a:r>
+              <a:rPr lang="en-US" dirty="0"/>
+              <a:t>Do NOT put it in the repo for the course material (Data-Science-Assignments)</a:t>
+            </a:r>
+          </a:p>
+          <a:p>
+            <a:r>
+              <a:rPr lang="en-US" sz="1500" dirty="0">
+                <a:ea typeface="+mn-lt"/>
+                <a:cs typeface="+mn-lt"/>
+              </a:rPr>
+              <a:t>Make sure you store your notes and HW assignments in a different folder from the class repo (called Data-Science-Assignments)</a:t>
+            </a:r>
+          </a:p>
+          <a:p>
+            <a:pPr lvl="2"/>
+            <a:r>
+              <a:rPr lang="en-US" sz="1500" dirty="0">
+                <a:ea typeface="+mn-lt"/>
+                <a:cs typeface="+mn-lt"/>
+              </a:rPr>
+              <a:t>It will get overwritten if you don’t! </a:t>
+            </a:r>
+          </a:p>
+        </p:txBody>
+      </p:sp>
+      <p:pic>
+        <p:nvPicPr>
+          <p:cNvPr id="5" name="Picture 4">
+            <a:extLst>
+              <a:ext uri="{FF2B5EF4-FFF2-40B4-BE49-F238E27FC236}">
+                <a16:creationId xmlns:a16="http://schemas.microsoft.com/office/drawing/2014/main" id="{CC61A177-36F4-4E98-809A-24B2E9E82A1F}"/>
+              </a:ext>
+            </a:extLst>
+          </p:cNvPr>
+          <p:cNvPicPr>
+            <a:picLocks noChangeAspect="1"/>
+          </p:cNvPicPr>
+          <p:nvPr/>
+        </p:nvPicPr>
+        <p:blipFill>
+          <a:blip r:embed="rId2"/>
+          <a:stretch>
+            <a:fillRect/>
+          </a:stretch>
+        </p:blipFill>
         <p:spPr>
           <a:xfrm>
-            <a:off x="516996" y="1075362"/>
-            <a:ext cx="9888191" cy="4308528"/>
+            <a:off x="2125979" y="3429000"/>
+            <a:ext cx="7113685" cy="3090371"/>
           </a:xfrm>
+          <a:prstGeom prst="rect">
+            <a:avLst/>
+          </a:prstGeom>
         </p:spPr>
-        <p:txBody>
-          <a:bodyPr vert="horz" lIns="91440" tIns="45720" rIns="91440" bIns="45720" rtlCol="0" anchor="t">
-            <a:normAutofit/>
-          </a:bodyPr>
-          <a:lstStyle/>
-          <a:p>
-            <a:r>
-              <a:rPr lang="en-US" dirty="0"/>
-              <a:t>Clone your repo into a logical location! </a:t>
-            </a:r>
-          </a:p>
-          <a:p>
-            <a:r>
-              <a:rPr lang="en-US" dirty="0"/>
-              <a:t>Copy your homework2.ipynb file into homework_02 repo. </a:t>
-            </a:r>
-          </a:p>
-          <a:p>
-            <a:r>
-              <a:rPr lang="en-US" dirty="0"/>
-              <a:t>Cd into your homework_02 repo</a:t>
-            </a:r>
-          </a:p>
-          <a:p>
-            <a:r>
-              <a:rPr lang="en-US" dirty="0"/>
-              <a:t>git add .</a:t>
-            </a:r>
-          </a:p>
-          <a:p>
-            <a:pPr lvl="1">
-              <a:buFont typeface="Arial" pitchFamily="18" charset="2"/>
-              <a:buChar char="•"/>
-            </a:pPr>
-            <a:r>
-              <a:rPr lang="en-US" dirty="0"/>
-              <a:t>Git add . is probably not best practice. Use the exact filename instead!</a:t>
-            </a:r>
-          </a:p>
-          <a:p>
-            <a:r>
-              <a:rPr lang="en-US" dirty="0"/>
-              <a:t>git commit –m 'adding homework'</a:t>
-            </a:r>
-          </a:p>
-          <a:p>
-            <a:r>
-              <a:rPr lang="en-US" dirty="0"/>
-              <a:t>git push</a:t>
-            </a:r>
-          </a:p>
-          <a:p>
-            <a:r>
-              <a:rPr lang="en-US" dirty="0"/>
-              <a:t>Homework will now be a link to your repo. </a:t>
-            </a:r>
-          </a:p>
-          <a:p>
-            <a:r>
-              <a:rPr lang="en-US" dirty="0"/>
-              <a:t>Make changes. Git add, git commit, git push!</a:t>
-            </a:r>
-          </a:p>
-          <a:p>
-            <a:pPr marL="0" indent="0">
-              <a:buNone/>
-            </a:pPr>
-            <a:endParaRPr lang="en-US" dirty="0"/>
-          </a:p>
-          <a:p>
-            <a:endParaRPr lang="en-US" dirty="0"/>
-          </a:p>
-        </p:txBody>
-      </p:sp>
+      </p:pic>
     </p:spTree>
     <p:extLst>
       <p:ext uri="{BB962C8B-B14F-4D97-AF65-F5344CB8AC3E}">
-        <p14:creationId xmlns:p14="http://schemas.microsoft.com/office/powerpoint/2010/main" val="337103106"/>
+        <p14:creationId xmlns:p14="http://schemas.microsoft.com/office/powerpoint/2010/main" val="3324491422"/>
       </p:ext>
     </p:extLst>
   </p:cSld>
@@ -5491,7 +5466,7 @@
           <p:cNvPr id="2" name="Title 1">
             <a:extLst>
               <a:ext uri="{FF2B5EF4-FFF2-40B4-BE49-F238E27FC236}">
-                <a16:creationId xmlns:a16="http://schemas.microsoft.com/office/drawing/2014/main" id="{EB05D639-1333-4AB7-9DA2-45849E42C3E2}"/>
+                <a16:creationId xmlns:a16="http://schemas.microsoft.com/office/drawing/2014/main" id="{D83172B4-34F1-4C4E-AA31-5A496E459E1D}"/>
               </a:ext>
             </a:extLst>
           </p:cNvPr>
@@ -5502,14 +5477,21 @@
             <p:ph type="title"/>
           </p:nvPr>
         </p:nvSpPr>
-        <p:spPr/>
-        <p:txBody>
-          <a:bodyPr/>
+        <p:spPr>
+          <a:xfrm>
+            <a:off x="439940" y="237333"/>
+            <a:ext cx="9709763" cy="649180"/>
+          </a:xfrm>
+        </p:spPr>
+        <p:txBody>
+          <a:bodyPr>
+            <a:normAutofit fontScale="90000"/>
+          </a:bodyPr>
           <a:lstStyle/>
           <a:p>
             <a:r>
-              <a:rPr lang="en-US" dirty="0"/>
-              <a:t>Git practice (5 minutes)</a:t>
+              <a:rPr lang="en-US"/>
+              <a:t>Congrats! You have your first repo!</a:t>
             </a:r>
           </a:p>
         </p:txBody>
@@ -5519,7 +5501,7 @@
           <p:cNvPr id="3" name="Content Placeholder 2">
             <a:extLst>
               <a:ext uri="{FF2B5EF4-FFF2-40B4-BE49-F238E27FC236}">
-                <a16:creationId xmlns:a16="http://schemas.microsoft.com/office/drawing/2014/main" id="{701773B5-931E-430D-9E28-A6D30E167CDD}"/>
+                <a16:creationId xmlns:a16="http://schemas.microsoft.com/office/drawing/2014/main" id="{E4388549-A6DD-4B47-9AF0-1810E08B5629}"/>
               </a:ext>
             </a:extLst>
           </p:cNvPr>
@@ -5532,73 +5514,88 @@
         </p:nvSpPr>
         <p:spPr>
           <a:xfrm>
-            <a:off x="896112" y="1691322"/>
-            <a:ext cx="8595360" cy="4351337"/>
+            <a:off x="516996" y="1075362"/>
+            <a:ext cx="9888191" cy="4308528"/>
           </a:xfrm>
         </p:spPr>
         <p:txBody>
-          <a:bodyPr>
+          <a:bodyPr vert="horz" lIns="91440" tIns="45720" rIns="91440" bIns="45720" rtlCol="0" anchor="t">
             <a:normAutofit/>
           </a:bodyPr>
           <a:lstStyle/>
           <a:p>
             <a:r>
               <a:rPr lang="en-US" dirty="0"/>
-              <a:t>Make a directory to store all your homework assignments in</a:t>
-            </a:r>
-          </a:p>
-          <a:p>
-            <a:r>
-              <a:rPr lang="en-US" dirty="0"/>
-              <a:t>Edit the readme.md file with your name, a title, and a description of what homework 2 is about (look </a:t>
-            </a:r>
-            <a:r>
-              <a:rPr lang="en-US" dirty="0">
-                <a:sym typeface="Wingdings" panose="05000000000000000000" pitchFamily="2" charset="2"/>
-              </a:rPr>
-              <a:t>in the class repo) </a:t>
-            </a:r>
+              <a:t>Clone your repo into a logical location! </a:t>
+            </a:r>
+          </a:p>
+          <a:p>
+            <a:r>
+              <a:rPr lang="en-US" dirty="0"/>
+              <a:t>Copy your homework2.ipynb file into homework_02 repo. </a:t>
+            </a:r>
+          </a:p>
+          <a:p>
+            <a:r>
+              <a:rPr lang="en-US" dirty="0"/>
+              <a:t>Cd into your homework_02 repo</a:t>
+            </a:r>
+          </a:p>
+          <a:p>
+            <a:r>
+              <a:rPr lang="en-US" dirty="0"/>
+              <a:t>git add .</a:t>
+            </a:r>
+          </a:p>
+          <a:p>
+            <a:pPr lvl="1">
+              <a:buFont typeface="Arial" pitchFamily="18" charset="2"/>
+              <a:buChar char="•"/>
+            </a:pPr>
+            <a:r>
+              <a:rPr lang="en-US" dirty="0"/>
+              <a:t>Git add . is probably not best practice. Use the exact filename instead!</a:t>
+            </a:r>
+          </a:p>
+          <a:p>
+            <a:r>
+              <a:rPr lang="en-US" dirty="0"/>
+              <a:t>git commit –m 'adding homework'</a:t>
+            </a:r>
+          </a:p>
+          <a:p>
+            <a:r>
+              <a:rPr lang="en-US" dirty="0"/>
+              <a:t>git push</a:t>
+            </a:r>
+          </a:p>
+          <a:p>
+            <a:r>
+              <a:rPr lang="en-US" dirty="0"/>
+              <a:t>Homework will now be a link to your repo. </a:t>
+            </a:r>
+          </a:p>
+          <a:p>
+            <a:r>
+              <a:rPr lang="en-US" dirty="0"/>
+              <a:t>Make changes. Git add, git commit, git push!</a:t>
+            </a:r>
+          </a:p>
+          <a:p>
+            <a:pPr marL="0" indent="0">
+              <a:buNone/>
+            </a:pPr>
             <a:endParaRPr lang="en-US" dirty="0"/>
           </a:p>
           <a:p>
-            <a:pPr lvl="1"/>
-            <a:r>
-              <a:rPr lang="en-US" dirty="0"/>
-              <a:t>Push your changes to </a:t>
-            </a:r>
-            <a:r>
-              <a:rPr lang="en-US" dirty="0" err="1"/>
-              <a:t>github</a:t>
-            </a:r>
             <a:endParaRPr lang="en-US" dirty="0"/>
-          </a:p>
-          <a:p>
-            <a:pPr lvl="2"/>
-            <a:r>
-              <a:rPr lang="en-US" dirty="0"/>
-              <a:t>Git add .</a:t>
-            </a:r>
-          </a:p>
-          <a:p>
-            <a:pPr lvl="2"/>
-            <a:r>
-              <a:rPr lang="en-US" dirty="0"/>
-              <a:t>Git commit –m “your message”</a:t>
-            </a:r>
-          </a:p>
-          <a:p>
-            <a:pPr lvl="2"/>
-            <a:r>
-              <a:rPr lang="en-US" dirty="0"/>
-              <a:t>Git push origin master</a:t>
-            </a:r>
           </a:p>
         </p:txBody>
       </p:sp>
     </p:spTree>
     <p:extLst>
       <p:ext uri="{BB962C8B-B14F-4D97-AF65-F5344CB8AC3E}">
-        <p14:creationId xmlns:p14="http://schemas.microsoft.com/office/powerpoint/2010/main" val="959168994"/>
+        <p14:creationId xmlns:p14="http://schemas.microsoft.com/office/powerpoint/2010/main" val="337103106"/>
       </p:ext>
     </p:extLst>
   </p:cSld>
@@ -5627,6 +5624,145 @@
       </p:grpSpPr>
       <p:sp>
         <p:nvSpPr>
+          <p:cNvPr id="2" name="Title 1">
+            <a:extLst>
+              <a:ext uri="{FF2B5EF4-FFF2-40B4-BE49-F238E27FC236}">
+                <a16:creationId xmlns:a16="http://schemas.microsoft.com/office/drawing/2014/main" id="{EB05D639-1333-4AB7-9DA2-45849E42C3E2}"/>
+              </a:ext>
+            </a:extLst>
+          </p:cNvPr>
+          <p:cNvSpPr>
+            <a:spLocks noGrp="1"/>
+          </p:cNvSpPr>
+          <p:nvPr>
+            <p:ph type="title"/>
+          </p:nvPr>
+        </p:nvSpPr>
+        <p:spPr/>
+        <p:txBody>
+          <a:bodyPr/>
+          <a:lstStyle/>
+          <a:p>
+            <a:r>
+              <a:rPr lang="en-US" dirty="0"/>
+              <a:t>Git practice (5 minutes)</a:t>
+            </a:r>
+          </a:p>
+        </p:txBody>
+      </p:sp>
+      <p:sp>
+        <p:nvSpPr>
+          <p:cNvPr id="3" name="Content Placeholder 2">
+            <a:extLst>
+              <a:ext uri="{FF2B5EF4-FFF2-40B4-BE49-F238E27FC236}">
+                <a16:creationId xmlns:a16="http://schemas.microsoft.com/office/drawing/2014/main" id="{701773B5-931E-430D-9E28-A6D30E167CDD}"/>
+              </a:ext>
+            </a:extLst>
+          </p:cNvPr>
+          <p:cNvSpPr>
+            <a:spLocks noGrp="1"/>
+          </p:cNvSpPr>
+          <p:nvPr>
+            <p:ph idx="1"/>
+          </p:nvPr>
+        </p:nvSpPr>
+        <p:spPr>
+          <a:xfrm>
+            <a:off x="896112" y="1691322"/>
+            <a:ext cx="8595360" cy="4351337"/>
+          </a:xfrm>
+        </p:spPr>
+        <p:txBody>
+          <a:bodyPr>
+            <a:normAutofit/>
+          </a:bodyPr>
+          <a:lstStyle/>
+          <a:p>
+            <a:r>
+              <a:rPr lang="en-US" dirty="0"/>
+              <a:t>Make a directory to store all your homework assignments in</a:t>
+            </a:r>
+          </a:p>
+          <a:p>
+            <a:r>
+              <a:rPr lang="en-US" dirty="0"/>
+              <a:t>Edit the readme.md file with your name, a title, and a description of what homework 2 is about (look </a:t>
+            </a:r>
+            <a:r>
+              <a:rPr lang="en-US" dirty="0">
+                <a:sym typeface="Wingdings" panose="05000000000000000000" pitchFamily="2" charset="2"/>
+              </a:rPr>
+              <a:t>in the class repo) </a:t>
+            </a:r>
+            <a:endParaRPr lang="en-US" dirty="0"/>
+          </a:p>
+          <a:p>
+            <a:pPr lvl="1"/>
+            <a:r>
+              <a:rPr lang="en-US" dirty="0"/>
+              <a:t>Push your changes to </a:t>
+            </a:r>
+            <a:r>
+              <a:rPr lang="en-US" dirty="0" err="1"/>
+              <a:t>github</a:t>
+            </a:r>
+            <a:endParaRPr lang="en-US" dirty="0"/>
+          </a:p>
+          <a:p>
+            <a:pPr lvl="2"/>
+            <a:r>
+              <a:rPr lang="en-US" dirty="0"/>
+              <a:t>Git add .</a:t>
+            </a:r>
+          </a:p>
+          <a:p>
+            <a:pPr lvl="2"/>
+            <a:r>
+              <a:rPr lang="en-US" dirty="0"/>
+              <a:t>Git commit –m “your message”</a:t>
+            </a:r>
+          </a:p>
+          <a:p>
+            <a:pPr lvl="2"/>
+            <a:r>
+              <a:rPr lang="en-US" dirty="0"/>
+              <a:t>Git push origin master</a:t>
+            </a:r>
+          </a:p>
+        </p:txBody>
+      </p:sp>
+    </p:spTree>
+    <p:extLst>
+      <p:ext uri="{BB962C8B-B14F-4D97-AF65-F5344CB8AC3E}">
+        <p14:creationId xmlns:p14="http://schemas.microsoft.com/office/powerpoint/2010/main" val="959168994"/>
+      </p:ext>
+    </p:extLst>
+  </p:cSld>
+  <p:clrMapOvr>
+    <a:masterClrMapping/>
+  </p:clrMapOvr>
+</p:sld>
+</file>
+
+<file path=ppt/slides/slide13.xml><?xml version="1.0" encoding="utf-8"?>
+<p:sld xmlns:a="http://schemas.openxmlformats.org/drawingml/2006/main" xmlns:r="http://schemas.openxmlformats.org/officeDocument/2006/relationships" xmlns:p="http://schemas.openxmlformats.org/presentationml/2006/main">
+  <p:cSld>
+    <p:spTree>
+      <p:nvGrpSpPr>
+        <p:cNvPr id="1" name=""/>
+        <p:cNvGrpSpPr/>
+        <p:nvPr/>
+      </p:nvGrpSpPr>
+      <p:grpSpPr>
+        <a:xfrm>
+          <a:off x="0" y="0"/>
+          <a:ext cx="0" cy="0"/>
+          <a:chOff x="0" y="0"/>
+          <a:chExt cx="0" cy="0"/>
+        </a:xfrm>
+      </p:grpSpPr>
+      <p:sp>
+        <p:nvSpPr>
           <p:cNvPr id="4" name="Title 3">
             <a:extLst>
               <a:ext uri="{FF2B5EF4-FFF2-40B4-BE49-F238E27FC236}">
@@ -5694,7 +5830,7 @@
 </p:sld>
 </file>
 
-<file path=ppt/slides/slide13.xml><?xml version="1.0" encoding="utf-8"?>
+<file path=ppt/slides/slide14.xml><?xml version="1.0" encoding="utf-8"?>
 <p:sld xmlns:a="http://schemas.openxmlformats.org/drawingml/2006/main" xmlns:r="http://schemas.openxmlformats.org/officeDocument/2006/relationships" xmlns:p="http://schemas.openxmlformats.org/presentationml/2006/main">
   <p:cSld>
     <p:spTree>
@@ -5799,124 +5935,6 @@
 </p:sld>
 </file>
 
-<file path=ppt/slides/slide14.xml><?xml version="1.0" encoding="utf-8"?>
-<p:sld xmlns:a="http://schemas.openxmlformats.org/drawingml/2006/main" xmlns:r="http://schemas.openxmlformats.org/officeDocument/2006/relationships" xmlns:p="http://schemas.openxmlformats.org/presentationml/2006/main">
-  <p:cSld>
-    <p:spTree>
-      <p:nvGrpSpPr>
-        <p:cNvPr id="1" name=""/>
-        <p:cNvGrpSpPr/>
-        <p:nvPr/>
-      </p:nvGrpSpPr>
-      <p:grpSpPr>
-        <a:xfrm>
-          <a:off x="0" y="0"/>
-          <a:ext cx="0" cy="0"/>
-          <a:chOff x="0" y="0"/>
-          <a:chExt cx="0" cy="0"/>
-        </a:xfrm>
-      </p:grpSpPr>
-      <p:sp>
-        <p:nvSpPr>
-          <p:cNvPr id="2" name="Title 1">
-            <a:extLst>
-              <a:ext uri="{FF2B5EF4-FFF2-40B4-BE49-F238E27FC236}">
-                <a16:creationId xmlns:a16="http://schemas.microsoft.com/office/drawing/2014/main" id="{47F85EB0-7CDB-4E13-A551-F7F23BFFFB23}"/>
-              </a:ext>
-            </a:extLst>
-          </p:cNvPr>
-          <p:cNvSpPr>
-            <a:spLocks noGrp="1"/>
-          </p:cNvSpPr>
-          <p:nvPr>
-            <p:ph type="title"/>
-          </p:nvPr>
-        </p:nvSpPr>
-        <p:spPr/>
-        <p:txBody>
-          <a:bodyPr/>
-          <a:lstStyle/>
-          <a:p>
-            <a:r>
-              <a:rPr lang="en-US" dirty="0"/>
-              <a:t>Python Flow control</a:t>
-            </a:r>
-          </a:p>
-        </p:txBody>
-      </p:sp>
-      <p:sp>
-        <p:nvSpPr>
-          <p:cNvPr id="3" name="Content Placeholder 2">
-            <a:extLst>
-              <a:ext uri="{FF2B5EF4-FFF2-40B4-BE49-F238E27FC236}">
-                <a16:creationId xmlns:a16="http://schemas.microsoft.com/office/drawing/2014/main" id="{829A05FB-1BBF-4E8B-B510-61049917C545}"/>
-              </a:ext>
-            </a:extLst>
-          </p:cNvPr>
-          <p:cNvSpPr>
-            <a:spLocks noGrp="1"/>
-          </p:cNvSpPr>
-          <p:nvPr>
-            <p:ph idx="1"/>
-          </p:nvPr>
-        </p:nvSpPr>
-        <p:spPr/>
-        <p:txBody>
-          <a:bodyPr/>
-          <a:lstStyle/>
-          <a:p>
-            <a:r>
-              <a:rPr lang="en-US" dirty="0"/>
-              <a:t>If… </a:t>
-            </a:r>
-            <a:r>
-              <a:rPr lang="en-US" dirty="0" err="1"/>
-              <a:t>elif</a:t>
-            </a:r>
-            <a:r>
-              <a:rPr lang="en-US" dirty="0"/>
-              <a:t>… else</a:t>
-            </a:r>
-          </a:p>
-          <a:p>
-            <a:r>
-              <a:rPr lang="en-US" dirty="0"/>
-              <a:t>for</a:t>
-            </a:r>
-          </a:p>
-          <a:p>
-            <a:r>
-              <a:rPr lang="en-US" dirty="0"/>
-              <a:t>While</a:t>
-            </a:r>
-          </a:p>
-          <a:p>
-            <a:r>
-              <a:rPr lang="en-US" dirty="0"/>
-              <a:t>Range</a:t>
-            </a:r>
-          </a:p>
-          <a:p>
-            <a:pPr marL="0" indent="0">
-              <a:buNone/>
-            </a:pPr>
-            <a:endParaRPr lang="en-US" dirty="0"/>
-          </a:p>
-        </p:txBody>
-      </p:sp>
-    </p:spTree>
-    <p:extLst>
-      <p:ext uri="{BB962C8B-B14F-4D97-AF65-F5344CB8AC3E}">
-        <p14:creationId xmlns:p14="http://schemas.microsoft.com/office/powerpoint/2010/main" val="1130824563"/>
-      </p:ext>
-    </p:extLst>
-  </p:cSld>
-  <p:clrMapOvr>
-    <a:masterClrMapping/>
-  </p:clrMapOvr>
-</p:sld>
-</file>
-
 <file path=ppt/slides/slide15.xml><?xml version="1.0" encoding="utf-8"?>
 <p:sld xmlns:a="http://schemas.openxmlformats.org/drawingml/2006/main" xmlns:r="http://schemas.openxmlformats.org/officeDocument/2006/relationships" xmlns:p="http://schemas.openxmlformats.org/presentationml/2006/main">
   <p:cSld>
@@ -5939,7 +5957,7 @@
           <p:cNvPr id="2" name="Title 1">
             <a:extLst>
               <a:ext uri="{FF2B5EF4-FFF2-40B4-BE49-F238E27FC236}">
-                <a16:creationId xmlns:a16="http://schemas.microsoft.com/office/drawing/2014/main" id="{FCB20E9B-002C-4D50-A850-7CCB8A9607EE}"/>
+                <a16:creationId xmlns:a16="http://schemas.microsoft.com/office/drawing/2014/main" id="{47F85EB0-7CDB-4E13-A551-F7F23BFFFB23}"/>
               </a:ext>
             </a:extLst>
           </p:cNvPr>
@@ -5957,7 +5975,7 @@
           <a:p>
             <a:r>
               <a:rPr lang="en-US" dirty="0"/>
-              <a:t>Practice Data types (10 minutes)</a:t>
+              <a:t>Python Flow control</a:t>
             </a:r>
           </a:p>
         </p:txBody>
@@ -5967,7 +5985,7 @@
           <p:cNvPr id="3" name="Content Placeholder 2">
             <a:extLst>
               <a:ext uri="{FF2B5EF4-FFF2-40B4-BE49-F238E27FC236}">
-                <a16:creationId xmlns:a16="http://schemas.microsoft.com/office/drawing/2014/main" id="{4BC89F77-664B-4D03-AA82-E422CC9A225B}"/>
+                <a16:creationId xmlns:a16="http://schemas.microsoft.com/office/drawing/2014/main" id="{829A05FB-1BBF-4E8B-B510-61049917C545}"/>
               </a:ext>
             </a:extLst>
           </p:cNvPr>
@@ -5985,54 +6003,39 @@
           <a:p>
             <a:r>
               <a:rPr lang="en-US" dirty="0"/>
-              <a:t>Document the main datatypes in a </a:t>
+              <a:t>If… </a:t>
             </a:r>
             <a:r>
               <a:rPr lang="en-US" dirty="0" err="1"/>
-              <a:t>Jupyer</a:t>
-            </a:r>
-            <a:r>
-              <a:rPr lang="en-US" dirty="0"/>
-              <a:t> notebook. Use markdown and headings and provide an example of each datatype and print the type to confirm you’re right:</a:t>
-            </a:r>
-          </a:p>
-          <a:p>
-            <a:pPr lvl="1"/>
-            <a:r>
-              <a:rPr lang="en-US" dirty="0"/>
-              <a:t>Numeric (integers and floats)</a:t>
-            </a:r>
-          </a:p>
-          <a:p>
-            <a:pPr lvl="1"/>
-            <a:r>
-              <a:rPr lang="en-US" dirty="0"/>
-              <a:t>Dictionary</a:t>
-            </a:r>
-          </a:p>
-          <a:p>
-            <a:pPr lvl="1"/>
-            <a:r>
-              <a:rPr lang="en-US" dirty="0"/>
-              <a:t>Boolean</a:t>
-            </a:r>
-          </a:p>
-          <a:p>
-            <a:pPr lvl="1"/>
-            <a:r>
-              <a:rPr lang="en-US" dirty="0"/>
-              <a:t>Sequence (string, list, tuple)</a:t>
-            </a:r>
-          </a:p>
-          <a:p>
-            <a:pPr lvl="1"/>
-            <a:r>
-              <a:rPr lang="en-US" dirty="0"/>
-              <a:t>Set</a:t>
-            </a:r>
-          </a:p>
-          <a:p>
-            <a:pPr lvl="1"/>
+              <a:t>elif</a:t>
+            </a:r>
+            <a:r>
+              <a:rPr lang="en-US" dirty="0"/>
+              <a:t>… else</a:t>
+            </a:r>
+          </a:p>
+          <a:p>
+            <a:r>
+              <a:rPr lang="en-US" dirty="0"/>
+              <a:t>for</a:t>
+            </a:r>
+          </a:p>
+          <a:p>
+            <a:r>
+              <a:rPr lang="en-US" dirty="0"/>
+              <a:t>While</a:t>
+            </a:r>
+          </a:p>
+          <a:p>
+            <a:r>
+              <a:rPr lang="en-US" dirty="0"/>
+              <a:t>Range</a:t>
+            </a:r>
+          </a:p>
+          <a:p>
+            <a:pPr marL="0" indent="0">
+              <a:buNone/>
+            </a:pPr>
             <a:endParaRPr lang="en-US" dirty="0"/>
           </a:p>
         </p:txBody>
@@ -6040,7 +6043,7 @@
     </p:spTree>
     <p:extLst>
       <p:ext uri="{BB962C8B-B14F-4D97-AF65-F5344CB8AC3E}">
-        <p14:creationId xmlns:p14="http://schemas.microsoft.com/office/powerpoint/2010/main" val="1047999158"/>
+        <p14:creationId xmlns:p14="http://schemas.microsoft.com/office/powerpoint/2010/main" val="1130824563"/>
       </p:ext>
     </p:extLst>
   </p:cSld>
@@ -6069,10 +6072,10 @@
       </p:grpSpPr>
       <p:sp>
         <p:nvSpPr>
-          <p:cNvPr id="4" name="Title 3">
+          <p:cNvPr id="2" name="Title 1">
             <a:extLst>
               <a:ext uri="{FF2B5EF4-FFF2-40B4-BE49-F238E27FC236}">
-                <a16:creationId xmlns:a16="http://schemas.microsoft.com/office/drawing/2014/main" id="{297BDE90-8DCF-4039-AB05-11C3F09C3813}"/>
+                <a16:creationId xmlns:a16="http://schemas.microsoft.com/office/drawing/2014/main" id="{FCB20E9B-002C-4D50-A850-7CCB8A9607EE}"/>
               </a:ext>
             </a:extLst>
           </p:cNvPr>
@@ -6080,7 +6083,7 @@
             <a:spLocks noGrp="1"/>
           </p:cNvSpPr>
           <p:nvPr>
-            <p:ph type="ctrTitle"/>
+            <p:ph type="title"/>
           </p:nvPr>
         </p:nvSpPr>
         <p:spPr/>
@@ -6090,17 +6093,17 @@
           <a:p>
             <a:r>
               <a:rPr lang="en-US" dirty="0"/>
-              <a:t>Break (10 Minutes)</a:t>
-            </a:r>
-          </a:p>
-        </p:txBody>
-      </p:sp>
-      <p:sp>
-        <p:nvSpPr>
-          <p:cNvPr id="5" name="Subtitle 4">
+              <a:t>Practice Data types (10 minutes)</a:t>
+            </a:r>
+          </a:p>
+        </p:txBody>
+      </p:sp>
+      <p:sp>
+        <p:nvSpPr>
+          <p:cNvPr id="3" name="Content Placeholder 2">
             <a:extLst>
               <a:ext uri="{FF2B5EF4-FFF2-40B4-BE49-F238E27FC236}">
-                <a16:creationId xmlns:a16="http://schemas.microsoft.com/office/drawing/2014/main" id="{AE43AD4D-53BE-4D90-B4EE-A313556AC5A9}"/>
+                <a16:creationId xmlns:a16="http://schemas.microsoft.com/office/drawing/2014/main" id="{4BC89F77-664B-4D03-AA82-E422CC9A225B}"/>
               </a:ext>
             </a:extLst>
           </p:cNvPr>
@@ -6108,7 +6111,7 @@
             <a:spLocks noGrp="1"/>
           </p:cNvSpPr>
           <p:nvPr>
-            <p:ph type="subTitle" idx="1"/>
+            <p:ph idx="1"/>
           </p:nvPr>
         </p:nvSpPr>
         <p:spPr/>
@@ -6118,15 +6121,62 @@
           <a:p>
             <a:r>
               <a:rPr lang="en-US" dirty="0"/>
-              <a:t>We will always have a break about midway through class. You need a breather, we need a breather, breaks are good. </a:t>
-            </a:r>
+              <a:t>Document the main datatypes in a </a:t>
+            </a:r>
+            <a:r>
+              <a:rPr lang="en-US" dirty="0" err="1"/>
+              <a:t>Jupyer</a:t>
+            </a:r>
+            <a:r>
+              <a:rPr lang="en-US" dirty="0"/>
+              <a:t> notebook. Use markdown and headings and provide an example of each datatype and print the type to confirm you’re right:</a:t>
+            </a:r>
+          </a:p>
+          <a:p>
+            <a:pPr lvl="1"/>
+            <a:r>
+              <a:rPr lang="en-US" dirty="0"/>
+              <a:t>Numeric (integers and floats)</a:t>
+            </a:r>
+          </a:p>
+          <a:p>
+            <a:pPr lvl="1"/>
+            <a:r>
+              <a:rPr lang="en-US" dirty="0"/>
+              <a:t>Dictionary</a:t>
+            </a:r>
+          </a:p>
+          <a:p>
+            <a:pPr lvl="1"/>
+            <a:r>
+              <a:rPr lang="en-US" dirty="0"/>
+              <a:t>Boolean</a:t>
+            </a:r>
+          </a:p>
+          <a:p>
+            <a:pPr lvl="1"/>
+            <a:r>
+              <a:rPr lang="en-US" dirty="0"/>
+              <a:t>Sequence (string, list, tuple)</a:t>
+            </a:r>
+          </a:p>
+          <a:p>
+            <a:pPr lvl="1"/>
+            <a:r>
+              <a:rPr lang="en-US" dirty="0"/>
+              <a:t>Set</a:t>
+            </a:r>
+          </a:p>
+          <a:p>
+            <a:pPr lvl="1"/>
+            <a:endParaRPr lang="en-US" dirty="0"/>
           </a:p>
         </p:txBody>
       </p:sp>
     </p:spTree>
     <p:extLst>
       <p:ext uri="{BB962C8B-B14F-4D97-AF65-F5344CB8AC3E}">
-        <p14:creationId xmlns:p14="http://schemas.microsoft.com/office/powerpoint/2010/main" val="3877287137"/>
+        <p14:creationId xmlns:p14="http://schemas.microsoft.com/office/powerpoint/2010/main" val="1047999158"/>
       </p:ext>
     </p:extLst>
   </p:cSld>
@@ -6137,7 +6187,7 @@
 </file>
 
 <file path=ppt/slides/slide17.xml><?xml version="1.0" encoding="utf-8"?>
-<p:sld xmlns:a="http://schemas.openxmlformats.org/drawingml/2006/main" xmlns:r="http://schemas.openxmlformats.org/officeDocument/2006/relationships" xmlns:p="http://schemas.openxmlformats.org/presentationml/2006/main" show="0">
+<p:sld xmlns:a="http://schemas.openxmlformats.org/drawingml/2006/main" xmlns:r="http://schemas.openxmlformats.org/officeDocument/2006/relationships" xmlns:p="http://schemas.openxmlformats.org/presentationml/2006/main">
   <p:cSld>
     <p:spTree>
       <p:nvGrpSpPr>
@@ -6155,10 +6205,10 @@
       </p:grpSpPr>
       <p:sp>
         <p:nvSpPr>
-          <p:cNvPr id="2" name="Title 1">
+          <p:cNvPr id="4" name="Title 3">
             <a:extLst>
               <a:ext uri="{FF2B5EF4-FFF2-40B4-BE49-F238E27FC236}">
-                <a16:creationId xmlns:a16="http://schemas.microsoft.com/office/drawing/2014/main" id="{D59EB417-A1B2-4787-81FF-131409557CF8}"/>
+                <a16:creationId xmlns:a16="http://schemas.microsoft.com/office/drawing/2014/main" id="{297BDE90-8DCF-4039-AB05-11C3F09C3813}"/>
               </a:ext>
             </a:extLst>
           </p:cNvPr>
@@ -6166,32 +6216,27 @@
             <a:spLocks noGrp="1"/>
           </p:cNvSpPr>
           <p:nvPr>
-            <p:ph type="title"/>
-          </p:nvPr>
-        </p:nvSpPr>
-        <p:spPr>
-          <a:xfrm>
-            <a:off x="970771" y="-507543"/>
-            <a:ext cx="9692640" cy="1325562"/>
-          </a:xfrm>
-        </p:spPr>
+            <p:ph type="ctrTitle"/>
+          </p:nvPr>
+        </p:nvSpPr>
+        <p:spPr/>
         <p:txBody>
           <a:bodyPr/>
           <a:lstStyle/>
           <a:p>
             <a:r>
-              <a:rPr lang="en-US"/>
-              <a:t>Installation Corrections</a:t>
-            </a:r>
-          </a:p>
-        </p:txBody>
-      </p:sp>
-      <p:sp>
-        <p:nvSpPr>
-          <p:cNvPr id="3" name="Content Placeholder 2">
+              <a:rPr lang="en-US" dirty="0"/>
+              <a:t>Break (10 Minutes)</a:t>
+            </a:r>
+          </a:p>
+        </p:txBody>
+      </p:sp>
+      <p:sp>
+        <p:nvSpPr>
+          <p:cNvPr id="5" name="Subtitle 4">
             <a:extLst>
               <a:ext uri="{FF2B5EF4-FFF2-40B4-BE49-F238E27FC236}">
-                <a16:creationId xmlns:a16="http://schemas.microsoft.com/office/drawing/2014/main" id="{1E614483-10C4-418F-A031-02C4467C14E7}"/>
+                <a16:creationId xmlns:a16="http://schemas.microsoft.com/office/drawing/2014/main" id="{AE43AD4D-53BE-4D90-B4EE-A313556AC5A9}"/>
               </a:ext>
             </a:extLst>
           </p:cNvPr>
@@ -6199,299 +6244,25 @@
             <a:spLocks noGrp="1"/>
           </p:cNvSpPr>
           <p:nvPr>
-            <p:ph idx="1"/>
-          </p:nvPr>
-        </p:nvSpPr>
-        <p:spPr>
-          <a:xfrm>
-            <a:off x="868029" y="1006867"/>
-            <a:ext cx="9913876" cy="5498617"/>
-          </a:xfrm>
-        </p:spPr>
-        <p:txBody>
-          <a:bodyPr vert="horz" lIns="91440" tIns="45720" rIns="91440" bIns="45720" rtlCol="0" anchor="t">
-            <a:normAutofit lnSpcReduction="10000"/>
-          </a:bodyPr>
+            <p:ph type="subTitle" idx="1"/>
+          </p:nvPr>
+        </p:nvSpPr>
+        <p:spPr/>
+        <p:txBody>
+          <a:bodyPr/>
           <a:lstStyle/>
           <a:p>
             <a:r>
               <a:rPr lang="en-US" dirty="0"/>
-              <a:t>Everyone together (please do this with the class): </a:t>
-            </a:r>
-          </a:p>
-          <a:p>
-            <a:pPr lvl="1">
-              <a:buFont typeface="Arial" pitchFamily="18" charset="2"/>
-              <a:buChar char="•"/>
-            </a:pPr>
-            <a:r>
-              <a:rPr lang="en-US" dirty="0"/>
-              <a:t>In a terminal: python --version </a:t>
-            </a:r>
-          </a:p>
-          <a:p>
-            <a:pPr lvl="2">
-              <a:buFont typeface="Arial" pitchFamily="18" charset="2"/>
-              <a:buChar char="•"/>
-            </a:pPr>
-            <a:r>
-              <a:rPr lang="en-US" dirty="0"/>
-              <a:t>If you do not have python 3.X as a version let us know</a:t>
-            </a:r>
-          </a:p>
-          <a:p>
-            <a:pPr lvl="1">
-              <a:buFont typeface="Arial" pitchFamily="18" charset="2"/>
-              <a:buChar char="•"/>
-            </a:pPr>
-            <a:r>
-              <a:rPr lang="en-US" dirty="0"/>
-              <a:t>In a terminal: pip </a:t>
-            </a:r>
-            <a:r>
-              <a:rPr lang="en-US" dirty="0">
-                <a:ea typeface="+mn-lt"/>
-                <a:cs typeface="+mn-lt"/>
-              </a:rPr>
-              <a:t>--version </a:t>
-            </a:r>
-          </a:p>
-          <a:p>
-            <a:pPr lvl="2">
-              <a:buFont typeface="Arial" pitchFamily="18" charset="2"/>
-              <a:buChar char="•"/>
-            </a:pPr>
-            <a:r>
-              <a:rPr lang="en-US" dirty="0"/>
-              <a:t>If you do not have pip3 let us know</a:t>
-            </a:r>
-          </a:p>
-          <a:p>
-            <a:pPr lvl="1">
-              <a:buFont typeface="Arial" pitchFamily="18" charset="2"/>
-              <a:buChar char="•"/>
-            </a:pPr>
-            <a:r>
-              <a:rPr lang="en-US" dirty="0"/>
-              <a:t>Aliasing (not everyone had to do this last week)</a:t>
-            </a:r>
-          </a:p>
-          <a:p>
-            <a:pPr lvl="2">
-              <a:buFont typeface="Arial" pitchFamily="18" charset="2"/>
-              <a:buChar char="•"/>
-            </a:pPr>
-            <a:r>
-              <a:rPr lang="en-US" dirty="0"/>
-              <a:t>When we did alias python='python3' it likely did not persist</a:t>
-            </a:r>
-          </a:p>
-          <a:p>
-            <a:pPr lvl="2">
-              <a:buFont typeface="Arial" pitchFamily="18" charset="2"/>
-              <a:buChar char="•"/>
-            </a:pPr>
-            <a:r>
-              <a:rPr lang="en-US" dirty="0"/>
-              <a:t>Why? Some commands are set for the session only. </a:t>
-            </a:r>
-          </a:p>
-          <a:p>
-            <a:pPr lvl="2">
-              <a:buFont typeface="Arial" pitchFamily="18" charset="2"/>
-              <a:buChar char="•"/>
-            </a:pPr>
-            <a:r>
-              <a:rPr lang="en-US" dirty="0"/>
-              <a:t>Set aliases in .</a:t>
-            </a:r>
-            <a:r>
-              <a:rPr lang="en-US" dirty="0" err="1"/>
-              <a:t>bashrc</a:t>
-            </a:r>
-            <a:r>
-              <a:rPr lang="en-US" dirty="0"/>
-              <a:t> or  other .</a:t>
-            </a:r>
-            <a:r>
-              <a:rPr lang="en-US" dirty="0" err="1"/>
-              <a:t>xxxrc</a:t>
-            </a:r>
-            <a:r>
-              <a:rPr lang="en-US" dirty="0"/>
-              <a:t> file. </a:t>
-            </a:r>
-          </a:p>
-          <a:p>
-            <a:pPr lvl="3">
-              <a:buFont typeface="Arial" pitchFamily="18" charset="2"/>
-              <a:buChar char="•"/>
-            </a:pPr>
-            <a:r>
-              <a:rPr lang="en-US" dirty="0"/>
-              <a:t>cd ~</a:t>
-            </a:r>
-          </a:p>
-          <a:p>
-            <a:pPr lvl="3">
-              <a:buFont typeface="Arial" pitchFamily="18" charset="2"/>
-              <a:buChar char="•"/>
-            </a:pPr>
-            <a:r>
-              <a:rPr lang="en-US" dirty="0"/>
-              <a:t>ls –la </a:t>
-            </a:r>
-          </a:p>
-          <a:p>
-            <a:pPr lvl="3">
-              <a:buFont typeface="Arial" pitchFamily="18" charset="2"/>
-              <a:buChar char="•"/>
-            </a:pPr>
-            <a:r>
-              <a:rPr lang="en-US" dirty="0"/>
-              <a:t>Find .</a:t>
-            </a:r>
-            <a:r>
-              <a:rPr lang="en-US" dirty="0" err="1"/>
-              <a:t>bashrc</a:t>
-            </a:r>
-            <a:r>
-              <a:rPr lang="en-US" dirty="0"/>
-              <a:t> or equivalent</a:t>
-            </a:r>
-          </a:p>
-          <a:p>
-            <a:pPr lvl="4">
-              <a:buFont typeface="Arial" pitchFamily="18" charset="2"/>
-              <a:buChar char="•"/>
-            </a:pPr>
-            <a:r>
-              <a:rPr lang="en-US" dirty="0"/>
-              <a:t>If it does not exist that's ok!</a:t>
-            </a:r>
-          </a:p>
-          <a:p>
-            <a:pPr lvl="4">
-              <a:buFont typeface="Arial" pitchFamily="18" charset="2"/>
-              <a:buChar char="•"/>
-            </a:pPr>
-            <a:r>
-              <a:rPr lang="en-US" dirty="0"/>
-              <a:t>touch .</a:t>
-            </a:r>
-            <a:r>
-              <a:rPr lang="en-US" dirty="0" err="1"/>
-              <a:t>bashrc</a:t>
-            </a:r>
-            <a:r>
-              <a:rPr lang="en-US" dirty="0"/>
-              <a:t> or equivalent</a:t>
-            </a:r>
-          </a:p>
-          <a:p>
-            <a:pPr lvl="3">
-              <a:buFont typeface="Arial" pitchFamily="18" charset="2"/>
-              <a:buChar char="•"/>
-            </a:pPr>
-            <a:r>
-              <a:rPr lang="en-US" dirty="0"/>
-              <a:t>vim .</a:t>
-            </a:r>
-            <a:r>
-              <a:rPr lang="en-US" dirty="0" err="1"/>
-              <a:t>bashrc</a:t>
-            </a:r>
-            <a:r>
-              <a:rPr lang="en-US" dirty="0"/>
-              <a:t> or equivalent</a:t>
-            </a:r>
-          </a:p>
-          <a:p>
-            <a:pPr lvl="3">
-              <a:buFont typeface="Arial" pitchFamily="18" charset="2"/>
-              <a:buChar char="•"/>
-            </a:pPr>
-            <a:r>
-              <a:rPr lang="en-US" dirty="0"/>
-              <a:t>Hit the '</a:t>
-            </a:r>
-            <a:r>
-              <a:rPr lang="en-US" dirty="0" err="1"/>
-              <a:t>i</a:t>
-            </a:r>
-            <a:r>
-              <a:rPr lang="en-US" dirty="0"/>
-              <a:t>' key to toggle to insert mode</a:t>
-            </a:r>
-          </a:p>
-          <a:p>
-            <a:pPr lvl="3">
-              <a:buFont typeface="Arial" pitchFamily="18" charset="2"/>
-              <a:buChar char="•"/>
-            </a:pPr>
-            <a:r>
-              <a:rPr lang="en-US" dirty="0"/>
-              <a:t>Type alias python='python3' and hit 'return'</a:t>
-            </a:r>
-          </a:p>
-          <a:p>
-            <a:pPr lvl="3">
-              <a:buFont typeface="Arial" pitchFamily="18" charset="2"/>
-              <a:buChar char="•"/>
-            </a:pPr>
-            <a:r>
-              <a:rPr lang="en-US" dirty="0"/>
-              <a:t>Type alias pip='pip3'</a:t>
-            </a:r>
-          </a:p>
-          <a:p>
-            <a:pPr lvl="3">
-              <a:buFont typeface="Arial" pitchFamily="18" charset="2"/>
-              <a:buChar char="•"/>
-            </a:pPr>
-            <a:r>
-              <a:rPr lang="en-US" dirty="0"/>
-              <a:t>Hit escape key followed by :</a:t>
-            </a:r>
-            <a:r>
-              <a:rPr lang="en-US" dirty="0" err="1"/>
-              <a:t>wq</a:t>
-            </a:r>
-            <a:r>
-              <a:rPr lang="en-US" dirty="0"/>
-              <a:t> and hit enter</a:t>
-            </a:r>
-          </a:p>
-          <a:p>
-            <a:pPr lvl="3">
-              <a:buFont typeface="Arial" pitchFamily="18" charset="2"/>
-              <a:buChar char="•"/>
-            </a:pPr>
-            <a:r>
-              <a:rPr lang="en-US" dirty="0"/>
-              <a:t>Close terminal and open new terminal</a:t>
-            </a:r>
-          </a:p>
-          <a:p>
-            <a:pPr lvl="3">
-              <a:buFont typeface="Arial" pitchFamily="18" charset="2"/>
-              <a:buChar char="•"/>
-            </a:pPr>
-            <a:r>
-              <a:rPr lang="en-US" dirty="0"/>
-              <a:t>See python and pip versions again and let us know if they are incorrect</a:t>
-            </a:r>
-          </a:p>
-          <a:p>
-            <a:pPr lvl="2"/>
-            <a:endParaRPr lang="en-US" dirty="0"/>
+              <a:t>We will always have a break about midway through class. You need a breather, we need a breather, breaks are good. </a:t>
+            </a:r>
           </a:p>
         </p:txBody>
       </p:sp>
     </p:spTree>
     <p:extLst>
       <p:ext uri="{BB962C8B-B14F-4D97-AF65-F5344CB8AC3E}">
-        <p14:creationId xmlns:p14="http://schemas.microsoft.com/office/powerpoint/2010/main" val="373214369"/>
+        <p14:creationId xmlns:p14="http://schemas.microsoft.com/office/powerpoint/2010/main" val="3877287137"/>
       </p:ext>
     </p:extLst>
   </p:cSld>
@@ -6523,7 +6294,7 @@
           <p:cNvPr id="2" name="Title 1">
             <a:extLst>
               <a:ext uri="{FF2B5EF4-FFF2-40B4-BE49-F238E27FC236}">
-                <a16:creationId xmlns:a16="http://schemas.microsoft.com/office/drawing/2014/main" id="{B1EDD2EB-930B-4D1A-AEEE-78EEBB799ADB}"/>
+                <a16:creationId xmlns:a16="http://schemas.microsoft.com/office/drawing/2014/main" id="{D59EB417-A1B2-4787-81FF-131409557CF8}"/>
               </a:ext>
             </a:extLst>
           </p:cNvPr>
@@ -6536,19 +6307,17 @@
         </p:nvSpPr>
         <p:spPr>
           <a:xfrm>
-            <a:off x="140276" y="74659"/>
-            <a:ext cx="9692640" cy="683428"/>
+            <a:off x="970771" y="-507543"/>
+            <a:ext cx="9692640" cy="1325562"/>
           </a:xfrm>
         </p:spPr>
         <p:txBody>
-          <a:bodyPr>
-            <a:normAutofit fontScale="90000"/>
-          </a:bodyPr>
+          <a:bodyPr/>
           <a:lstStyle/>
           <a:p>
             <a:r>
               <a:rPr lang="en-US"/>
-              <a:t>Installation Corrections </a:t>
+              <a:t>Installation Corrections</a:t>
             </a:r>
           </a:p>
         </p:txBody>
@@ -6558,7 +6327,7 @@
           <p:cNvPr id="3" name="Content Placeholder 2">
             <a:extLst>
               <a:ext uri="{FF2B5EF4-FFF2-40B4-BE49-F238E27FC236}">
-                <a16:creationId xmlns:a16="http://schemas.microsoft.com/office/drawing/2014/main" id="{BA874226-B518-44A7-B142-BA0EFCF75816}"/>
+                <a16:creationId xmlns:a16="http://schemas.microsoft.com/office/drawing/2014/main" id="{1E614483-10C4-418F-A031-02C4467C14E7}"/>
               </a:ext>
             </a:extLst>
           </p:cNvPr>
@@ -6571,33 +6340,19 @@
         </p:nvSpPr>
         <p:spPr>
           <a:xfrm>
-            <a:off x="431378" y="981182"/>
-            <a:ext cx="8595360" cy="4351337"/>
+            <a:off x="868029" y="1006867"/>
+            <a:ext cx="9913876" cy="5498617"/>
           </a:xfrm>
         </p:spPr>
         <p:txBody>
           <a:bodyPr vert="horz" lIns="91440" tIns="45720" rIns="91440" bIns="45720" rtlCol="0" anchor="t">
-            <a:normAutofit fontScale="92500" lnSpcReduction="20000"/>
+            <a:normAutofit lnSpcReduction="10000"/>
           </a:bodyPr>
           <a:lstStyle/>
           <a:p>
             <a:r>
-              <a:rPr lang="en-US"/>
-              <a:t>Now that everyone has the correct python/pip we can correct some installs</a:t>
-            </a:r>
-          </a:p>
-          <a:p>
-            <a:r>
-              <a:rPr lang="en-US"/>
-              <a:t>Last week 'pip install </a:t>
-            </a:r>
-            <a:r>
-              <a:rPr lang="en-US" err="1"/>
-              <a:t>jupyter</a:t>
-            </a:r>
-            <a:r>
-              <a:rPr lang="en-US"/>
-              <a:t> lab'</a:t>
+              <a:rPr lang="en-US" dirty="0"/>
+              <a:t>Everyone together (please do this with the class): </a:t>
             </a:r>
           </a:p>
           <a:p>
@@ -6606,82 +6361,18 @@
               <a:buChar char="•"/>
             </a:pPr>
             <a:r>
-              <a:rPr lang="en-US"/>
-              <a:t>Same as  pip install package1 package2 package3</a:t>
-            </a:r>
-          </a:p>
-          <a:p>
-            <a:r>
-              <a:rPr lang="en-US"/>
-              <a:t>pip uninstall lab</a:t>
-            </a:r>
-          </a:p>
-          <a:p>
-            <a:r>
-              <a:rPr lang="en-US"/>
-              <a:t>pip uninstall </a:t>
-            </a:r>
-            <a:r>
-              <a:rPr lang="en-US" err="1"/>
-              <a:t>jupyter</a:t>
-            </a:r>
-            <a:endParaRPr lang="en-US"/>
-          </a:p>
-          <a:p>
-            <a:r>
-              <a:rPr lang="en-US"/>
-              <a:t>pip uninstall (anything else </a:t>
-            </a:r>
-            <a:r>
-              <a:rPr lang="en-US" err="1"/>
-              <a:t>jupyter</a:t>
-            </a:r>
-            <a:r>
-              <a:rPr lang="en-US"/>
-              <a:t> related you might have tried) (</a:t>
-            </a:r>
-            <a:r>
-              <a:rPr lang="en-US" err="1"/>
-              <a:t>jupyter</a:t>
-            </a:r>
-            <a:r>
-              <a:rPr lang="en-US"/>
-              <a:t>-lab)</a:t>
-            </a:r>
-          </a:p>
-          <a:p>
-            <a:r>
-              <a:rPr lang="en-US"/>
-              <a:t>pip install </a:t>
-            </a:r>
-            <a:r>
-              <a:rPr lang="en-US" err="1"/>
-              <a:t>jupyterlab</a:t>
-            </a:r>
-            <a:endParaRPr lang="en-US"/>
-          </a:p>
-          <a:p>
-            <a:r>
-              <a:rPr lang="en-US"/>
-              <a:t>Pip install notebook (this is the classic </a:t>
-            </a:r>
-            <a:r>
-              <a:rPr lang="en-US" err="1"/>
-              <a:t>jupyter</a:t>
-            </a:r>
-            <a:r>
-              <a:rPr lang="en-US"/>
-              <a:t>)</a:t>
-            </a:r>
-          </a:p>
-          <a:p>
-            <a:r>
-              <a:rPr lang="en-US" err="1"/>
-              <a:t>jupyter</a:t>
-            </a:r>
-            <a:r>
-              <a:rPr lang="en-US"/>
-              <a:t> lab</a:t>
+              <a:rPr lang="en-US" dirty="0"/>
+              <a:t>In a terminal: python --version </a:t>
+            </a:r>
+          </a:p>
+          <a:p>
+            <a:pPr lvl="2">
+              <a:buFont typeface="Arial" pitchFamily="18" charset="2"/>
+              <a:buChar char="•"/>
+            </a:pPr>
+            <a:r>
+              <a:rPr lang="en-US" dirty="0"/>
+              <a:t>If you do not have python 3.X as a version let us know</a:t>
             </a:r>
           </a:p>
           <a:p>
@@ -6690,37 +6381,253 @@
               <a:buChar char="•"/>
             </a:pPr>
             <a:r>
-              <a:rPr lang="en-US" spc="10"/>
-              <a:t>Close terminal</a:t>
-            </a:r>
-            <a:endParaRPr lang="en-US"/>
-          </a:p>
-          <a:p>
-            <a:pPr>
+              <a:rPr lang="en-US" dirty="0"/>
+              <a:t>In a terminal: pip </a:t>
+            </a:r>
+            <a:r>
+              <a:rPr lang="en-US" dirty="0">
+                <a:ea typeface="+mn-lt"/>
+                <a:cs typeface="+mn-lt"/>
+              </a:rPr>
+              <a:t>--version </a:t>
+            </a:r>
+          </a:p>
+          <a:p>
+            <a:pPr lvl="2">
               <a:buFont typeface="Arial" pitchFamily="18" charset="2"/>
               <a:buChar char="•"/>
             </a:pPr>
             <a:r>
-              <a:rPr lang="en-US" spc="0" err="1"/>
-              <a:t>jupyter</a:t>
-            </a:r>
-            <a:r>
-              <a:rPr lang="en-US" spc="0"/>
-              <a:t> notebook</a:t>
-            </a:r>
-          </a:p>
-          <a:p>
-            <a:r>
-              <a:rPr lang="en-US"/>
-              <a:t>Any issues let us know!</a:t>
-            </a:r>
+              <a:rPr lang="en-US" dirty="0"/>
+              <a:t>If you do not have pip3 let us know</a:t>
+            </a:r>
+          </a:p>
+          <a:p>
+            <a:pPr lvl="1">
+              <a:buFont typeface="Arial" pitchFamily="18" charset="2"/>
+              <a:buChar char="•"/>
+            </a:pPr>
+            <a:r>
+              <a:rPr lang="en-US" dirty="0"/>
+              <a:t>Aliasing (not everyone had to do this last week)</a:t>
+            </a:r>
+          </a:p>
+          <a:p>
+            <a:pPr lvl="2">
+              <a:buFont typeface="Arial" pitchFamily="18" charset="2"/>
+              <a:buChar char="•"/>
+            </a:pPr>
+            <a:r>
+              <a:rPr lang="en-US" dirty="0"/>
+              <a:t>When we did alias python='python3' it likely did not persist</a:t>
+            </a:r>
+          </a:p>
+          <a:p>
+            <a:pPr lvl="2">
+              <a:buFont typeface="Arial" pitchFamily="18" charset="2"/>
+              <a:buChar char="•"/>
+            </a:pPr>
+            <a:r>
+              <a:rPr lang="en-US" dirty="0"/>
+              <a:t>Why? Some commands are set for the session only. </a:t>
+            </a:r>
+          </a:p>
+          <a:p>
+            <a:pPr lvl="2">
+              <a:buFont typeface="Arial" pitchFamily="18" charset="2"/>
+              <a:buChar char="•"/>
+            </a:pPr>
+            <a:r>
+              <a:rPr lang="en-US" dirty="0"/>
+              <a:t>Set aliases in .</a:t>
+            </a:r>
+            <a:r>
+              <a:rPr lang="en-US" dirty="0" err="1"/>
+              <a:t>bashrc</a:t>
+            </a:r>
+            <a:r>
+              <a:rPr lang="en-US" dirty="0"/>
+              <a:t> or  other .</a:t>
+            </a:r>
+            <a:r>
+              <a:rPr lang="en-US" dirty="0" err="1"/>
+              <a:t>xxxrc</a:t>
+            </a:r>
+            <a:r>
+              <a:rPr lang="en-US" dirty="0"/>
+              <a:t> file. </a:t>
+            </a:r>
+          </a:p>
+          <a:p>
+            <a:pPr lvl="3">
+              <a:buFont typeface="Arial" pitchFamily="18" charset="2"/>
+              <a:buChar char="•"/>
+            </a:pPr>
+            <a:r>
+              <a:rPr lang="en-US" dirty="0"/>
+              <a:t>cd ~</a:t>
+            </a:r>
+          </a:p>
+          <a:p>
+            <a:pPr lvl="3">
+              <a:buFont typeface="Arial" pitchFamily="18" charset="2"/>
+              <a:buChar char="•"/>
+            </a:pPr>
+            <a:r>
+              <a:rPr lang="en-US" dirty="0"/>
+              <a:t>ls –la </a:t>
+            </a:r>
+          </a:p>
+          <a:p>
+            <a:pPr lvl="3">
+              <a:buFont typeface="Arial" pitchFamily="18" charset="2"/>
+              <a:buChar char="•"/>
+            </a:pPr>
+            <a:r>
+              <a:rPr lang="en-US" dirty="0"/>
+              <a:t>Find .</a:t>
+            </a:r>
+            <a:r>
+              <a:rPr lang="en-US" dirty="0" err="1"/>
+              <a:t>bashrc</a:t>
+            </a:r>
+            <a:r>
+              <a:rPr lang="en-US" dirty="0"/>
+              <a:t> or equivalent</a:t>
+            </a:r>
+          </a:p>
+          <a:p>
+            <a:pPr lvl="4">
+              <a:buFont typeface="Arial" pitchFamily="18" charset="2"/>
+              <a:buChar char="•"/>
+            </a:pPr>
+            <a:r>
+              <a:rPr lang="en-US" dirty="0"/>
+              <a:t>If it does not exist that's ok!</a:t>
+            </a:r>
+          </a:p>
+          <a:p>
+            <a:pPr lvl="4">
+              <a:buFont typeface="Arial" pitchFamily="18" charset="2"/>
+              <a:buChar char="•"/>
+            </a:pPr>
+            <a:r>
+              <a:rPr lang="en-US" dirty="0"/>
+              <a:t>touch .</a:t>
+            </a:r>
+            <a:r>
+              <a:rPr lang="en-US" dirty="0" err="1"/>
+              <a:t>bashrc</a:t>
+            </a:r>
+            <a:r>
+              <a:rPr lang="en-US" dirty="0"/>
+              <a:t> or equivalent</a:t>
+            </a:r>
+          </a:p>
+          <a:p>
+            <a:pPr lvl="3">
+              <a:buFont typeface="Arial" pitchFamily="18" charset="2"/>
+              <a:buChar char="•"/>
+            </a:pPr>
+            <a:r>
+              <a:rPr lang="en-US" dirty="0"/>
+              <a:t>vim .</a:t>
+            </a:r>
+            <a:r>
+              <a:rPr lang="en-US" dirty="0" err="1"/>
+              <a:t>bashrc</a:t>
+            </a:r>
+            <a:r>
+              <a:rPr lang="en-US" dirty="0"/>
+              <a:t> or equivalent</a:t>
+            </a:r>
+          </a:p>
+          <a:p>
+            <a:pPr lvl="3">
+              <a:buFont typeface="Arial" pitchFamily="18" charset="2"/>
+              <a:buChar char="•"/>
+            </a:pPr>
+            <a:r>
+              <a:rPr lang="en-US" dirty="0"/>
+              <a:t>Hit the '</a:t>
+            </a:r>
+            <a:r>
+              <a:rPr lang="en-US" dirty="0" err="1"/>
+              <a:t>i</a:t>
+            </a:r>
+            <a:r>
+              <a:rPr lang="en-US" dirty="0"/>
+              <a:t>' key to toggle to insert mode</a:t>
+            </a:r>
+          </a:p>
+          <a:p>
+            <a:pPr lvl="3">
+              <a:buFont typeface="Arial" pitchFamily="18" charset="2"/>
+              <a:buChar char="•"/>
+            </a:pPr>
+            <a:r>
+              <a:rPr lang="en-US" dirty="0"/>
+              <a:t>Type alias python='python3' and hit 'return'</a:t>
+            </a:r>
+          </a:p>
+          <a:p>
+            <a:pPr lvl="3">
+              <a:buFont typeface="Arial" pitchFamily="18" charset="2"/>
+              <a:buChar char="•"/>
+            </a:pPr>
+            <a:r>
+              <a:rPr lang="en-US" dirty="0"/>
+              <a:t>Type alias pip='pip3'</a:t>
+            </a:r>
+          </a:p>
+          <a:p>
+            <a:pPr lvl="3">
+              <a:buFont typeface="Arial" pitchFamily="18" charset="2"/>
+              <a:buChar char="•"/>
+            </a:pPr>
+            <a:r>
+              <a:rPr lang="en-US" dirty="0"/>
+              <a:t>Hit escape key followed by :</a:t>
+            </a:r>
+            <a:r>
+              <a:rPr lang="en-US" dirty="0" err="1"/>
+              <a:t>wq</a:t>
+            </a:r>
+            <a:r>
+              <a:rPr lang="en-US" dirty="0"/>
+              <a:t> and hit enter</a:t>
+            </a:r>
+          </a:p>
+          <a:p>
+            <a:pPr lvl="3">
+              <a:buFont typeface="Arial" pitchFamily="18" charset="2"/>
+              <a:buChar char="•"/>
+            </a:pPr>
+            <a:r>
+              <a:rPr lang="en-US" dirty="0"/>
+              <a:t>Close terminal and open new terminal</a:t>
+            </a:r>
+          </a:p>
+          <a:p>
+            <a:pPr lvl="3">
+              <a:buFont typeface="Arial" pitchFamily="18" charset="2"/>
+              <a:buChar char="•"/>
+            </a:pPr>
+            <a:r>
+              <a:rPr lang="en-US" dirty="0"/>
+              <a:t>See python and pip versions again and let us know if they are incorrect</a:t>
+            </a:r>
+          </a:p>
+          <a:p>
+            <a:pPr lvl="2"/>
+            <a:endParaRPr lang="en-US" dirty="0"/>
           </a:p>
         </p:txBody>
       </p:sp>
     </p:spTree>
     <p:extLst>
       <p:ext uri="{BB962C8B-B14F-4D97-AF65-F5344CB8AC3E}">
-        <p14:creationId xmlns:p14="http://schemas.microsoft.com/office/powerpoint/2010/main" val="3039479220"/>
+        <p14:creationId xmlns:p14="http://schemas.microsoft.com/office/powerpoint/2010/main" val="373214369"/>
       </p:ext>
     </p:extLst>
   </p:cSld>
@@ -6731,7 +6638,7 @@
 </file>
 
 <file path=ppt/slides/slide19.xml><?xml version="1.0" encoding="utf-8"?>
-<p:sld xmlns:a="http://schemas.openxmlformats.org/drawingml/2006/main" xmlns:r="http://schemas.openxmlformats.org/officeDocument/2006/relationships" xmlns:p="http://schemas.openxmlformats.org/presentationml/2006/main">
+<p:sld xmlns:a="http://schemas.openxmlformats.org/drawingml/2006/main" xmlns:r="http://schemas.openxmlformats.org/officeDocument/2006/relationships" xmlns:p="http://schemas.openxmlformats.org/presentationml/2006/main" show="0">
   <p:cSld>
     <p:spTree>
       <p:nvGrpSpPr>
@@ -6749,10 +6656,10 @@
       </p:grpSpPr>
       <p:sp>
         <p:nvSpPr>
-          <p:cNvPr id="4" name="Title 3">
+          <p:cNvPr id="2" name="Title 1">
             <a:extLst>
               <a:ext uri="{FF2B5EF4-FFF2-40B4-BE49-F238E27FC236}">
-                <a16:creationId xmlns:a16="http://schemas.microsoft.com/office/drawing/2014/main" id="{526E2F76-E148-4A03-8403-C722C7973B45}"/>
+                <a16:creationId xmlns:a16="http://schemas.microsoft.com/office/drawing/2014/main" id="{B1EDD2EB-930B-4D1A-AEEE-78EEBB799ADB}"/>
               </a:ext>
             </a:extLst>
           </p:cNvPr>
@@ -6760,27 +6667,34 @@
             <a:spLocks noGrp="1"/>
           </p:cNvSpPr>
           <p:nvPr>
-            <p:ph type="ctrTitle"/>
-          </p:nvPr>
-        </p:nvSpPr>
-        <p:spPr/>
-        <p:txBody>
-          <a:bodyPr/>
+            <p:ph type="title"/>
+          </p:nvPr>
+        </p:nvSpPr>
+        <p:spPr>
+          <a:xfrm>
+            <a:off x="140276" y="74659"/>
+            <a:ext cx="9692640" cy="683428"/>
+          </a:xfrm>
+        </p:spPr>
+        <p:txBody>
+          <a:bodyPr>
+            <a:normAutofit fontScale="90000"/>
+          </a:bodyPr>
           <a:lstStyle/>
           <a:p>
             <a:r>
-              <a:rPr lang="en-US" dirty="0"/>
-              <a:t>Review Week 1 Homework</a:t>
-            </a:r>
-          </a:p>
-        </p:txBody>
-      </p:sp>
-      <p:sp>
-        <p:nvSpPr>
-          <p:cNvPr id="5" name="Subtitle 4">
+              <a:rPr lang="en-US"/>
+              <a:t>Installation Corrections </a:t>
+            </a:r>
+          </a:p>
+        </p:txBody>
+      </p:sp>
+      <p:sp>
+        <p:nvSpPr>
+          <p:cNvPr id="3" name="Content Placeholder 2">
             <a:extLst>
               <a:ext uri="{FF2B5EF4-FFF2-40B4-BE49-F238E27FC236}">
-                <a16:creationId xmlns:a16="http://schemas.microsoft.com/office/drawing/2014/main" id="{7E60D122-A577-40B6-B740-B95C8557E016}"/>
+                <a16:creationId xmlns:a16="http://schemas.microsoft.com/office/drawing/2014/main" id="{BA874226-B518-44A7-B142-BA0EFCF75816}"/>
               </a:ext>
             </a:extLst>
           </p:cNvPr>
@@ -6788,22 +6702,161 @@
             <a:spLocks noGrp="1"/>
           </p:cNvSpPr>
           <p:nvPr>
-            <p:ph type="subTitle" idx="1"/>
-          </p:nvPr>
-        </p:nvSpPr>
-        <p:spPr/>
-        <p:txBody>
-          <a:bodyPr/>
+            <p:ph idx="1"/>
+          </p:nvPr>
+        </p:nvSpPr>
+        <p:spPr>
+          <a:xfrm>
+            <a:off x="431378" y="981182"/>
+            <a:ext cx="8595360" cy="4351337"/>
+          </a:xfrm>
+        </p:spPr>
+        <p:txBody>
+          <a:bodyPr vert="horz" lIns="91440" tIns="45720" rIns="91440" bIns="45720" rtlCol="0" anchor="t">
+            <a:normAutofit fontScale="92500" lnSpcReduction="20000"/>
+          </a:bodyPr>
           <a:lstStyle/>
           <a:p>
+            <a:r>
+              <a:rPr lang="en-US"/>
+              <a:t>Now that everyone has the correct python/pip we can correct some installs</a:t>
+            </a:r>
+          </a:p>
+          <a:p>
+            <a:r>
+              <a:rPr lang="en-US"/>
+              <a:t>Last week 'pip install </a:t>
+            </a:r>
+            <a:r>
+              <a:rPr lang="en-US" err="1"/>
+              <a:t>jupyter</a:t>
+            </a:r>
+            <a:r>
+              <a:rPr lang="en-US"/>
+              <a:t> lab'</a:t>
+            </a:r>
+          </a:p>
+          <a:p>
+            <a:pPr lvl="1">
+              <a:buFont typeface="Arial" pitchFamily="18" charset="2"/>
+              <a:buChar char="•"/>
+            </a:pPr>
+            <a:r>
+              <a:rPr lang="en-US"/>
+              <a:t>Same as  pip install package1 package2 package3</a:t>
+            </a:r>
+          </a:p>
+          <a:p>
+            <a:r>
+              <a:rPr lang="en-US"/>
+              <a:t>pip uninstall lab</a:t>
+            </a:r>
+          </a:p>
+          <a:p>
+            <a:r>
+              <a:rPr lang="en-US"/>
+              <a:t>pip uninstall </a:t>
+            </a:r>
+            <a:r>
+              <a:rPr lang="en-US" err="1"/>
+              <a:t>jupyter</a:t>
+            </a:r>
             <a:endParaRPr lang="en-US"/>
+          </a:p>
+          <a:p>
+            <a:r>
+              <a:rPr lang="en-US"/>
+              <a:t>pip uninstall (anything else </a:t>
+            </a:r>
+            <a:r>
+              <a:rPr lang="en-US" err="1"/>
+              <a:t>jupyter</a:t>
+            </a:r>
+            <a:r>
+              <a:rPr lang="en-US"/>
+              <a:t> related you might have tried) (</a:t>
+            </a:r>
+            <a:r>
+              <a:rPr lang="en-US" err="1"/>
+              <a:t>jupyter</a:t>
+            </a:r>
+            <a:r>
+              <a:rPr lang="en-US"/>
+              <a:t>-lab)</a:t>
+            </a:r>
+          </a:p>
+          <a:p>
+            <a:r>
+              <a:rPr lang="en-US"/>
+              <a:t>pip install </a:t>
+            </a:r>
+            <a:r>
+              <a:rPr lang="en-US" err="1"/>
+              <a:t>jupyterlab</a:t>
+            </a:r>
+            <a:endParaRPr lang="en-US"/>
+          </a:p>
+          <a:p>
+            <a:r>
+              <a:rPr lang="en-US"/>
+              <a:t>Pip install notebook (this is the classic </a:t>
+            </a:r>
+            <a:r>
+              <a:rPr lang="en-US" err="1"/>
+              <a:t>jupyter</a:t>
+            </a:r>
+            <a:r>
+              <a:rPr lang="en-US"/>
+              <a:t>)</a:t>
+            </a:r>
+          </a:p>
+          <a:p>
+            <a:r>
+              <a:rPr lang="en-US" err="1"/>
+              <a:t>jupyter</a:t>
+            </a:r>
+            <a:r>
+              <a:rPr lang="en-US"/>
+              <a:t> lab</a:t>
+            </a:r>
+          </a:p>
+          <a:p>
+            <a:pPr lvl="1">
+              <a:buFont typeface="Arial" pitchFamily="18" charset="2"/>
+              <a:buChar char="•"/>
+            </a:pPr>
+            <a:r>
+              <a:rPr lang="en-US" spc="10"/>
+              <a:t>Close terminal</a:t>
+            </a:r>
+            <a:endParaRPr lang="en-US"/>
+          </a:p>
+          <a:p>
+            <a:pPr>
+              <a:buFont typeface="Arial" pitchFamily="18" charset="2"/>
+              <a:buChar char="•"/>
+            </a:pPr>
+            <a:r>
+              <a:rPr lang="en-US" spc="0" err="1"/>
+              <a:t>jupyter</a:t>
+            </a:r>
+            <a:r>
+              <a:rPr lang="en-US" spc="0"/>
+              <a:t> notebook</a:t>
+            </a:r>
+          </a:p>
+          <a:p>
+            <a:r>
+              <a:rPr lang="en-US"/>
+              <a:t>Any issues let us know!</a:t>
+            </a:r>
           </a:p>
         </p:txBody>
       </p:sp>
     </p:spTree>
     <p:extLst>
       <p:ext uri="{BB962C8B-B14F-4D97-AF65-F5344CB8AC3E}">
-        <p14:creationId xmlns:p14="http://schemas.microsoft.com/office/powerpoint/2010/main" val="244332754"/>
+        <p14:creationId xmlns:p14="http://schemas.microsoft.com/office/powerpoint/2010/main" val="3039479220"/>
       </p:ext>
     </p:extLst>
   </p:cSld>
@@ -6981,6 +7034,89 @@
       </p:grpSpPr>
       <p:sp>
         <p:nvSpPr>
+          <p:cNvPr id="4" name="Title 3">
+            <a:extLst>
+              <a:ext uri="{FF2B5EF4-FFF2-40B4-BE49-F238E27FC236}">
+                <a16:creationId xmlns:a16="http://schemas.microsoft.com/office/drawing/2014/main" id="{526E2F76-E148-4A03-8403-C722C7973B45}"/>
+              </a:ext>
+            </a:extLst>
+          </p:cNvPr>
+          <p:cNvSpPr>
+            <a:spLocks noGrp="1"/>
+          </p:cNvSpPr>
+          <p:nvPr>
+            <p:ph type="ctrTitle"/>
+          </p:nvPr>
+        </p:nvSpPr>
+        <p:spPr/>
+        <p:txBody>
+          <a:bodyPr/>
+          <a:lstStyle/>
+          <a:p>
+            <a:r>
+              <a:rPr lang="en-US" dirty="0"/>
+              <a:t>Review Week 1 Homework</a:t>
+            </a:r>
+          </a:p>
+        </p:txBody>
+      </p:sp>
+      <p:sp>
+        <p:nvSpPr>
+          <p:cNvPr id="5" name="Subtitle 4">
+            <a:extLst>
+              <a:ext uri="{FF2B5EF4-FFF2-40B4-BE49-F238E27FC236}">
+                <a16:creationId xmlns:a16="http://schemas.microsoft.com/office/drawing/2014/main" id="{7E60D122-A577-40B6-B740-B95C8557E016}"/>
+              </a:ext>
+            </a:extLst>
+          </p:cNvPr>
+          <p:cNvSpPr>
+            <a:spLocks noGrp="1"/>
+          </p:cNvSpPr>
+          <p:nvPr>
+            <p:ph type="subTitle" idx="1"/>
+          </p:nvPr>
+        </p:nvSpPr>
+        <p:spPr/>
+        <p:txBody>
+          <a:bodyPr/>
+          <a:lstStyle/>
+          <a:p>
+            <a:endParaRPr lang="en-US"/>
+          </a:p>
+        </p:txBody>
+      </p:sp>
+    </p:spTree>
+    <p:extLst>
+      <p:ext uri="{BB962C8B-B14F-4D97-AF65-F5344CB8AC3E}">
+        <p14:creationId xmlns:p14="http://schemas.microsoft.com/office/powerpoint/2010/main" val="244332754"/>
+      </p:ext>
+    </p:extLst>
+  </p:cSld>
+  <p:clrMapOvr>
+    <a:masterClrMapping/>
+  </p:clrMapOvr>
+</p:sld>
+</file>
+
+<file path=ppt/slides/slide21.xml><?xml version="1.0" encoding="utf-8"?>
+<p:sld xmlns:a="http://schemas.openxmlformats.org/drawingml/2006/main" xmlns:r="http://schemas.openxmlformats.org/officeDocument/2006/relationships" xmlns:p="http://schemas.openxmlformats.org/presentationml/2006/main">
+  <p:cSld>
+    <p:spTree>
+      <p:nvGrpSpPr>
+        <p:cNvPr id="1" name=""/>
+        <p:cNvGrpSpPr/>
+        <p:nvPr/>
+      </p:nvGrpSpPr>
+      <p:grpSpPr>
+        <a:xfrm>
+          <a:off x="0" y="0"/>
+          <a:ext cx="0" cy="0"/>
+          <a:chOff x="0" y="0"/>
+          <a:chExt cx="0" cy="0"/>
+        </a:xfrm>
+      </p:grpSpPr>
+      <p:sp>
+        <p:nvSpPr>
           <p:cNvPr id="2" name="Title 1">
             <a:extLst>
               <a:ext uri="{FF2B5EF4-FFF2-40B4-BE49-F238E27FC236}">
@@ -7083,7 +7219,7 @@
 </p:sld>
 </file>
 
-<file path=ppt/slides/slide21.xml><?xml version="1.0" encoding="utf-8"?>
+<file path=ppt/slides/slide22.xml><?xml version="1.0" encoding="utf-8"?>
 <p:sld xmlns:a="http://schemas.openxmlformats.org/drawingml/2006/main" xmlns:r="http://schemas.openxmlformats.org/officeDocument/2006/relationships" xmlns:p="http://schemas.openxmlformats.org/presentationml/2006/main">
   <p:cSld>
     <p:spTree>
@@ -7423,13 +7559,13 @@
           <a:lstStyle/>
           <a:p>
             <a:r>
-              <a:rPr lang="en-US"/>
+              <a:rPr lang="en-US" dirty="0"/>
               <a:t>The Class Repo is the place to find assignments. </a:t>
             </a:r>
           </a:p>
           <a:p>
             <a:r>
-              <a:rPr lang="en-US"/>
+              <a:rPr lang="en-US" dirty="0"/>
               <a:t>Each week you may have in class assignments that are due on Fridays at 8:00pm. </a:t>
             </a:r>
           </a:p>
@@ -7439,7 +7575,7 @@
               <a:buChar char="•"/>
             </a:pPr>
             <a:r>
-              <a:rPr lang="en-US"/>
+              <a:rPr lang="en-US" dirty="0"/>
               <a:t>Usually finishing anything not done in class. </a:t>
             </a:r>
           </a:p>
@@ -7449,7 +7585,7 @@
               <a:buChar char="•"/>
             </a:pPr>
             <a:r>
-              <a:rPr lang="en-US" spc="0"/>
+              <a:rPr lang="en-US" spc="0" dirty="0"/>
               <a:t>Homework assignments are due Wednesdays at 5:30pm</a:t>
             </a:r>
           </a:p>
@@ -7459,11 +7595,11 @@
               <a:buChar char="•"/>
             </a:pPr>
             <a:r>
-              <a:rPr lang="en-US" u="sng" spc="0"/>
+              <a:rPr lang="en-US" u="sng" spc="0" dirty="0"/>
               <a:t>Ask Questions in Slack.</a:t>
             </a:r>
             <a:r>
-              <a:rPr lang="en-US" spc="0"/>
+              <a:rPr lang="en-US" spc="0" dirty="0"/>
               <a:t> Don't ask them in Canvas. </a:t>
             </a:r>
           </a:p>
@@ -7473,7 +7609,7 @@
               <a:buChar char="•"/>
             </a:pPr>
             <a:r>
-              <a:rPr lang="en-US" spc="0"/>
+              <a:rPr lang="en-US" spc="0" dirty="0"/>
               <a:t>Start Early and ask questions!</a:t>
             </a:r>
           </a:p>
@@ -7714,7 +7850,7 @@
           <p:cNvPr id="2" name="Title 1">
             <a:extLst>
               <a:ext uri="{FF2B5EF4-FFF2-40B4-BE49-F238E27FC236}">
-                <a16:creationId xmlns:a16="http://schemas.microsoft.com/office/drawing/2014/main" id="{6CFEDE31-0F58-4774-9328-8C65C202D437}"/>
+                <a16:creationId xmlns:a16="http://schemas.microsoft.com/office/drawing/2014/main" id="{86205000-4554-4EFE-8B24-4DB0D3CAA497}"/>
               </a:ext>
             </a:extLst>
           </p:cNvPr>
@@ -7725,19 +7861,14 @@
             <p:ph type="title"/>
           </p:nvPr>
         </p:nvSpPr>
-        <p:spPr>
-          <a:xfrm>
-            <a:off x="95353" y="-509129"/>
-            <a:ext cx="9692640" cy="1325562"/>
-          </a:xfrm>
-        </p:spPr>
+        <p:spPr/>
         <p:txBody>
           <a:bodyPr/>
           <a:lstStyle/>
           <a:p>
             <a:r>
-              <a:rPr lang="en-US"/>
-              <a:t>Good Struggle vs Bad Struggle</a:t>
+              <a:rPr lang="en-US" dirty="0"/>
+              <a:t>Expectations	</a:t>
             </a:r>
           </a:p>
         </p:txBody>
@@ -7747,7 +7878,7 @@
           <p:cNvPr id="3" name="Content Placeholder 2">
             <a:extLst>
               <a:ext uri="{FF2B5EF4-FFF2-40B4-BE49-F238E27FC236}">
-                <a16:creationId xmlns:a16="http://schemas.microsoft.com/office/drawing/2014/main" id="{DE7D8463-D174-44B9-952E-C195D56426D9}"/>
+                <a16:creationId xmlns:a16="http://schemas.microsoft.com/office/drawing/2014/main" id="{5A54C069-1064-4EB1-9B0E-23C89B0271C3}"/>
               </a:ext>
             </a:extLst>
           </p:cNvPr>
@@ -7758,172 +7889,89 @@
             <p:ph idx="1"/>
           </p:nvPr>
         </p:nvSpPr>
-        <p:spPr>
-          <a:xfrm>
-            <a:off x="236465" y="888059"/>
-            <a:ext cx="10514471" cy="5762448"/>
-          </a:xfrm>
-        </p:spPr>
-        <p:txBody>
-          <a:bodyPr vert="horz" lIns="91440" tIns="45720" rIns="91440" bIns="45720" rtlCol="0" anchor="t">
-            <a:normAutofit/>
+        <p:spPr/>
+        <p:txBody>
+          <a:bodyPr>
+            <a:normAutofit fontScale="92500" lnSpcReduction="10000"/>
           </a:bodyPr>
           <a:lstStyle/>
           <a:p>
             <a:r>
               <a:rPr lang="en-US" dirty="0"/>
-              <a:t>Good struggle is working a problem and solving it in a reasonable amount of time. </a:t>
-            </a:r>
-          </a:p>
-          <a:p>
-            <a:pPr lvl="1">
-              <a:buFont typeface="Arial" pitchFamily="18" charset="2"/>
-              <a:buChar char="•"/>
-            </a:pPr>
-            <a:r>
-              <a:rPr lang="en-US" dirty="0"/>
-              <a:t>Exercising cognitive muscles. Challenging but progress is made.</a:t>
-            </a:r>
-          </a:p>
-          <a:p>
-            <a:pPr lvl="1">
-              <a:buFont typeface="Arial" pitchFamily="18" charset="2"/>
-              <a:buChar char="•"/>
-            </a:pPr>
-            <a:r>
-              <a:rPr lang="en-US" dirty="0"/>
-              <a:t>Feeling of satisfaction when the problem is solved. </a:t>
-            </a:r>
-          </a:p>
-          <a:p>
-            <a:pPr lvl="1">
-              <a:buFont typeface="Arial" pitchFamily="18" charset="2"/>
-              <a:buChar char="•"/>
-            </a:pPr>
-            <a:r>
-              <a:rPr lang="en-US" dirty="0"/>
-              <a:t>Important for growth and real learning. </a:t>
-            </a:r>
-          </a:p>
-          <a:p>
-            <a:r>
-              <a:rPr lang="en-US" dirty="0"/>
-              <a:t>Bad struggle is working on a problem and making little or no progress in a large amount of time. </a:t>
-            </a:r>
-          </a:p>
-          <a:p>
-            <a:pPr lvl="1">
-              <a:buFont typeface="Arial" pitchFamily="18" charset="2"/>
-              <a:buChar char="•"/>
-            </a:pPr>
-            <a:r>
-              <a:rPr lang="en-US" dirty="0"/>
-              <a:t>Feelings of frustration. Anger. </a:t>
-            </a:r>
-          </a:p>
-          <a:p>
-            <a:pPr lvl="1">
-              <a:buFont typeface="Arial" pitchFamily="18" charset="2"/>
-              <a:buChar char="•"/>
-            </a:pPr>
-            <a:r>
-              <a:rPr lang="en-US" dirty="0"/>
-              <a:t>Does nothing to foster learning. </a:t>
-            </a:r>
-          </a:p>
-          <a:p>
-            <a:pPr>
-              <a:buFont typeface="Arial" pitchFamily="18" charset="2"/>
-              <a:buChar char="•"/>
-            </a:pPr>
-            <a:r>
-              <a:rPr lang="en-US" spc="0" dirty="0"/>
-              <a:t>Rule of thumb:</a:t>
+              <a:t>You should be spending about 10 hours on your homework and readings and </a:t>
+            </a:r>
+            <a:r>
+              <a:rPr lang="en-US" dirty="0" err="1"/>
+              <a:t>DataCamp</a:t>
+            </a:r>
+            <a:r>
+              <a:rPr lang="en-US" dirty="0"/>
+              <a:t> PER WEEK outside of class</a:t>
             </a:r>
           </a:p>
           <a:p>
             <a:pPr lvl="1"/>
             <a:r>
               <a:rPr lang="en-US" dirty="0"/>
-              <a:t>Stuck on a HW problem for more than 15 mins? </a:t>
-            </a:r>
-            <a:endParaRPr lang="en-US" spc="0" dirty="0"/>
-          </a:p>
-          <a:p>
-            <a:pPr lvl="2"/>
-            <a:r>
-              <a:rPr lang="en-US" dirty="0"/>
-              <a:t>Consider skipping and returning to it later. You might find insight in other problems.</a:t>
+              <a:t>If you don’t have much of a foundation in programming, it will likely take you more time</a:t>
+            </a:r>
+          </a:p>
+          <a:p>
+            <a:r>
+              <a:rPr lang="en-US" dirty="0"/>
+              <a:t>We will be covering many data science topics at a higher level instead of digging into the intricacies of the math. Why? </a:t>
             </a:r>
           </a:p>
           <a:p>
             <a:pPr lvl="1"/>
             <a:r>
               <a:rPr lang="en-US" dirty="0"/>
-              <a:t>Stuck &gt;30mins? </a:t>
-            </a:r>
-          </a:p>
-          <a:p>
-            <a:pPr lvl="2"/>
-            <a:r>
-              <a:rPr lang="en-US" dirty="0"/>
-              <a:t>Post to Slack</a:t>
-            </a:r>
-          </a:p>
-          <a:p>
-            <a:pPr lvl="2"/>
-            <a:r>
-              <a:rPr lang="en-US" dirty="0"/>
-              <a:t>Post sooner than later in the week.</a:t>
-            </a:r>
-          </a:p>
-          <a:p>
-            <a:pPr lvl="2"/>
-            <a:r>
-              <a:rPr lang="en-US" dirty="0"/>
-              <a:t>Students should answer questions. Mentors will only step in when needed. </a:t>
+              <a:t>Many of you do not have the math background</a:t>
             </a:r>
           </a:p>
           <a:p>
             <a:pPr lvl="1"/>
             <a:r>
               <a:rPr lang="en-US" dirty="0"/>
-              <a:t>No Slack help?</a:t>
-            </a:r>
-          </a:p>
-          <a:p>
-            <a:pPr lvl="2"/>
-            <a:r>
-              <a:rPr lang="en-US" dirty="0"/>
-              <a:t>Reply to your post with @mentors "Any insights?". </a:t>
-            </a:r>
-          </a:p>
-          <a:p>
-            <a:pPr lvl="2"/>
-            <a:r>
-              <a:rPr lang="en-US" dirty="0"/>
-              <a:t>Give us 24hrs to respond. </a:t>
-            </a:r>
-            <a:endParaRPr lang="en-US" spc="0" dirty="0"/>
-          </a:p>
-          <a:p>
-            <a:pPr lvl="2"/>
-            <a:endParaRPr lang="en-US" dirty="0"/>
+              <a:t>This is not a degree program</a:t>
+            </a:r>
           </a:p>
           <a:p>
             <a:pPr lvl="1"/>
-            <a:endParaRPr lang="en-US" dirty="0"/>
+            <a:r>
+              <a:rPr lang="en-US" dirty="0"/>
+              <a:t>We are learning tools to put in your toolbox for solving problems</a:t>
+            </a:r>
           </a:p>
           <a:p>
             <a:pPr lvl="1"/>
-            <a:endParaRPr lang="en-US" dirty="0"/>
+            <a:r>
+              <a:rPr lang="en-US" dirty="0"/>
+              <a:t>Interviews for entry level jobs are not focused on the math intricacies but rather on knowing how models work and how to evaluate them</a:t>
+            </a:r>
+          </a:p>
+          <a:p>
+            <a:r>
+              <a:rPr lang="en-US" dirty="0"/>
+              <a:t>We care about you and your learning, but we are also busy. This is NOT our fulltime job</a:t>
+            </a:r>
+          </a:p>
+          <a:p>
+            <a:r>
+              <a:rPr lang="en-US" dirty="0"/>
+              <a:t>Be growth minded:</a:t>
+            </a:r>
           </a:p>
           <a:p>
             <a:pPr lvl="1"/>
-            <a:endParaRPr lang="en-US" dirty="0"/>
-          </a:p>
-          <a:p>
-            <a:pPr lvl="1"/>
+            <a:r>
+              <a:rPr lang="en-US" dirty="0"/>
+              <a:t>Even if you struggle on some early assignments, you have the capacity to improve and become an </a:t>
+            </a:r>
+            <a:r>
+              <a:rPr lang="en-US"/>
+              <a:t>amazing programmer</a:t>
+            </a:r>
             <a:endParaRPr lang="en-US" dirty="0"/>
           </a:p>
         </p:txBody>
@@ -7931,7 +7979,7 @@
     </p:spTree>
     <p:extLst>
       <p:ext uri="{BB962C8B-B14F-4D97-AF65-F5344CB8AC3E}">
-        <p14:creationId xmlns:p14="http://schemas.microsoft.com/office/powerpoint/2010/main" val="3936753933"/>
+        <p14:creationId xmlns:p14="http://schemas.microsoft.com/office/powerpoint/2010/main" val="1042717235"/>
       </p:ext>
     </p:extLst>
   </p:cSld>
@@ -7960,6 +8008,255 @@
       </p:grpSpPr>
       <p:sp>
         <p:nvSpPr>
+          <p:cNvPr id="2" name="Title 1">
+            <a:extLst>
+              <a:ext uri="{FF2B5EF4-FFF2-40B4-BE49-F238E27FC236}">
+                <a16:creationId xmlns:a16="http://schemas.microsoft.com/office/drawing/2014/main" id="{6CFEDE31-0F58-4774-9328-8C65C202D437}"/>
+              </a:ext>
+            </a:extLst>
+          </p:cNvPr>
+          <p:cNvSpPr>
+            <a:spLocks noGrp="1"/>
+          </p:cNvSpPr>
+          <p:nvPr>
+            <p:ph type="title"/>
+          </p:nvPr>
+        </p:nvSpPr>
+        <p:spPr>
+          <a:xfrm>
+            <a:off x="95353" y="-509129"/>
+            <a:ext cx="9692640" cy="1325562"/>
+          </a:xfrm>
+        </p:spPr>
+        <p:txBody>
+          <a:bodyPr/>
+          <a:lstStyle/>
+          <a:p>
+            <a:r>
+              <a:rPr lang="en-US"/>
+              <a:t>Good Struggle vs Bad Struggle</a:t>
+            </a:r>
+          </a:p>
+        </p:txBody>
+      </p:sp>
+      <p:sp>
+        <p:nvSpPr>
+          <p:cNvPr id="3" name="Content Placeholder 2">
+            <a:extLst>
+              <a:ext uri="{FF2B5EF4-FFF2-40B4-BE49-F238E27FC236}">
+                <a16:creationId xmlns:a16="http://schemas.microsoft.com/office/drawing/2014/main" id="{DE7D8463-D174-44B9-952E-C195D56426D9}"/>
+              </a:ext>
+            </a:extLst>
+          </p:cNvPr>
+          <p:cNvSpPr>
+            <a:spLocks noGrp="1"/>
+          </p:cNvSpPr>
+          <p:nvPr>
+            <p:ph idx="1"/>
+          </p:nvPr>
+        </p:nvSpPr>
+        <p:spPr>
+          <a:xfrm>
+            <a:off x="236465" y="888059"/>
+            <a:ext cx="10514471" cy="5762448"/>
+          </a:xfrm>
+        </p:spPr>
+        <p:txBody>
+          <a:bodyPr vert="horz" lIns="91440" tIns="45720" rIns="91440" bIns="45720" rtlCol="0" anchor="t">
+            <a:normAutofit/>
+          </a:bodyPr>
+          <a:lstStyle/>
+          <a:p>
+            <a:r>
+              <a:rPr lang="en-US" dirty="0"/>
+              <a:t>Good struggle is working a problem and solving it in a reasonable amount of time. </a:t>
+            </a:r>
+          </a:p>
+          <a:p>
+            <a:pPr lvl="1">
+              <a:buFont typeface="Arial" pitchFamily="18" charset="2"/>
+              <a:buChar char="•"/>
+            </a:pPr>
+            <a:r>
+              <a:rPr lang="en-US" dirty="0"/>
+              <a:t>Exercising cognitive muscles. Challenging but progress is made.</a:t>
+            </a:r>
+          </a:p>
+          <a:p>
+            <a:pPr lvl="1">
+              <a:buFont typeface="Arial" pitchFamily="18" charset="2"/>
+              <a:buChar char="•"/>
+            </a:pPr>
+            <a:r>
+              <a:rPr lang="en-US" dirty="0"/>
+              <a:t>Feeling of satisfaction when the problem is solved. </a:t>
+            </a:r>
+          </a:p>
+          <a:p>
+            <a:pPr lvl="1">
+              <a:buFont typeface="Arial" pitchFamily="18" charset="2"/>
+              <a:buChar char="•"/>
+            </a:pPr>
+            <a:r>
+              <a:rPr lang="en-US" dirty="0"/>
+              <a:t>Important for growth and real learning. </a:t>
+            </a:r>
+          </a:p>
+          <a:p>
+            <a:r>
+              <a:rPr lang="en-US" dirty="0"/>
+              <a:t>Bad struggle is working on a problem and making little or no progress in a large amount of time. </a:t>
+            </a:r>
+          </a:p>
+          <a:p>
+            <a:pPr lvl="1">
+              <a:buFont typeface="Arial" pitchFamily="18" charset="2"/>
+              <a:buChar char="•"/>
+            </a:pPr>
+            <a:r>
+              <a:rPr lang="en-US" dirty="0"/>
+              <a:t>Feelings of frustration. Anger. </a:t>
+            </a:r>
+          </a:p>
+          <a:p>
+            <a:pPr lvl="1">
+              <a:buFont typeface="Arial" pitchFamily="18" charset="2"/>
+              <a:buChar char="•"/>
+            </a:pPr>
+            <a:r>
+              <a:rPr lang="en-US" dirty="0"/>
+              <a:t>Does nothing to foster learning. </a:t>
+            </a:r>
+          </a:p>
+          <a:p>
+            <a:pPr>
+              <a:buFont typeface="Arial" pitchFamily="18" charset="2"/>
+              <a:buChar char="•"/>
+            </a:pPr>
+            <a:r>
+              <a:rPr lang="en-US" spc="0" dirty="0"/>
+              <a:t>Rule of thumb:</a:t>
+            </a:r>
+          </a:p>
+          <a:p>
+            <a:pPr lvl="1"/>
+            <a:r>
+              <a:rPr lang="en-US" dirty="0"/>
+              <a:t>Stuck on a HW problem for more than 15 mins? </a:t>
+            </a:r>
+            <a:endParaRPr lang="en-US" spc="0" dirty="0"/>
+          </a:p>
+          <a:p>
+            <a:pPr lvl="2"/>
+            <a:r>
+              <a:rPr lang="en-US" dirty="0"/>
+              <a:t>Consider skipping and returning to it later. You might find insight in other problems.</a:t>
+            </a:r>
+          </a:p>
+          <a:p>
+            <a:pPr lvl="1"/>
+            <a:r>
+              <a:rPr lang="en-US" dirty="0"/>
+              <a:t>Stuck &gt;30mins? </a:t>
+            </a:r>
+          </a:p>
+          <a:p>
+            <a:pPr lvl="2"/>
+            <a:r>
+              <a:rPr lang="en-US" dirty="0"/>
+              <a:t>Post to Slack</a:t>
+            </a:r>
+          </a:p>
+          <a:p>
+            <a:pPr lvl="2"/>
+            <a:r>
+              <a:rPr lang="en-US" dirty="0"/>
+              <a:t>Post sooner than later in the week.</a:t>
+            </a:r>
+          </a:p>
+          <a:p>
+            <a:pPr lvl="2"/>
+            <a:r>
+              <a:rPr lang="en-US" dirty="0"/>
+              <a:t>Students should answer questions. Mentors will only step in when needed. </a:t>
+            </a:r>
+          </a:p>
+          <a:p>
+            <a:pPr lvl="1"/>
+            <a:r>
+              <a:rPr lang="en-US" dirty="0"/>
+              <a:t>No Slack help?</a:t>
+            </a:r>
+          </a:p>
+          <a:p>
+            <a:pPr lvl="2"/>
+            <a:r>
+              <a:rPr lang="en-US" dirty="0"/>
+              <a:t>Reply to your post with @mentors "Any insights?". </a:t>
+            </a:r>
+          </a:p>
+          <a:p>
+            <a:pPr lvl="2"/>
+            <a:r>
+              <a:rPr lang="en-US" dirty="0"/>
+              <a:t>Give us 24hrs to respond. </a:t>
+            </a:r>
+            <a:endParaRPr lang="en-US" spc="0" dirty="0"/>
+          </a:p>
+          <a:p>
+            <a:pPr lvl="2"/>
+            <a:endParaRPr lang="en-US" dirty="0"/>
+          </a:p>
+          <a:p>
+            <a:pPr lvl="1"/>
+            <a:endParaRPr lang="en-US" dirty="0"/>
+          </a:p>
+          <a:p>
+            <a:pPr lvl="1"/>
+            <a:endParaRPr lang="en-US" dirty="0"/>
+          </a:p>
+          <a:p>
+            <a:pPr lvl="1"/>
+            <a:endParaRPr lang="en-US" dirty="0"/>
+          </a:p>
+          <a:p>
+            <a:pPr lvl="1"/>
+            <a:endParaRPr lang="en-US" dirty="0"/>
+          </a:p>
+        </p:txBody>
+      </p:sp>
+    </p:spTree>
+    <p:extLst>
+      <p:ext uri="{BB962C8B-B14F-4D97-AF65-F5344CB8AC3E}">
+        <p14:creationId xmlns:p14="http://schemas.microsoft.com/office/powerpoint/2010/main" val="3936753933"/>
+      </p:ext>
+    </p:extLst>
+  </p:cSld>
+  <p:clrMapOvr>
+    <a:masterClrMapping/>
+  </p:clrMapOvr>
+</p:sld>
+</file>
+
+<file path=ppt/slides/slide8.xml><?xml version="1.0" encoding="utf-8"?>
+<p:sld xmlns:a="http://schemas.openxmlformats.org/drawingml/2006/main" xmlns:r="http://schemas.openxmlformats.org/officeDocument/2006/relationships" xmlns:p="http://schemas.openxmlformats.org/presentationml/2006/main">
+  <p:cSld>
+    <p:spTree>
+      <p:nvGrpSpPr>
+        <p:cNvPr id="1" name=""/>
+        <p:cNvGrpSpPr/>
+        <p:nvPr/>
+      </p:nvGrpSpPr>
+      <p:grpSpPr>
+        <a:xfrm>
+          <a:off x="0" y="0"/>
+          <a:ext cx="0" cy="0"/>
+          <a:chOff x="0" y="0"/>
+          <a:chExt cx="0" cy="0"/>
+        </a:xfrm>
+      </p:grpSpPr>
+      <p:sp>
+        <p:nvSpPr>
           <p:cNvPr id="4" name="Title 3">
             <a:extLst>
               <a:ext uri="{FF2B5EF4-FFF2-40B4-BE49-F238E27FC236}">
@@ -8024,7 +8321,7 @@
 </p:sld>
 </file>
 
-<file path=ppt/slides/slide8.xml><?xml version="1.0" encoding="utf-8"?>
+<file path=ppt/slides/slide9.xml><?xml version="1.0" encoding="utf-8"?>
 <p:sld xmlns:a="http://schemas.openxmlformats.org/drawingml/2006/main" xmlns:r="http://schemas.openxmlformats.org/officeDocument/2006/relationships" xmlns:p="http://schemas.openxmlformats.org/presentationml/2006/main">
   <p:cSld>
     <p:bg>
@@ -8211,141 +8508,6 @@
     <p:extLst>
       <p:ext uri="{BB962C8B-B14F-4D97-AF65-F5344CB8AC3E}">
         <p14:creationId xmlns:p14="http://schemas.microsoft.com/office/powerpoint/2010/main" val="3420347925"/>
-      </p:ext>
-    </p:extLst>
-  </p:cSld>
-  <p:clrMapOvr>
-    <a:masterClrMapping/>
-  </p:clrMapOvr>
-</p:sld>
-</file>
-
-<file path=ppt/slides/slide9.xml><?xml version="1.0" encoding="utf-8"?>
-<p:sld xmlns:a="http://schemas.openxmlformats.org/drawingml/2006/main" xmlns:r="http://schemas.openxmlformats.org/officeDocument/2006/relationships" xmlns:p="http://schemas.openxmlformats.org/presentationml/2006/main">
-  <p:cSld>
-    <p:spTree>
-      <p:nvGrpSpPr>
-        <p:cNvPr id="1" name=""/>
-        <p:cNvGrpSpPr/>
-        <p:nvPr/>
-      </p:nvGrpSpPr>
-      <p:grpSpPr>
-        <a:xfrm>
-          <a:off x="0" y="0"/>
-          <a:ext cx="0" cy="0"/>
-          <a:chOff x="0" y="0"/>
-          <a:chExt cx="0" cy="0"/>
-        </a:xfrm>
-      </p:grpSpPr>
-      <p:sp>
-        <p:nvSpPr>
-          <p:cNvPr id="2" name="Title 1">
-            <a:extLst>
-              <a:ext uri="{FF2B5EF4-FFF2-40B4-BE49-F238E27FC236}">
-                <a16:creationId xmlns:a16="http://schemas.microsoft.com/office/drawing/2014/main" id="{D6E37796-6D6D-47C6-86EA-242957A9E930}"/>
-              </a:ext>
-            </a:extLst>
-          </p:cNvPr>
-          <p:cNvSpPr>
-            <a:spLocks noGrp="1"/>
-          </p:cNvSpPr>
-          <p:nvPr>
-            <p:ph type="title"/>
-          </p:nvPr>
-        </p:nvSpPr>
-        <p:spPr/>
-        <p:txBody>
-          <a:bodyPr/>
-          <a:lstStyle/>
-          <a:p>
-            <a:r>
-              <a:rPr lang="en-US" dirty="0"/>
-              <a:t>Where do you clone your HW repo?!?!?!</a:t>
-            </a:r>
-          </a:p>
-        </p:txBody>
-      </p:sp>
-      <p:sp>
-        <p:nvSpPr>
-          <p:cNvPr id="3" name="Content Placeholder 2">
-            <a:extLst>
-              <a:ext uri="{FF2B5EF4-FFF2-40B4-BE49-F238E27FC236}">
-                <a16:creationId xmlns:a16="http://schemas.microsoft.com/office/drawing/2014/main" id="{BB1F21AB-ABE0-4C0B-ACD9-63F486D55ED4}"/>
-              </a:ext>
-            </a:extLst>
-          </p:cNvPr>
-          <p:cNvSpPr>
-            <a:spLocks noGrp="1"/>
-          </p:cNvSpPr>
-          <p:nvPr>
-            <p:ph idx="1"/>
-          </p:nvPr>
-        </p:nvSpPr>
-        <p:spPr/>
-        <p:txBody>
-          <a:bodyPr/>
-          <a:lstStyle/>
-          <a:p>
-            <a:r>
-              <a:rPr lang="en-US" dirty="0"/>
-              <a:t>Do NOT put it in the repo for the course material (Data-Science-Assignments)</a:t>
-            </a:r>
-          </a:p>
-          <a:p>
-            <a:r>
-              <a:rPr lang="en-US" sz="1500" dirty="0">
-                <a:ea typeface="+mn-lt"/>
-                <a:cs typeface="+mn-lt"/>
-              </a:rPr>
-              <a:t>Make sure you store your notes and HW assignments in a different folder from the class repo (called Data-Science-Assignments)</a:t>
-            </a:r>
-          </a:p>
-          <a:p>
-            <a:pPr lvl="2"/>
-            <a:r>
-              <a:rPr lang="en-US" sz="1500" dirty="0">
-                <a:ea typeface="+mn-lt"/>
-                <a:cs typeface="+mn-lt"/>
-              </a:rPr>
-              <a:t>It will get overwritten if you don’t! </a:t>
-            </a:r>
-          </a:p>
-        </p:txBody>
-      </p:sp>
-      <p:pic>
-        <p:nvPicPr>
-          <p:cNvPr id="5" name="Picture 4">
-            <a:extLst>
-              <a:ext uri="{FF2B5EF4-FFF2-40B4-BE49-F238E27FC236}">
-                <a16:creationId xmlns:a16="http://schemas.microsoft.com/office/drawing/2014/main" id="{CC61A177-36F4-4E98-809A-24B2E9E82A1F}"/>
-              </a:ext>
-            </a:extLst>
-          </p:cNvPr>
-          <p:cNvPicPr>
-            <a:picLocks noChangeAspect="1"/>
-          </p:cNvPicPr>
-          <p:nvPr/>
-        </p:nvPicPr>
-        <p:blipFill>
-          <a:blip r:embed="rId2"/>
-          <a:stretch>
-            <a:fillRect/>
-          </a:stretch>
-        </p:blipFill>
-        <p:spPr>
-          <a:xfrm>
-            <a:off x="2125979" y="3429000"/>
-            <a:ext cx="7113685" cy="3090371"/>
-          </a:xfrm>
-          <a:prstGeom prst="rect">
-            <a:avLst/>
-          </a:prstGeom>
-        </p:spPr>
-      </p:pic>
-    </p:spTree>
-    <p:extLst>
-      <p:ext uri="{BB962C8B-B14F-4D97-AF65-F5344CB8AC3E}">
-        <p14:creationId xmlns:p14="http://schemas.microsoft.com/office/powerpoint/2010/main" val="3324491422"/>
       </p:ext>
     </p:extLst>
   </p:cSld>

--- a/course_material/week_02/week_02_presentation.pptx
+++ b/course_material/week_02/week_02_presentation.pptx
@@ -20,14 +20,14 @@
     <p:sldId id="286" r:id="rId11"/>
     <p:sldId id="269" r:id="rId12"/>
     <p:sldId id="280" r:id="rId13"/>
-    <p:sldId id="287" r:id="rId14"/>
-    <p:sldId id="275" r:id="rId15"/>
-    <p:sldId id="277" r:id="rId16"/>
-    <p:sldId id="276" r:id="rId17"/>
+    <p:sldId id="289" r:id="rId14"/>
+    <p:sldId id="287" r:id="rId15"/>
+    <p:sldId id="275" r:id="rId16"/>
+    <p:sldId id="277" r:id="rId17"/>
     <p:sldId id="285" r:id="rId18"/>
-    <p:sldId id="264" r:id="rId19"/>
-    <p:sldId id="265" r:id="rId20"/>
-    <p:sldId id="283" r:id="rId21"/>
+    <p:sldId id="283" r:id="rId19"/>
+    <p:sldId id="264" r:id="rId20"/>
+    <p:sldId id="265" r:id="rId21"/>
     <p:sldId id="270" r:id="rId22"/>
     <p:sldId id="282" r:id="rId23"/>
   </p:sldIdLst>
@@ -1508,7 +1508,7 @@
           <a:p>
             <a:fld id="{84B723E6-6E3C-467B-A65A-C60C6BFA5392}" type="datetimeFigureOut">
               <a:rPr lang="en-US" smtClean="0"/>
-              <a:t>9/7/2021</a:t>
+              <a:t>9/18/2021</a:t>
             </a:fld>
             <a:endParaRPr lang="en-US"/>
           </a:p>
@@ -1856,7 +1856,7 @@
           <a:p>
             <a:fld id="{806B7796-0EC5-4B07-8569-0213ABC15A1E}" type="slidenum">
               <a:rPr lang="en-US" smtClean="0"/>
-              <a:t>13</a:t>
+              <a:t>14</a:t>
             </a:fld>
             <a:endParaRPr lang="en-US"/>
           </a:p>
@@ -1948,7 +1948,7 @@
           <a:p>
             <a:fld id="{2CD6395E-E0A2-4FD5-96E6-628A2336CB73}" type="slidenum">
               <a:rPr lang="en-US" smtClean="0"/>
-              <a:t>14</a:t>
+              <a:t>15</a:t>
             </a:fld>
             <a:endParaRPr lang="en-US"/>
           </a:p>
@@ -2161,7 +2161,7 @@
           <a:p>
             <a:fld id="{ACF1A1B0-862D-4909-A7DB-D8ADA062DFCA}" type="datetimeFigureOut">
               <a:rPr lang="en-US" dirty="0"/>
-              <a:t>9/7/2021</a:t>
+              <a:t>9/18/2021</a:t>
             </a:fld>
             <a:endParaRPr lang="en-US"/>
           </a:p>
@@ -2384,7 +2384,7 @@
           <a:p>
             <a:fld id="{7B156144-9CB7-4E3A-B87E-A382F9BE05EF}" type="datetimeFigureOut">
               <a:rPr lang="en-US" dirty="0"/>
-              <a:t>9/7/2021</a:t>
+              <a:t>9/18/2021</a:t>
             </a:fld>
             <a:endParaRPr lang="en-US"/>
           </a:p>
@@ -2562,7 +2562,7 @@
           <a:p>
             <a:fld id="{2643D55F-46AB-4791-9172-4FA8DD3A6A9C}" type="datetimeFigureOut">
               <a:rPr lang="en-US" dirty="0"/>
-              <a:t>9/7/2021</a:t>
+              <a:t>9/18/2021</a:t>
             </a:fld>
             <a:endParaRPr lang="en-US"/>
           </a:p>
@@ -2730,7 +2730,7 @@
           <a:p>
             <a:fld id="{58026881-8A08-449C-8D73-E5F201F814C1}" type="datetimeFigureOut">
               <a:rPr lang="en-US" dirty="0"/>
-              <a:t>9/7/2021</a:t>
+              <a:t>9/18/2021</a:t>
             </a:fld>
             <a:endParaRPr lang="en-US"/>
           </a:p>
@@ -3020,7 +3020,7 @@
           <a:p>
             <a:fld id="{1BEB5A5E-0C07-4E93-A112-D37B4D166B30}" type="datetimeFigureOut">
               <a:rPr lang="en-US" dirty="0"/>
-              <a:t>9/7/2021</a:t>
+              <a:t>9/18/2021</a:t>
             </a:fld>
             <a:endParaRPr lang="en-US"/>
           </a:p>
@@ -3343,7 +3343,7 @@
           <a:p>
             <a:fld id="{9E1F71C5-DC57-4358-A1EA-30C08AF6E3C5}" type="datetimeFigureOut">
               <a:rPr lang="en-US" dirty="0"/>
-              <a:t>9/7/2021</a:t>
+              <a:t>9/18/2021</a:t>
             </a:fld>
             <a:endParaRPr lang="en-US"/>
           </a:p>
@@ -3752,7 +3752,7 @@
           <a:p>
             <a:fld id="{12571DBA-DE60-4731-B773-47AAA185C143}" type="datetimeFigureOut">
               <a:rPr lang="en-US" dirty="0"/>
-              <a:t>9/7/2021</a:t>
+              <a:t>9/18/2021</a:t>
             </a:fld>
             <a:endParaRPr lang="en-US"/>
           </a:p>
@@ -3869,7 +3869,7 @@
           <a:p>
             <a:fld id="{4F170639-886C-4FCF-9EAB-ABB5DA3F3F4A}" type="datetimeFigureOut">
               <a:rPr lang="en-US" dirty="0"/>
-              <a:t>9/7/2021</a:t>
+              <a:t>9/18/2021</a:t>
             </a:fld>
             <a:endParaRPr lang="en-US"/>
           </a:p>
@@ -3964,7 +3964,7 @@
           <a:p>
             <a:fld id="{34C4A628-C83B-4C66-83F4-1711CE3738FD}" type="datetimeFigureOut">
               <a:rPr lang="en-US" dirty="0"/>
-              <a:t>9/7/2021</a:t>
+              <a:t>9/18/2021</a:t>
             </a:fld>
             <a:endParaRPr lang="en-US"/>
           </a:p>
@@ -4249,7 +4249,7 @@
           <a:p>
             <a:fld id="{B88C1D73-9400-43CA-A37F-F9B7D00DE14C}" type="datetimeFigureOut">
               <a:rPr lang="en-US" dirty="0"/>
-              <a:t>9/7/2021</a:t>
+              <a:t>9/18/2021</a:t>
             </a:fld>
             <a:endParaRPr lang="en-US"/>
           </a:p>
@@ -4521,7 +4521,7 @@
           <a:p>
             <a:fld id="{188B7711-B905-4633-B4D7-6F3A49A2E7D9}" type="datetimeFigureOut">
               <a:rPr lang="en-US" dirty="0"/>
-              <a:t>9/7/2021</a:t>
+              <a:t>9/18/2021</a:t>
             </a:fld>
             <a:endParaRPr lang="en-US"/>
           </a:p>
@@ -4771,7 +4771,7 @@
             <a:fld id="{89C235CF-BDA2-4E7E-8BBD-350479985E74}" type="datetimeFigureOut">
               <a:rPr lang="en-US" dirty="0"/>
               <a:pPr/>
-              <a:t>9/7/2021</a:t>
+              <a:t>9/18/2021</a:t>
             </a:fld>
             <a:endParaRPr lang="en-US"/>
           </a:p>
@@ -5726,7 +5726,7 @@
             <a:pPr lvl="2"/>
             <a:r>
               <a:rPr lang="en-US" dirty="0"/>
-              <a:t>Git push origin master</a:t>
+              <a:t>Git push</a:t>
             </a:r>
           </a:p>
         </p:txBody>
@@ -5766,6 +5766,104 @@
           <p:cNvPr id="4" name="Title 3">
             <a:extLst>
               <a:ext uri="{FF2B5EF4-FFF2-40B4-BE49-F238E27FC236}">
+                <a16:creationId xmlns:a16="http://schemas.microsoft.com/office/drawing/2014/main" id="{154A3AC3-6CFA-4F15-8186-DA2D0E80FC66}"/>
+              </a:ext>
+            </a:extLst>
+          </p:cNvPr>
+          <p:cNvSpPr>
+            <a:spLocks noGrp="1"/>
+          </p:cNvSpPr>
+          <p:nvPr>
+            <p:ph type="ctrTitle"/>
+          </p:nvPr>
+        </p:nvSpPr>
+        <p:spPr/>
+        <p:txBody>
+          <a:bodyPr/>
+          <a:lstStyle/>
+          <a:p>
+            <a:r>
+              <a:rPr lang="en-US" dirty="0"/>
+              <a:t>.</a:t>
+            </a:r>
+            <a:r>
+              <a:rPr lang="en-US" dirty="0" err="1"/>
+              <a:t>gitignore</a:t>
+            </a:r>
+            <a:r>
+              <a:rPr lang="en-US" dirty="0"/>
+              <a:t> </a:t>
+            </a:r>
+          </a:p>
+        </p:txBody>
+      </p:sp>
+      <p:sp>
+        <p:nvSpPr>
+          <p:cNvPr id="5" name="Subtitle 4">
+            <a:extLst>
+              <a:ext uri="{FF2B5EF4-FFF2-40B4-BE49-F238E27FC236}">
+                <a16:creationId xmlns:a16="http://schemas.microsoft.com/office/drawing/2014/main" id="{314C64EA-259F-4D39-9E89-75A5D1FD2D86}"/>
+              </a:ext>
+            </a:extLst>
+          </p:cNvPr>
+          <p:cNvSpPr>
+            <a:spLocks noGrp="1"/>
+          </p:cNvSpPr>
+          <p:nvPr>
+            <p:ph type="subTitle" idx="1"/>
+          </p:nvPr>
+        </p:nvSpPr>
+        <p:spPr/>
+        <p:txBody>
+          <a:bodyPr/>
+          <a:lstStyle/>
+          <a:p>
+            <a:r>
+              <a:rPr lang="en-US" dirty="0"/>
+              <a:t>Untracked files . </a:t>
+            </a:r>
+            <a:r>
+              <a:rPr lang="en-US"/>
+              <a:t>What is a dot file?</a:t>
+            </a:r>
+          </a:p>
+        </p:txBody>
+      </p:sp>
+    </p:spTree>
+    <p:extLst>
+      <p:ext uri="{BB962C8B-B14F-4D97-AF65-F5344CB8AC3E}">
+        <p14:creationId xmlns:p14="http://schemas.microsoft.com/office/powerpoint/2010/main" val="1463043383"/>
+      </p:ext>
+    </p:extLst>
+  </p:cSld>
+  <p:clrMapOvr>
+    <a:masterClrMapping/>
+  </p:clrMapOvr>
+</p:sld>
+</file>
+
+<file path=ppt/slides/slide14.xml><?xml version="1.0" encoding="utf-8"?>
+<p:sld xmlns:a="http://schemas.openxmlformats.org/drawingml/2006/main" xmlns:r="http://schemas.openxmlformats.org/officeDocument/2006/relationships" xmlns:p="http://schemas.openxmlformats.org/presentationml/2006/main">
+  <p:cSld>
+    <p:spTree>
+      <p:nvGrpSpPr>
+        <p:cNvPr id="1" name=""/>
+        <p:cNvGrpSpPr/>
+        <p:nvPr/>
+      </p:nvGrpSpPr>
+      <p:grpSpPr>
+        <a:xfrm>
+          <a:off x="0" y="0"/>
+          <a:ext cx="0" cy="0"/>
+          <a:chOff x="0" y="0"/>
+          <a:chExt cx="0" cy="0"/>
+        </a:xfrm>
+      </p:grpSpPr>
+      <p:sp>
+        <p:nvSpPr>
+          <p:cNvPr id="4" name="Title 3">
+            <a:extLst>
+              <a:ext uri="{FF2B5EF4-FFF2-40B4-BE49-F238E27FC236}">
                 <a16:creationId xmlns:a16="http://schemas.microsoft.com/office/drawing/2014/main" id="{59636316-10C0-450E-9C14-FBDC9A3F763D}"/>
               </a:ext>
             </a:extLst>
@@ -5830,7 +5928,7 @@
 </p:sld>
 </file>
 
-<file path=ppt/slides/slide14.xml><?xml version="1.0" encoding="utf-8"?>
+<file path=ppt/slides/slide15.xml><?xml version="1.0" encoding="utf-8"?>
 <p:sld xmlns:a="http://schemas.openxmlformats.org/drawingml/2006/main" xmlns:r="http://schemas.openxmlformats.org/officeDocument/2006/relationships" xmlns:p="http://schemas.openxmlformats.org/presentationml/2006/main">
   <p:cSld>
     <p:spTree>
@@ -5935,124 +6033,6 @@
 </p:sld>
 </file>
 
-<file path=ppt/slides/slide15.xml><?xml version="1.0" encoding="utf-8"?>
-<p:sld xmlns:a="http://schemas.openxmlformats.org/drawingml/2006/main" xmlns:r="http://schemas.openxmlformats.org/officeDocument/2006/relationships" xmlns:p="http://schemas.openxmlformats.org/presentationml/2006/main">
-  <p:cSld>
-    <p:spTree>
-      <p:nvGrpSpPr>
-        <p:cNvPr id="1" name=""/>
-        <p:cNvGrpSpPr/>
-        <p:nvPr/>
-      </p:nvGrpSpPr>
-      <p:grpSpPr>
-        <a:xfrm>
-          <a:off x="0" y="0"/>
-          <a:ext cx="0" cy="0"/>
-          <a:chOff x="0" y="0"/>
-          <a:chExt cx="0" cy="0"/>
-        </a:xfrm>
-      </p:grpSpPr>
-      <p:sp>
-        <p:nvSpPr>
-          <p:cNvPr id="2" name="Title 1">
-            <a:extLst>
-              <a:ext uri="{FF2B5EF4-FFF2-40B4-BE49-F238E27FC236}">
-                <a16:creationId xmlns:a16="http://schemas.microsoft.com/office/drawing/2014/main" id="{47F85EB0-7CDB-4E13-A551-F7F23BFFFB23}"/>
-              </a:ext>
-            </a:extLst>
-          </p:cNvPr>
-          <p:cNvSpPr>
-            <a:spLocks noGrp="1"/>
-          </p:cNvSpPr>
-          <p:nvPr>
-            <p:ph type="title"/>
-          </p:nvPr>
-        </p:nvSpPr>
-        <p:spPr/>
-        <p:txBody>
-          <a:bodyPr/>
-          <a:lstStyle/>
-          <a:p>
-            <a:r>
-              <a:rPr lang="en-US" dirty="0"/>
-              <a:t>Python Flow control</a:t>
-            </a:r>
-          </a:p>
-        </p:txBody>
-      </p:sp>
-      <p:sp>
-        <p:nvSpPr>
-          <p:cNvPr id="3" name="Content Placeholder 2">
-            <a:extLst>
-              <a:ext uri="{FF2B5EF4-FFF2-40B4-BE49-F238E27FC236}">
-                <a16:creationId xmlns:a16="http://schemas.microsoft.com/office/drawing/2014/main" id="{829A05FB-1BBF-4E8B-B510-61049917C545}"/>
-              </a:ext>
-            </a:extLst>
-          </p:cNvPr>
-          <p:cNvSpPr>
-            <a:spLocks noGrp="1"/>
-          </p:cNvSpPr>
-          <p:nvPr>
-            <p:ph idx="1"/>
-          </p:nvPr>
-        </p:nvSpPr>
-        <p:spPr/>
-        <p:txBody>
-          <a:bodyPr/>
-          <a:lstStyle/>
-          <a:p>
-            <a:r>
-              <a:rPr lang="en-US" dirty="0"/>
-              <a:t>If… </a:t>
-            </a:r>
-            <a:r>
-              <a:rPr lang="en-US" dirty="0" err="1"/>
-              <a:t>elif</a:t>
-            </a:r>
-            <a:r>
-              <a:rPr lang="en-US" dirty="0"/>
-              <a:t>… else</a:t>
-            </a:r>
-          </a:p>
-          <a:p>
-            <a:r>
-              <a:rPr lang="en-US" dirty="0"/>
-              <a:t>for</a:t>
-            </a:r>
-          </a:p>
-          <a:p>
-            <a:r>
-              <a:rPr lang="en-US" dirty="0"/>
-              <a:t>While</a:t>
-            </a:r>
-          </a:p>
-          <a:p>
-            <a:r>
-              <a:rPr lang="en-US" dirty="0"/>
-              <a:t>Range</a:t>
-            </a:r>
-          </a:p>
-          <a:p>
-            <a:pPr marL="0" indent="0">
-              <a:buNone/>
-            </a:pPr>
-            <a:endParaRPr lang="en-US" dirty="0"/>
-          </a:p>
-        </p:txBody>
-      </p:sp>
-    </p:spTree>
-    <p:extLst>
-      <p:ext uri="{BB962C8B-B14F-4D97-AF65-F5344CB8AC3E}">
-        <p14:creationId xmlns:p14="http://schemas.microsoft.com/office/powerpoint/2010/main" val="1130824563"/>
-      </p:ext>
-    </p:extLst>
-  </p:cSld>
-  <p:clrMapOvr>
-    <a:masterClrMapping/>
-  </p:clrMapOvr>
-</p:sld>
-</file>
-
 <file path=ppt/slides/slide16.xml><?xml version="1.0" encoding="utf-8"?>
 <p:sld xmlns:a="http://schemas.openxmlformats.org/drawingml/2006/main" xmlns:r="http://schemas.openxmlformats.org/officeDocument/2006/relationships" xmlns:p="http://schemas.openxmlformats.org/presentationml/2006/main">
   <p:cSld>
@@ -6075,7 +6055,7 @@
           <p:cNvPr id="2" name="Title 1">
             <a:extLst>
               <a:ext uri="{FF2B5EF4-FFF2-40B4-BE49-F238E27FC236}">
-                <a16:creationId xmlns:a16="http://schemas.microsoft.com/office/drawing/2014/main" id="{FCB20E9B-002C-4D50-A850-7CCB8A9607EE}"/>
+                <a16:creationId xmlns:a16="http://schemas.microsoft.com/office/drawing/2014/main" id="{47F85EB0-7CDB-4E13-A551-F7F23BFFFB23}"/>
               </a:ext>
             </a:extLst>
           </p:cNvPr>
@@ -6093,7 +6073,7 @@
           <a:p>
             <a:r>
               <a:rPr lang="en-US" dirty="0"/>
-              <a:t>Practice Data types (10 minutes)</a:t>
+              <a:t>Python Flow control</a:t>
             </a:r>
           </a:p>
         </p:txBody>
@@ -6103,7 +6083,7 @@
           <p:cNvPr id="3" name="Content Placeholder 2">
             <a:extLst>
               <a:ext uri="{FF2B5EF4-FFF2-40B4-BE49-F238E27FC236}">
-                <a16:creationId xmlns:a16="http://schemas.microsoft.com/office/drawing/2014/main" id="{4BC89F77-664B-4D03-AA82-E422CC9A225B}"/>
+                <a16:creationId xmlns:a16="http://schemas.microsoft.com/office/drawing/2014/main" id="{829A05FB-1BBF-4E8B-B510-61049917C545}"/>
               </a:ext>
             </a:extLst>
           </p:cNvPr>
@@ -6121,54 +6101,39 @@
           <a:p>
             <a:r>
               <a:rPr lang="en-US" dirty="0"/>
-              <a:t>Document the main datatypes in a </a:t>
+              <a:t>If… </a:t>
             </a:r>
             <a:r>
               <a:rPr lang="en-US" dirty="0" err="1"/>
-              <a:t>Jupyer</a:t>
-            </a:r>
-            <a:r>
-              <a:rPr lang="en-US" dirty="0"/>
-              <a:t> notebook. Use markdown and headings and provide an example of each datatype and print the type to confirm you’re right:</a:t>
-            </a:r>
-          </a:p>
-          <a:p>
-            <a:pPr lvl="1"/>
-            <a:r>
-              <a:rPr lang="en-US" dirty="0"/>
-              <a:t>Numeric (integers and floats)</a:t>
-            </a:r>
-          </a:p>
-          <a:p>
-            <a:pPr lvl="1"/>
-            <a:r>
-              <a:rPr lang="en-US" dirty="0"/>
-              <a:t>Dictionary</a:t>
-            </a:r>
-          </a:p>
-          <a:p>
-            <a:pPr lvl="1"/>
-            <a:r>
-              <a:rPr lang="en-US" dirty="0"/>
-              <a:t>Boolean</a:t>
-            </a:r>
-          </a:p>
-          <a:p>
-            <a:pPr lvl="1"/>
-            <a:r>
-              <a:rPr lang="en-US" dirty="0"/>
-              <a:t>Sequence (string, list, tuple)</a:t>
-            </a:r>
-          </a:p>
-          <a:p>
-            <a:pPr lvl="1"/>
-            <a:r>
-              <a:rPr lang="en-US" dirty="0"/>
-              <a:t>Set</a:t>
-            </a:r>
-          </a:p>
-          <a:p>
-            <a:pPr lvl="1"/>
+              <a:t>elif</a:t>
+            </a:r>
+            <a:r>
+              <a:rPr lang="en-US" dirty="0"/>
+              <a:t>… else</a:t>
+            </a:r>
+          </a:p>
+          <a:p>
+            <a:r>
+              <a:rPr lang="en-US" dirty="0"/>
+              <a:t>for</a:t>
+            </a:r>
+          </a:p>
+          <a:p>
+            <a:r>
+              <a:rPr lang="en-US" dirty="0"/>
+              <a:t>While</a:t>
+            </a:r>
+          </a:p>
+          <a:p>
+            <a:r>
+              <a:rPr lang="en-US" dirty="0"/>
+              <a:t>Range</a:t>
+            </a:r>
+          </a:p>
+          <a:p>
+            <a:pPr marL="0" indent="0">
+              <a:buNone/>
+            </a:pPr>
             <a:endParaRPr lang="en-US" dirty="0"/>
           </a:p>
         </p:txBody>
@@ -6176,7 +6141,7 @@
     </p:spTree>
     <p:extLst>
       <p:ext uri="{BB962C8B-B14F-4D97-AF65-F5344CB8AC3E}">
-        <p14:creationId xmlns:p14="http://schemas.microsoft.com/office/powerpoint/2010/main" val="1047999158"/>
+        <p14:creationId xmlns:p14="http://schemas.microsoft.com/office/powerpoint/2010/main" val="1130824563"/>
       </p:ext>
     </p:extLst>
   </p:cSld>
@@ -6273,7 +6238,7 @@
 </file>
 
 <file path=ppt/slides/slide18.xml><?xml version="1.0" encoding="utf-8"?>
-<p:sld xmlns:a="http://schemas.openxmlformats.org/drawingml/2006/main" xmlns:r="http://schemas.openxmlformats.org/officeDocument/2006/relationships" xmlns:p="http://schemas.openxmlformats.org/presentationml/2006/main" show="0">
+<p:sld xmlns:a="http://schemas.openxmlformats.org/drawingml/2006/main" xmlns:r="http://schemas.openxmlformats.org/officeDocument/2006/relationships" xmlns:p="http://schemas.openxmlformats.org/presentationml/2006/main">
   <p:cSld>
     <p:spTree>
       <p:nvGrpSpPr>
@@ -6291,10 +6256,10 @@
       </p:grpSpPr>
       <p:sp>
         <p:nvSpPr>
-          <p:cNvPr id="2" name="Title 1">
+          <p:cNvPr id="4" name="Title 3">
             <a:extLst>
               <a:ext uri="{FF2B5EF4-FFF2-40B4-BE49-F238E27FC236}">
-                <a16:creationId xmlns:a16="http://schemas.microsoft.com/office/drawing/2014/main" id="{D59EB417-A1B2-4787-81FF-131409557CF8}"/>
+                <a16:creationId xmlns:a16="http://schemas.microsoft.com/office/drawing/2014/main" id="{526E2F76-E148-4A03-8403-C722C7973B45}"/>
               </a:ext>
             </a:extLst>
           </p:cNvPr>
@@ -6302,32 +6267,27 @@
             <a:spLocks noGrp="1"/>
           </p:cNvSpPr>
           <p:nvPr>
-            <p:ph type="title"/>
-          </p:nvPr>
-        </p:nvSpPr>
-        <p:spPr>
-          <a:xfrm>
-            <a:off x="970771" y="-507543"/>
-            <a:ext cx="9692640" cy="1325562"/>
-          </a:xfrm>
-        </p:spPr>
+            <p:ph type="ctrTitle"/>
+          </p:nvPr>
+        </p:nvSpPr>
+        <p:spPr/>
         <p:txBody>
           <a:bodyPr/>
           <a:lstStyle/>
           <a:p>
             <a:r>
-              <a:rPr lang="en-US"/>
-              <a:t>Installation Corrections</a:t>
-            </a:r>
-          </a:p>
-        </p:txBody>
-      </p:sp>
-      <p:sp>
-        <p:nvSpPr>
-          <p:cNvPr id="3" name="Content Placeholder 2">
+              <a:rPr lang="en-US" dirty="0"/>
+              <a:t>Review Week 1 Homework</a:t>
+            </a:r>
+          </a:p>
+        </p:txBody>
+      </p:sp>
+      <p:sp>
+        <p:nvSpPr>
+          <p:cNvPr id="5" name="Subtitle 4">
             <a:extLst>
               <a:ext uri="{FF2B5EF4-FFF2-40B4-BE49-F238E27FC236}">
-                <a16:creationId xmlns:a16="http://schemas.microsoft.com/office/drawing/2014/main" id="{1E614483-10C4-418F-A031-02C4467C14E7}"/>
+                <a16:creationId xmlns:a16="http://schemas.microsoft.com/office/drawing/2014/main" id="{7E60D122-A577-40B6-B740-B95C8557E016}"/>
               </a:ext>
             </a:extLst>
           </p:cNvPr>
@@ -6335,299 +6295,22 @@
             <a:spLocks noGrp="1"/>
           </p:cNvSpPr>
           <p:nvPr>
-            <p:ph idx="1"/>
-          </p:nvPr>
-        </p:nvSpPr>
-        <p:spPr>
-          <a:xfrm>
-            <a:off x="868029" y="1006867"/>
-            <a:ext cx="9913876" cy="5498617"/>
-          </a:xfrm>
-        </p:spPr>
-        <p:txBody>
-          <a:bodyPr vert="horz" lIns="91440" tIns="45720" rIns="91440" bIns="45720" rtlCol="0" anchor="t">
-            <a:normAutofit lnSpcReduction="10000"/>
-          </a:bodyPr>
+            <p:ph type="subTitle" idx="1"/>
+          </p:nvPr>
+        </p:nvSpPr>
+        <p:spPr/>
+        <p:txBody>
+          <a:bodyPr/>
           <a:lstStyle/>
           <a:p>
-            <a:r>
-              <a:rPr lang="en-US" dirty="0"/>
-              <a:t>Everyone together (please do this with the class): </a:t>
-            </a:r>
-          </a:p>
-          <a:p>
-            <a:pPr lvl="1">
-              <a:buFont typeface="Arial" pitchFamily="18" charset="2"/>
-              <a:buChar char="•"/>
-            </a:pPr>
-            <a:r>
-              <a:rPr lang="en-US" dirty="0"/>
-              <a:t>In a terminal: python --version </a:t>
-            </a:r>
-          </a:p>
-          <a:p>
-            <a:pPr lvl="2">
-              <a:buFont typeface="Arial" pitchFamily="18" charset="2"/>
-              <a:buChar char="•"/>
-            </a:pPr>
-            <a:r>
-              <a:rPr lang="en-US" dirty="0"/>
-              <a:t>If you do not have python 3.X as a version let us know</a:t>
-            </a:r>
-          </a:p>
-          <a:p>
-            <a:pPr lvl="1">
-              <a:buFont typeface="Arial" pitchFamily="18" charset="2"/>
-              <a:buChar char="•"/>
-            </a:pPr>
-            <a:r>
-              <a:rPr lang="en-US" dirty="0"/>
-              <a:t>In a terminal: pip </a:t>
-            </a:r>
-            <a:r>
-              <a:rPr lang="en-US" dirty="0">
-                <a:ea typeface="+mn-lt"/>
-                <a:cs typeface="+mn-lt"/>
-              </a:rPr>
-              <a:t>--version </a:t>
-            </a:r>
-          </a:p>
-          <a:p>
-            <a:pPr lvl="2">
-              <a:buFont typeface="Arial" pitchFamily="18" charset="2"/>
-              <a:buChar char="•"/>
-            </a:pPr>
-            <a:r>
-              <a:rPr lang="en-US" dirty="0"/>
-              <a:t>If you do not have pip3 let us know</a:t>
-            </a:r>
-          </a:p>
-          <a:p>
-            <a:pPr lvl="1">
-              <a:buFont typeface="Arial" pitchFamily="18" charset="2"/>
-              <a:buChar char="•"/>
-            </a:pPr>
-            <a:r>
-              <a:rPr lang="en-US" dirty="0"/>
-              <a:t>Aliasing (not everyone had to do this last week)</a:t>
-            </a:r>
-          </a:p>
-          <a:p>
-            <a:pPr lvl="2">
-              <a:buFont typeface="Arial" pitchFamily="18" charset="2"/>
-              <a:buChar char="•"/>
-            </a:pPr>
-            <a:r>
-              <a:rPr lang="en-US" dirty="0"/>
-              <a:t>When we did alias python='python3' it likely did not persist</a:t>
-            </a:r>
-          </a:p>
-          <a:p>
-            <a:pPr lvl="2">
-              <a:buFont typeface="Arial" pitchFamily="18" charset="2"/>
-              <a:buChar char="•"/>
-            </a:pPr>
-            <a:r>
-              <a:rPr lang="en-US" dirty="0"/>
-              <a:t>Why? Some commands are set for the session only. </a:t>
-            </a:r>
-          </a:p>
-          <a:p>
-            <a:pPr lvl="2">
-              <a:buFont typeface="Arial" pitchFamily="18" charset="2"/>
-              <a:buChar char="•"/>
-            </a:pPr>
-            <a:r>
-              <a:rPr lang="en-US" dirty="0"/>
-              <a:t>Set aliases in .</a:t>
-            </a:r>
-            <a:r>
-              <a:rPr lang="en-US" dirty="0" err="1"/>
-              <a:t>bashrc</a:t>
-            </a:r>
-            <a:r>
-              <a:rPr lang="en-US" dirty="0"/>
-              <a:t> or  other .</a:t>
-            </a:r>
-            <a:r>
-              <a:rPr lang="en-US" dirty="0" err="1"/>
-              <a:t>xxxrc</a:t>
-            </a:r>
-            <a:r>
-              <a:rPr lang="en-US" dirty="0"/>
-              <a:t> file. </a:t>
-            </a:r>
-          </a:p>
-          <a:p>
-            <a:pPr lvl="3">
-              <a:buFont typeface="Arial" pitchFamily="18" charset="2"/>
-              <a:buChar char="•"/>
-            </a:pPr>
-            <a:r>
-              <a:rPr lang="en-US" dirty="0"/>
-              <a:t>cd ~</a:t>
-            </a:r>
-          </a:p>
-          <a:p>
-            <a:pPr lvl="3">
-              <a:buFont typeface="Arial" pitchFamily="18" charset="2"/>
-              <a:buChar char="•"/>
-            </a:pPr>
-            <a:r>
-              <a:rPr lang="en-US" dirty="0"/>
-              <a:t>ls –la </a:t>
-            </a:r>
-          </a:p>
-          <a:p>
-            <a:pPr lvl="3">
-              <a:buFont typeface="Arial" pitchFamily="18" charset="2"/>
-              <a:buChar char="•"/>
-            </a:pPr>
-            <a:r>
-              <a:rPr lang="en-US" dirty="0"/>
-              <a:t>Find .</a:t>
-            </a:r>
-            <a:r>
-              <a:rPr lang="en-US" dirty="0" err="1"/>
-              <a:t>bashrc</a:t>
-            </a:r>
-            <a:r>
-              <a:rPr lang="en-US" dirty="0"/>
-              <a:t> or equivalent</a:t>
-            </a:r>
-          </a:p>
-          <a:p>
-            <a:pPr lvl="4">
-              <a:buFont typeface="Arial" pitchFamily="18" charset="2"/>
-              <a:buChar char="•"/>
-            </a:pPr>
-            <a:r>
-              <a:rPr lang="en-US" dirty="0"/>
-              <a:t>If it does not exist that's ok!</a:t>
-            </a:r>
-          </a:p>
-          <a:p>
-            <a:pPr lvl="4">
-              <a:buFont typeface="Arial" pitchFamily="18" charset="2"/>
-              <a:buChar char="•"/>
-            </a:pPr>
-            <a:r>
-              <a:rPr lang="en-US" dirty="0"/>
-              <a:t>touch .</a:t>
-            </a:r>
-            <a:r>
-              <a:rPr lang="en-US" dirty="0" err="1"/>
-              <a:t>bashrc</a:t>
-            </a:r>
-            <a:r>
-              <a:rPr lang="en-US" dirty="0"/>
-              <a:t> or equivalent</a:t>
-            </a:r>
-          </a:p>
-          <a:p>
-            <a:pPr lvl="3">
-              <a:buFont typeface="Arial" pitchFamily="18" charset="2"/>
-              <a:buChar char="•"/>
-            </a:pPr>
-            <a:r>
-              <a:rPr lang="en-US" dirty="0"/>
-              <a:t>vim .</a:t>
-            </a:r>
-            <a:r>
-              <a:rPr lang="en-US" dirty="0" err="1"/>
-              <a:t>bashrc</a:t>
-            </a:r>
-            <a:r>
-              <a:rPr lang="en-US" dirty="0"/>
-              <a:t> or equivalent</a:t>
-            </a:r>
-          </a:p>
-          <a:p>
-            <a:pPr lvl="3">
-              <a:buFont typeface="Arial" pitchFamily="18" charset="2"/>
-              <a:buChar char="•"/>
-            </a:pPr>
-            <a:r>
-              <a:rPr lang="en-US" dirty="0"/>
-              <a:t>Hit the '</a:t>
-            </a:r>
-            <a:r>
-              <a:rPr lang="en-US" dirty="0" err="1"/>
-              <a:t>i</a:t>
-            </a:r>
-            <a:r>
-              <a:rPr lang="en-US" dirty="0"/>
-              <a:t>' key to toggle to insert mode</a:t>
-            </a:r>
-          </a:p>
-          <a:p>
-            <a:pPr lvl="3">
-              <a:buFont typeface="Arial" pitchFamily="18" charset="2"/>
-              <a:buChar char="•"/>
-            </a:pPr>
-            <a:r>
-              <a:rPr lang="en-US" dirty="0"/>
-              <a:t>Type alias python='python3' and hit 'return'</a:t>
-            </a:r>
-          </a:p>
-          <a:p>
-            <a:pPr lvl="3">
-              <a:buFont typeface="Arial" pitchFamily="18" charset="2"/>
-              <a:buChar char="•"/>
-            </a:pPr>
-            <a:r>
-              <a:rPr lang="en-US" dirty="0"/>
-              <a:t>Type alias pip='pip3'</a:t>
-            </a:r>
-          </a:p>
-          <a:p>
-            <a:pPr lvl="3">
-              <a:buFont typeface="Arial" pitchFamily="18" charset="2"/>
-              <a:buChar char="•"/>
-            </a:pPr>
-            <a:r>
-              <a:rPr lang="en-US" dirty="0"/>
-              <a:t>Hit escape key followed by :</a:t>
-            </a:r>
-            <a:r>
-              <a:rPr lang="en-US" dirty="0" err="1"/>
-              <a:t>wq</a:t>
-            </a:r>
-            <a:r>
-              <a:rPr lang="en-US" dirty="0"/>
-              <a:t> and hit enter</a:t>
-            </a:r>
-          </a:p>
-          <a:p>
-            <a:pPr lvl="3">
-              <a:buFont typeface="Arial" pitchFamily="18" charset="2"/>
-              <a:buChar char="•"/>
-            </a:pPr>
-            <a:r>
-              <a:rPr lang="en-US" dirty="0"/>
-              <a:t>Close terminal and open new terminal</a:t>
-            </a:r>
-          </a:p>
-          <a:p>
-            <a:pPr lvl="3">
-              <a:buFont typeface="Arial" pitchFamily="18" charset="2"/>
-              <a:buChar char="•"/>
-            </a:pPr>
-            <a:r>
-              <a:rPr lang="en-US" dirty="0"/>
-              <a:t>See python and pip versions again and let us know if they are incorrect</a:t>
-            </a:r>
-          </a:p>
-          <a:p>
-            <a:pPr lvl="2"/>
-            <a:endParaRPr lang="en-US" dirty="0"/>
+            <a:endParaRPr lang="en-US"/>
           </a:p>
         </p:txBody>
       </p:sp>
     </p:spTree>
     <p:extLst>
       <p:ext uri="{BB962C8B-B14F-4D97-AF65-F5344CB8AC3E}">
-        <p14:creationId xmlns:p14="http://schemas.microsoft.com/office/powerpoint/2010/main" val="373214369"/>
+        <p14:creationId xmlns:p14="http://schemas.microsoft.com/office/powerpoint/2010/main" val="244332754"/>
       </p:ext>
     </p:extLst>
   </p:cSld>
@@ -6659,7 +6342,7 @@
           <p:cNvPr id="2" name="Title 1">
             <a:extLst>
               <a:ext uri="{FF2B5EF4-FFF2-40B4-BE49-F238E27FC236}">
-                <a16:creationId xmlns:a16="http://schemas.microsoft.com/office/drawing/2014/main" id="{B1EDD2EB-930B-4D1A-AEEE-78EEBB799ADB}"/>
+                <a16:creationId xmlns:a16="http://schemas.microsoft.com/office/drawing/2014/main" id="{D59EB417-A1B2-4787-81FF-131409557CF8}"/>
               </a:ext>
             </a:extLst>
           </p:cNvPr>
@@ -6672,19 +6355,17 @@
         </p:nvSpPr>
         <p:spPr>
           <a:xfrm>
-            <a:off x="140276" y="74659"/>
-            <a:ext cx="9692640" cy="683428"/>
+            <a:off x="970771" y="-507543"/>
+            <a:ext cx="9692640" cy="1325562"/>
           </a:xfrm>
         </p:spPr>
         <p:txBody>
-          <a:bodyPr>
-            <a:normAutofit fontScale="90000"/>
-          </a:bodyPr>
+          <a:bodyPr/>
           <a:lstStyle/>
           <a:p>
             <a:r>
               <a:rPr lang="en-US"/>
-              <a:t>Installation Corrections </a:t>
+              <a:t>Installation Corrections</a:t>
             </a:r>
           </a:p>
         </p:txBody>
@@ -6694,7 +6375,7 @@
           <p:cNvPr id="3" name="Content Placeholder 2">
             <a:extLst>
               <a:ext uri="{FF2B5EF4-FFF2-40B4-BE49-F238E27FC236}">
-                <a16:creationId xmlns:a16="http://schemas.microsoft.com/office/drawing/2014/main" id="{BA874226-B518-44A7-B142-BA0EFCF75816}"/>
+                <a16:creationId xmlns:a16="http://schemas.microsoft.com/office/drawing/2014/main" id="{1E614483-10C4-418F-A031-02C4467C14E7}"/>
               </a:ext>
             </a:extLst>
           </p:cNvPr>
@@ -6707,33 +6388,19 @@
         </p:nvSpPr>
         <p:spPr>
           <a:xfrm>
-            <a:off x="431378" y="981182"/>
-            <a:ext cx="8595360" cy="4351337"/>
+            <a:off x="868029" y="1006867"/>
+            <a:ext cx="9913876" cy="5498617"/>
           </a:xfrm>
         </p:spPr>
         <p:txBody>
           <a:bodyPr vert="horz" lIns="91440" tIns="45720" rIns="91440" bIns="45720" rtlCol="0" anchor="t">
-            <a:normAutofit fontScale="92500" lnSpcReduction="20000"/>
+            <a:normAutofit lnSpcReduction="10000"/>
           </a:bodyPr>
           <a:lstStyle/>
           <a:p>
             <a:r>
-              <a:rPr lang="en-US"/>
-              <a:t>Now that everyone has the correct python/pip we can correct some installs</a:t>
-            </a:r>
-          </a:p>
-          <a:p>
-            <a:r>
-              <a:rPr lang="en-US"/>
-              <a:t>Last week 'pip install </a:t>
-            </a:r>
-            <a:r>
-              <a:rPr lang="en-US" err="1"/>
-              <a:t>jupyter</a:t>
-            </a:r>
-            <a:r>
-              <a:rPr lang="en-US"/>
-              <a:t> lab'</a:t>
+              <a:rPr lang="en-US" dirty="0"/>
+              <a:t>Everyone together (please do this with the class): </a:t>
             </a:r>
           </a:p>
           <a:p>
@@ -6742,82 +6409,18 @@
               <a:buChar char="•"/>
             </a:pPr>
             <a:r>
-              <a:rPr lang="en-US"/>
-              <a:t>Same as  pip install package1 package2 package3</a:t>
-            </a:r>
-          </a:p>
-          <a:p>
-            <a:r>
-              <a:rPr lang="en-US"/>
-              <a:t>pip uninstall lab</a:t>
-            </a:r>
-          </a:p>
-          <a:p>
-            <a:r>
-              <a:rPr lang="en-US"/>
-              <a:t>pip uninstall </a:t>
-            </a:r>
-            <a:r>
-              <a:rPr lang="en-US" err="1"/>
-              <a:t>jupyter</a:t>
-            </a:r>
-            <a:endParaRPr lang="en-US"/>
-          </a:p>
-          <a:p>
-            <a:r>
-              <a:rPr lang="en-US"/>
-              <a:t>pip uninstall (anything else </a:t>
-            </a:r>
-            <a:r>
-              <a:rPr lang="en-US" err="1"/>
-              <a:t>jupyter</a:t>
-            </a:r>
-            <a:r>
-              <a:rPr lang="en-US"/>
-              <a:t> related you might have tried) (</a:t>
-            </a:r>
-            <a:r>
-              <a:rPr lang="en-US" err="1"/>
-              <a:t>jupyter</a:t>
-            </a:r>
-            <a:r>
-              <a:rPr lang="en-US"/>
-              <a:t>-lab)</a:t>
-            </a:r>
-          </a:p>
-          <a:p>
-            <a:r>
-              <a:rPr lang="en-US"/>
-              <a:t>pip install </a:t>
-            </a:r>
-            <a:r>
-              <a:rPr lang="en-US" err="1"/>
-              <a:t>jupyterlab</a:t>
-            </a:r>
-            <a:endParaRPr lang="en-US"/>
-          </a:p>
-          <a:p>
-            <a:r>
-              <a:rPr lang="en-US"/>
-              <a:t>Pip install notebook (this is the classic </a:t>
-            </a:r>
-            <a:r>
-              <a:rPr lang="en-US" err="1"/>
-              <a:t>jupyter</a:t>
-            </a:r>
-            <a:r>
-              <a:rPr lang="en-US"/>
-              <a:t>)</a:t>
-            </a:r>
-          </a:p>
-          <a:p>
-            <a:r>
-              <a:rPr lang="en-US" err="1"/>
-              <a:t>jupyter</a:t>
-            </a:r>
-            <a:r>
-              <a:rPr lang="en-US"/>
-              <a:t> lab</a:t>
+              <a:rPr lang="en-US" dirty="0"/>
+              <a:t>In a terminal: python --version </a:t>
+            </a:r>
+          </a:p>
+          <a:p>
+            <a:pPr lvl="2">
+              <a:buFont typeface="Arial" pitchFamily="18" charset="2"/>
+              <a:buChar char="•"/>
+            </a:pPr>
+            <a:r>
+              <a:rPr lang="en-US" dirty="0"/>
+              <a:t>If you do not have python 3.X as a version let us know</a:t>
             </a:r>
           </a:p>
           <a:p>
@@ -6826,37 +6429,253 @@
               <a:buChar char="•"/>
             </a:pPr>
             <a:r>
-              <a:rPr lang="en-US" spc="10"/>
-              <a:t>Close terminal</a:t>
-            </a:r>
-            <a:endParaRPr lang="en-US"/>
-          </a:p>
-          <a:p>
-            <a:pPr>
+              <a:rPr lang="en-US" dirty="0"/>
+              <a:t>In a terminal: pip </a:t>
+            </a:r>
+            <a:r>
+              <a:rPr lang="en-US" dirty="0">
+                <a:ea typeface="+mn-lt"/>
+                <a:cs typeface="+mn-lt"/>
+              </a:rPr>
+              <a:t>--version </a:t>
+            </a:r>
+          </a:p>
+          <a:p>
+            <a:pPr lvl="2">
               <a:buFont typeface="Arial" pitchFamily="18" charset="2"/>
               <a:buChar char="•"/>
             </a:pPr>
             <a:r>
-              <a:rPr lang="en-US" spc="0" err="1"/>
-              <a:t>jupyter</a:t>
-            </a:r>
-            <a:r>
-              <a:rPr lang="en-US" spc="0"/>
-              <a:t> notebook</a:t>
-            </a:r>
-          </a:p>
-          <a:p>
-            <a:r>
-              <a:rPr lang="en-US"/>
-              <a:t>Any issues let us know!</a:t>
-            </a:r>
+              <a:rPr lang="en-US" dirty="0"/>
+              <a:t>If you do not have pip3 let us know</a:t>
+            </a:r>
+          </a:p>
+          <a:p>
+            <a:pPr lvl="1">
+              <a:buFont typeface="Arial" pitchFamily="18" charset="2"/>
+              <a:buChar char="•"/>
+            </a:pPr>
+            <a:r>
+              <a:rPr lang="en-US" dirty="0"/>
+              <a:t>Aliasing (not everyone had to do this last week)</a:t>
+            </a:r>
+          </a:p>
+          <a:p>
+            <a:pPr lvl="2">
+              <a:buFont typeface="Arial" pitchFamily="18" charset="2"/>
+              <a:buChar char="•"/>
+            </a:pPr>
+            <a:r>
+              <a:rPr lang="en-US" dirty="0"/>
+              <a:t>When we did alias python='python3' it likely did not persist</a:t>
+            </a:r>
+          </a:p>
+          <a:p>
+            <a:pPr lvl="2">
+              <a:buFont typeface="Arial" pitchFamily="18" charset="2"/>
+              <a:buChar char="•"/>
+            </a:pPr>
+            <a:r>
+              <a:rPr lang="en-US" dirty="0"/>
+              <a:t>Why? Some commands are set for the session only. </a:t>
+            </a:r>
+          </a:p>
+          <a:p>
+            <a:pPr lvl="2">
+              <a:buFont typeface="Arial" pitchFamily="18" charset="2"/>
+              <a:buChar char="•"/>
+            </a:pPr>
+            <a:r>
+              <a:rPr lang="en-US" dirty="0"/>
+              <a:t>Set aliases in .</a:t>
+            </a:r>
+            <a:r>
+              <a:rPr lang="en-US" dirty="0" err="1"/>
+              <a:t>bashrc</a:t>
+            </a:r>
+            <a:r>
+              <a:rPr lang="en-US" dirty="0"/>
+              <a:t> or  other .</a:t>
+            </a:r>
+            <a:r>
+              <a:rPr lang="en-US" dirty="0" err="1"/>
+              <a:t>xxxrc</a:t>
+            </a:r>
+            <a:r>
+              <a:rPr lang="en-US" dirty="0"/>
+              <a:t> file. </a:t>
+            </a:r>
+          </a:p>
+          <a:p>
+            <a:pPr lvl="3">
+              <a:buFont typeface="Arial" pitchFamily="18" charset="2"/>
+              <a:buChar char="•"/>
+            </a:pPr>
+            <a:r>
+              <a:rPr lang="en-US" dirty="0"/>
+              <a:t>cd ~</a:t>
+            </a:r>
+          </a:p>
+          <a:p>
+            <a:pPr lvl="3">
+              <a:buFont typeface="Arial" pitchFamily="18" charset="2"/>
+              <a:buChar char="•"/>
+            </a:pPr>
+            <a:r>
+              <a:rPr lang="en-US" dirty="0"/>
+              <a:t>ls –la </a:t>
+            </a:r>
+          </a:p>
+          <a:p>
+            <a:pPr lvl="3">
+              <a:buFont typeface="Arial" pitchFamily="18" charset="2"/>
+              <a:buChar char="•"/>
+            </a:pPr>
+            <a:r>
+              <a:rPr lang="en-US" dirty="0"/>
+              <a:t>Find .</a:t>
+            </a:r>
+            <a:r>
+              <a:rPr lang="en-US" dirty="0" err="1"/>
+              <a:t>bashrc</a:t>
+            </a:r>
+            <a:r>
+              <a:rPr lang="en-US" dirty="0"/>
+              <a:t> or equivalent</a:t>
+            </a:r>
+          </a:p>
+          <a:p>
+            <a:pPr lvl="4">
+              <a:buFont typeface="Arial" pitchFamily="18" charset="2"/>
+              <a:buChar char="•"/>
+            </a:pPr>
+            <a:r>
+              <a:rPr lang="en-US" dirty="0"/>
+              <a:t>If it does not exist that's ok!</a:t>
+            </a:r>
+          </a:p>
+          <a:p>
+            <a:pPr lvl="4">
+              <a:buFont typeface="Arial" pitchFamily="18" charset="2"/>
+              <a:buChar char="•"/>
+            </a:pPr>
+            <a:r>
+              <a:rPr lang="en-US" dirty="0"/>
+              <a:t>touch .</a:t>
+            </a:r>
+            <a:r>
+              <a:rPr lang="en-US" dirty="0" err="1"/>
+              <a:t>bashrc</a:t>
+            </a:r>
+            <a:r>
+              <a:rPr lang="en-US" dirty="0"/>
+              <a:t> or equivalent</a:t>
+            </a:r>
+          </a:p>
+          <a:p>
+            <a:pPr lvl="3">
+              <a:buFont typeface="Arial" pitchFamily="18" charset="2"/>
+              <a:buChar char="•"/>
+            </a:pPr>
+            <a:r>
+              <a:rPr lang="en-US" dirty="0"/>
+              <a:t>vim .</a:t>
+            </a:r>
+            <a:r>
+              <a:rPr lang="en-US" dirty="0" err="1"/>
+              <a:t>bashrc</a:t>
+            </a:r>
+            <a:r>
+              <a:rPr lang="en-US" dirty="0"/>
+              <a:t> or equivalent</a:t>
+            </a:r>
+          </a:p>
+          <a:p>
+            <a:pPr lvl="3">
+              <a:buFont typeface="Arial" pitchFamily="18" charset="2"/>
+              <a:buChar char="•"/>
+            </a:pPr>
+            <a:r>
+              <a:rPr lang="en-US" dirty="0"/>
+              <a:t>Hit the '</a:t>
+            </a:r>
+            <a:r>
+              <a:rPr lang="en-US" dirty="0" err="1"/>
+              <a:t>i</a:t>
+            </a:r>
+            <a:r>
+              <a:rPr lang="en-US" dirty="0"/>
+              <a:t>' key to toggle to insert mode</a:t>
+            </a:r>
+          </a:p>
+          <a:p>
+            <a:pPr lvl="3">
+              <a:buFont typeface="Arial" pitchFamily="18" charset="2"/>
+              <a:buChar char="•"/>
+            </a:pPr>
+            <a:r>
+              <a:rPr lang="en-US" dirty="0"/>
+              <a:t>Type alias python='python3' and hit 'return'</a:t>
+            </a:r>
+          </a:p>
+          <a:p>
+            <a:pPr lvl="3">
+              <a:buFont typeface="Arial" pitchFamily="18" charset="2"/>
+              <a:buChar char="•"/>
+            </a:pPr>
+            <a:r>
+              <a:rPr lang="en-US" dirty="0"/>
+              <a:t>Type alias pip='pip3'</a:t>
+            </a:r>
+          </a:p>
+          <a:p>
+            <a:pPr lvl="3">
+              <a:buFont typeface="Arial" pitchFamily="18" charset="2"/>
+              <a:buChar char="•"/>
+            </a:pPr>
+            <a:r>
+              <a:rPr lang="en-US" dirty="0"/>
+              <a:t>Hit escape key followed by :</a:t>
+            </a:r>
+            <a:r>
+              <a:rPr lang="en-US" dirty="0" err="1"/>
+              <a:t>wq</a:t>
+            </a:r>
+            <a:r>
+              <a:rPr lang="en-US" dirty="0"/>
+              <a:t> and hit enter</a:t>
+            </a:r>
+          </a:p>
+          <a:p>
+            <a:pPr lvl="3">
+              <a:buFont typeface="Arial" pitchFamily="18" charset="2"/>
+              <a:buChar char="•"/>
+            </a:pPr>
+            <a:r>
+              <a:rPr lang="en-US" dirty="0"/>
+              <a:t>Close terminal and open new terminal</a:t>
+            </a:r>
+          </a:p>
+          <a:p>
+            <a:pPr lvl="3">
+              <a:buFont typeface="Arial" pitchFamily="18" charset="2"/>
+              <a:buChar char="•"/>
+            </a:pPr>
+            <a:r>
+              <a:rPr lang="en-US" dirty="0"/>
+              <a:t>See python and pip versions again and let us know if they are incorrect</a:t>
+            </a:r>
+          </a:p>
+          <a:p>
+            <a:pPr lvl="2"/>
+            <a:endParaRPr lang="en-US" dirty="0"/>
           </a:p>
         </p:txBody>
       </p:sp>
     </p:spTree>
     <p:extLst>
       <p:ext uri="{BB962C8B-B14F-4D97-AF65-F5344CB8AC3E}">
-        <p14:creationId xmlns:p14="http://schemas.microsoft.com/office/powerpoint/2010/main" val="3039479220"/>
+        <p14:creationId xmlns:p14="http://schemas.microsoft.com/office/powerpoint/2010/main" val="373214369"/>
       </p:ext>
     </p:extLst>
   </p:cSld>
@@ -7016,7 +6835,7 @@
 </file>
 
 <file path=ppt/slides/slide20.xml><?xml version="1.0" encoding="utf-8"?>
-<p:sld xmlns:a="http://schemas.openxmlformats.org/drawingml/2006/main" xmlns:r="http://schemas.openxmlformats.org/officeDocument/2006/relationships" xmlns:p="http://schemas.openxmlformats.org/presentationml/2006/main">
+<p:sld xmlns:a="http://schemas.openxmlformats.org/drawingml/2006/main" xmlns:r="http://schemas.openxmlformats.org/officeDocument/2006/relationships" xmlns:p="http://schemas.openxmlformats.org/presentationml/2006/main" show="0">
   <p:cSld>
     <p:spTree>
       <p:nvGrpSpPr>
@@ -7034,10 +6853,10 @@
       </p:grpSpPr>
       <p:sp>
         <p:nvSpPr>
-          <p:cNvPr id="4" name="Title 3">
+          <p:cNvPr id="2" name="Title 1">
             <a:extLst>
               <a:ext uri="{FF2B5EF4-FFF2-40B4-BE49-F238E27FC236}">
-                <a16:creationId xmlns:a16="http://schemas.microsoft.com/office/drawing/2014/main" id="{526E2F76-E148-4A03-8403-C722C7973B45}"/>
+                <a16:creationId xmlns:a16="http://schemas.microsoft.com/office/drawing/2014/main" id="{B1EDD2EB-930B-4D1A-AEEE-78EEBB799ADB}"/>
               </a:ext>
             </a:extLst>
           </p:cNvPr>
@@ -7045,27 +6864,34 @@
             <a:spLocks noGrp="1"/>
           </p:cNvSpPr>
           <p:nvPr>
-            <p:ph type="ctrTitle"/>
-          </p:nvPr>
-        </p:nvSpPr>
-        <p:spPr/>
-        <p:txBody>
-          <a:bodyPr/>
+            <p:ph type="title"/>
+          </p:nvPr>
+        </p:nvSpPr>
+        <p:spPr>
+          <a:xfrm>
+            <a:off x="140276" y="74659"/>
+            <a:ext cx="9692640" cy="683428"/>
+          </a:xfrm>
+        </p:spPr>
+        <p:txBody>
+          <a:bodyPr>
+            <a:normAutofit fontScale="90000"/>
+          </a:bodyPr>
           <a:lstStyle/>
           <a:p>
             <a:r>
-              <a:rPr lang="en-US" dirty="0"/>
-              <a:t>Review Week 1 Homework</a:t>
-            </a:r>
-          </a:p>
-        </p:txBody>
-      </p:sp>
-      <p:sp>
-        <p:nvSpPr>
-          <p:cNvPr id="5" name="Subtitle 4">
+              <a:rPr lang="en-US"/>
+              <a:t>Installation Corrections </a:t>
+            </a:r>
+          </a:p>
+        </p:txBody>
+      </p:sp>
+      <p:sp>
+        <p:nvSpPr>
+          <p:cNvPr id="3" name="Content Placeholder 2">
             <a:extLst>
               <a:ext uri="{FF2B5EF4-FFF2-40B4-BE49-F238E27FC236}">
-                <a16:creationId xmlns:a16="http://schemas.microsoft.com/office/drawing/2014/main" id="{7E60D122-A577-40B6-B740-B95C8557E016}"/>
+                <a16:creationId xmlns:a16="http://schemas.microsoft.com/office/drawing/2014/main" id="{BA874226-B518-44A7-B142-BA0EFCF75816}"/>
               </a:ext>
             </a:extLst>
           </p:cNvPr>
@@ -7073,22 +6899,161 @@
             <a:spLocks noGrp="1"/>
           </p:cNvSpPr>
           <p:nvPr>
-            <p:ph type="subTitle" idx="1"/>
-          </p:nvPr>
-        </p:nvSpPr>
-        <p:spPr/>
-        <p:txBody>
-          <a:bodyPr/>
+            <p:ph idx="1"/>
+          </p:nvPr>
+        </p:nvSpPr>
+        <p:spPr>
+          <a:xfrm>
+            <a:off x="431378" y="981182"/>
+            <a:ext cx="8595360" cy="4351337"/>
+          </a:xfrm>
+        </p:spPr>
+        <p:txBody>
+          <a:bodyPr vert="horz" lIns="91440" tIns="45720" rIns="91440" bIns="45720" rtlCol="0" anchor="t">
+            <a:normAutofit fontScale="92500" lnSpcReduction="20000"/>
+          </a:bodyPr>
           <a:lstStyle/>
           <a:p>
+            <a:r>
+              <a:rPr lang="en-US"/>
+              <a:t>Now that everyone has the correct python/pip we can correct some installs</a:t>
+            </a:r>
+          </a:p>
+          <a:p>
+            <a:r>
+              <a:rPr lang="en-US"/>
+              <a:t>Last week 'pip install </a:t>
+            </a:r>
+            <a:r>
+              <a:rPr lang="en-US" err="1"/>
+              <a:t>jupyter</a:t>
+            </a:r>
+            <a:r>
+              <a:rPr lang="en-US"/>
+              <a:t> lab'</a:t>
+            </a:r>
+          </a:p>
+          <a:p>
+            <a:pPr lvl="1">
+              <a:buFont typeface="Arial" pitchFamily="18" charset="2"/>
+              <a:buChar char="•"/>
+            </a:pPr>
+            <a:r>
+              <a:rPr lang="en-US"/>
+              <a:t>Same as  pip install package1 package2 package3</a:t>
+            </a:r>
+          </a:p>
+          <a:p>
+            <a:r>
+              <a:rPr lang="en-US"/>
+              <a:t>pip uninstall lab</a:t>
+            </a:r>
+          </a:p>
+          <a:p>
+            <a:r>
+              <a:rPr lang="en-US"/>
+              <a:t>pip uninstall </a:t>
+            </a:r>
+            <a:r>
+              <a:rPr lang="en-US" err="1"/>
+              <a:t>jupyter</a:t>
+            </a:r>
             <a:endParaRPr lang="en-US"/>
+          </a:p>
+          <a:p>
+            <a:r>
+              <a:rPr lang="en-US"/>
+              <a:t>pip uninstall (anything else </a:t>
+            </a:r>
+            <a:r>
+              <a:rPr lang="en-US" err="1"/>
+              <a:t>jupyter</a:t>
+            </a:r>
+            <a:r>
+              <a:rPr lang="en-US"/>
+              <a:t> related you might have tried) (</a:t>
+            </a:r>
+            <a:r>
+              <a:rPr lang="en-US" err="1"/>
+              <a:t>jupyter</a:t>
+            </a:r>
+            <a:r>
+              <a:rPr lang="en-US"/>
+              <a:t>-lab)</a:t>
+            </a:r>
+          </a:p>
+          <a:p>
+            <a:r>
+              <a:rPr lang="en-US"/>
+              <a:t>pip install </a:t>
+            </a:r>
+            <a:r>
+              <a:rPr lang="en-US" err="1"/>
+              <a:t>jupyterlab</a:t>
+            </a:r>
+            <a:endParaRPr lang="en-US"/>
+          </a:p>
+          <a:p>
+            <a:r>
+              <a:rPr lang="en-US"/>
+              <a:t>Pip install notebook (this is the classic </a:t>
+            </a:r>
+            <a:r>
+              <a:rPr lang="en-US" err="1"/>
+              <a:t>jupyter</a:t>
+            </a:r>
+            <a:r>
+              <a:rPr lang="en-US"/>
+              <a:t>)</a:t>
+            </a:r>
+          </a:p>
+          <a:p>
+            <a:r>
+              <a:rPr lang="en-US" err="1"/>
+              <a:t>jupyter</a:t>
+            </a:r>
+            <a:r>
+              <a:rPr lang="en-US"/>
+              <a:t> lab</a:t>
+            </a:r>
+          </a:p>
+          <a:p>
+            <a:pPr lvl="1">
+              <a:buFont typeface="Arial" pitchFamily="18" charset="2"/>
+              <a:buChar char="•"/>
+            </a:pPr>
+            <a:r>
+              <a:rPr lang="en-US" spc="10"/>
+              <a:t>Close terminal</a:t>
+            </a:r>
+            <a:endParaRPr lang="en-US"/>
+          </a:p>
+          <a:p>
+            <a:pPr>
+              <a:buFont typeface="Arial" pitchFamily="18" charset="2"/>
+              <a:buChar char="•"/>
+            </a:pPr>
+            <a:r>
+              <a:rPr lang="en-US" spc="0" err="1"/>
+              <a:t>jupyter</a:t>
+            </a:r>
+            <a:r>
+              <a:rPr lang="en-US" spc="0"/>
+              <a:t> notebook</a:t>
+            </a:r>
+          </a:p>
+          <a:p>
+            <a:r>
+              <a:rPr lang="en-US"/>
+              <a:t>Any issues let us know!</a:t>
+            </a:r>
           </a:p>
         </p:txBody>
       </p:sp>
     </p:spTree>
     <p:extLst>
       <p:ext uri="{BB962C8B-B14F-4D97-AF65-F5344CB8AC3E}">
-        <p14:creationId xmlns:p14="http://schemas.microsoft.com/office/powerpoint/2010/main" val="244332754"/>
+        <p14:creationId xmlns:p14="http://schemas.microsoft.com/office/powerpoint/2010/main" val="3039479220"/>
       </p:ext>
     </p:extLst>
   </p:cSld>
@@ -7391,15 +7356,7 @@
           <a:p>
             <a:r>
               <a:rPr lang="en-US" dirty="0"/>
-              <a:t>Warm-up </a:t>
-            </a:r>
-            <a:r>
-              <a:rPr lang="en-US"/>
-              <a:t>(15 </a:t>
-            </a:r>
-            <a:r>
-              <a:rPr lang="en-US" dirty="0"/>
-              <a:t>minutes)</a:t>
+              <a:t>Warm-up (15 minutes)</a:t>
             </a:r>
           </a:p>
           <a:p>
@@ -7430,8 +7387,18 @@
           </a:p>
           <a:p>
             <a:r>
-              <a:rPr lang="en-US" dirty="0"/>
-              <a:t>Data types and flow control (30 minutes)</a:t>
+              <a:rPr lang="en-US" dirty="0" err="1"/>
+              <a:t>gitignore</a:t>
+            </a:r>
+            <a:r>
+              <a:rPr lang="en-US" dirty="0"/>
+              <a:t> files (10 mins)</a:t>
+            </a:r>
+          </a:p>
+          <a:p>
+            <a:r>
+              <a:rPr lang="en-US" dirty="0"/>
+              <a:t>Data types and flow control (20 minutes)</a:t>
             </a:r>
           </a:p>
           <a:p>
@@ -7791,17 +7758,6 @@
             </a:r>
           </a:p>
           <a:p>
-            <a:pPr lvl="1">
-              <a:buFont typeface="Arial" pitchFamily="18" charset="2"/>
-              <a:buChar char="•"/>
-            </a:pPr>
-            <a:r>
-              <a:rPr lang="en-US" dirty="0"/>
-              <a:t>They start this week!</a:t>
-            </a:r>
-            <a:endParaRPr lang="en-US" spc="0" dirty="0"/>
-          </a:p>
-          <a:p>
             <a:pPr>
               <a:buFont typeface="Arial" pitchFamily="18" charset="2"/>
             </a:pPr>
@@ -7898,7 +7854,7 @@
           <a:p>
             <a:r>
               <a:rPr lang="en-US" dirty="0"/>
-              <a:t>You should be spending about 10 hours on your homework and readings and </a:t>
+              <a:t>You should be spending about 15 hours on your homework and readings and </a:t>
             </a:r>
             <a:r>
               <a:rPr lang="en-US" dirty="0" err="1"/>
@@ -7953,7 +7909,7 @@
           <a:p>
             <a:r>
               <a:rPr lang="en-US" dirty="0"/>
-              <a:t>We care about you and your learning, but we are also busy. This is NOT our fulltime job</a:t>
+              <a:t>We care about you and your learning, but we are also busy. This is NOT our full-time job</a:t>
             </a:r>
           </a:p>
           <a:p>
@@ -7966,13 +7922,8 @@
             <a:pPr lvl="1"/>
             <a:r>
               <a:rPr lang="en-US" dirty="0"/>
-              <a:t>Even if you struggle on some early assignments, you have the capacity to improve and become an </a:t>
-            </a:r>
-            <a:r>
-              <a:rPr lang="en-US"/>
-              <a:t>amazing programmer</a:t>
-            </a:r>
-            <a:endParaRPr lang="en-US" dirty="0"/>
+              <a:t>Even if you struggle on some early assignments, you have the capacity to improve and become an amazing programmer</a:t>
+            </a:r>
           </a:p>
         </p:txBody>
       </p:sp>

--- a/course_material/week_02/week_02_presentation.pptx
+++ b/course_material/week_02/week_02_presentation.pptx
@@ -1508,7 +1508,7 @@
           <a:p>
             <a:fld id="{84B723E6-6E3C-467B-A65A-C60C6BFA5392}" type="datetimeFigureOut">
               <a:rPr lang="en-US" smtClean="0"/>
-              <a:t>9/18/2021</a:t>
+              <a:t>9/21/2021</a:t>
             </a:fld>
             <a:endParaRPr lang="en-US"/>
           </a:p>
@@ -2161,7 +2161,7 @@
           <a:p>
             <a:fld id="{ACF1A1B0-862D-4909-A7DB-D8ADA062DFCA}" type="datetimeFigureOut">
               <a:rPr lang="en-US" dirty="0"/>
-              <a:t>9/18/2021</a:t>
+              <a:t>9/21/2021</a:t>
             </a:fld>
             <a:endParaRPr lang="en-US"/>
           </a:p>
@@ -2384,7 +2384,7 @@
           <a:p>
             <a:fld id="{7B156144-9CB7-4E3A-B87E-A382F9BE05EF}" type="datetimeFigureOut">
               <a:rPr lang="en-US" dirty="0"/>
-              <a:t>9/18/2021</a:t>
+              <a:t>9/21/2021</a:t>
             </a:fld>
             <a:endParaRPr lang="en-US"/>
           </a:p>
@@ -2562,7 +2562,7 @@
           <a:p>
             <a:fld id="{2643D55F-46AB-4791-9172-4FA8DD3A6A9C}" type="datetimeFigureOut">
               <a:rPr lang="en-US" dirty="0"/>
-              <a:t>9/18/2021</a:t>
+              <a:t>9/21/2021</a:t>
             </a:fld>
             <a:endParaRPr lang="en-US"/>
           </a:p>
@@ -2730,7 +2730,7 @@
           <a:p>
             <a:fld id="{58026881-8A08-449C-8D73-E5F201F814C1}" type="datetimeFigureOut">
               <a:rPr lang="en-US" dirty="0"/>
-              <a:t>9/18/2021</a:t>
+              <a:t>9/21/2021</a:t>
             </a:fld>
             <a:endParaRPr lang="en-US"/>
           </a:p>
@@ -3020,7 +3020,7 @@
           <a:p>
             <a:fld id="{1BEB5A5E-0C07-4E93-A112-D37B4D166B30}" type="datetimeFigureOut">
               <a:rPr lang="en-US" dirty="0"/>
-              <a:t>9/18/2021</a:t>
+              <a:t>9/21/2021</a:t>
             </a:fld>
             <a:endParaRPr lang="en-US"/>
           </a:p>
@@ -3343,7 +3343,7 @@
           <a:p>
             <a:fld id="{9E1F71C5-DC57-4358-A1EA-30C08AF6E3C5}" type="datetimeFigureOut">
               <a:rPr lang="en-US" dirty="0"/>
-              <a:t>9/18/2021</a:t>
+              <a:t>9/21/2021</a:t>
             </a:fld>
             <a:endParaRPr lang="en-US"/>
           </a:p>
@@ -3752,7 +3752,7 @@
           <a:p>
             <a:fld id="{12571DBA-DE60-4731-B773-47AAA185C143}" type="datetimeFigureOut">
               <a:rPr lang="en-US" dirty="0"/>
-              <a:t>9/18/2021</a:t>
+              <a:t>9/21/2021</a:t>
             </a:fld>
             <a:endParaRPr lang="en-US"/>
           </a:p>
@@ -3869,7 +3869,7 @@
           <a:p>
             <a:fld id="{4F170639-886C-4FCF-9EAB-ABB5DA3F3F4A}" type="datetimeFigureOut">
               <a:rPr lang="en-US" dirty="0"/>
-              <a:t>9/18/2021</a:t>
+              <a:t>9/21/2021</a:t>
             </a:fld>
             <a:endParaRPr lang="en-US"/>
           </a:p>
@@ -3964,7 +3964,7 @@
           <a:p>
             <a:fld id="{34C4A628-C83B-4C66-83F4-1711CE3738FD}" type="datetimeFigureOut">
               <a:rPr lang="en-US" dirty="0"/>
-              <a:t>9/18/2021</a:t>
+              <a:t>9/21/2021</a:t>
             </a:fld>
             <a:endParaRPr lang="en-US"/>
           </a:p>
@@ -4249,7 +4249,7 @@
           <a:p>
             <a:fld id="{B88C1D73-9400-43CA-A37F-F9B7D00DE14C}" type="datetimeFigureOut">
               <a:rPr lang="en-US" dirty="0"/>
-              <a:t>9/18/2021</a:t>
+              <a:t>9/21/2021</a:t>
             </a:fld>
             <a:endParaRPr lang="en-US"/>
           </a:p>
@@ -4521,7 +4521,7 @@
           <a:p>
             <a:fld id="{188B7711-B905-4633-B4D7-6F3A49A2E7D9}" type="datetimeFigureOut">
               <a:rPr lang="en-US" dirty="0"/>
-              <a:t>9/18/2021</a:t>
+              <a:t>9/21/2021</a:t>
             </a:fld>
             <a:endParaRPr lang="en-US"/>
           </a:p>
@@ -4771,7 +4771,7 @@
             <a:fld id="{89C235CF-BDA2-4E7E-8BBD-350479985E74}" type="datetimeFigureOut">
               <a:rPr lang="en-US" dirty="0"/>
               <a:pPr/>
-              <a:t>9/18/2021</a:t>
+              <a:t>9/21/2021</a:t>
             </a:fld>
             <a:endParaRPr lang="en-US"/>
           </a:p>
@@ -5532,7 +5532,7 @@
           <a:p>
             <a:r>
               <a:rPr lang="en-US" dirty="0"/>
-              <a:t>Copy your homework2.ipynb file into homework_02 repo. </a:t>
+              <a:t>Copy your homework2.ipynb file into homework_02 repo (or homework repo) </a:t>
             </a:r>
           </a:p>
           <a:p>
@@ -7848,7 +7848,7 @@
         <p:spPr/>
         <p:txBody>
           <a:bodyPr>
-            <a:normAutofit fontScale="92500" lnSpcReduction="10000"/>
+            <a:normAutofit lnSpcReduction="10000"/>
           </a:bodyPr>
           <a:lstStyle/>
           <a:p>
@@ -7869,27 +7869,13 @@
             <a:pPr lvl="1"/>
             <a:r>
               <a:rPr lang="en-US" dirty="0"/>
-              <a:t>If you don’t have much of a foundation in programming, it will likely take you more time</a:t>
+              <a:t>If you don’t have much of a foundation in programming, it will likely take you more time in the beginning</a:t>
             </a:r>
           </a:p>
           <a:p>
             <a:r>
               <a:rPr lang="en-US" dirty="0"/>
               <a:t>We will be covering many data science topics at a higher level instead of digging into the intricacies of the math. Why? </a:t>
-            </a:r>
-          </a:p>
-          <a:p>
-            <a:pPr lvl="1"/>
-            <a:r>
-              <a:rPr lang="en-US" dirty="0"/>
-              <a:t>Many of you do not have the math background</a:t>
-            </a:r>
-          </a:p>
-          <a:p>
-            <a:pPr lvl="1"/>
-            <a:r>
-              <a:rPr lang="en-US" dirty="0"/>
-              <a:t>This is not a degree program</a:t>
             </a:r>
           </a:p>
           <a:p>

--- a/course_material/week_02/week_02_presentation.pptx
+++ b/course_material/week_02/week_02_presentation.pptx
@@ -5,7 +5,7 @@
     <p:sldMasterId id="2147483696" r:id="rId1"/>
   </p:sldMasterIdLst>
   <p:notesMasterIdLst>
-    <p:notesMasterId r:id="rId24"/>
+    <p:notesMasterId r:id="rId25"/>
   </p:notesMasterIdLst>
   <p:sldIdLst>
     <p:sldId id="256" r:id="rId2"/>
@@ -14,22 +14,23 @@
     <p:sldId id="271" r:id="rId5"/>
     <p:sldId id="263" r:id="rId6"/>
     <p:sldId id="288" r:id="rId7"/>
-    <p:sldId id="274" r:id="rId8"/>
-    <p:sldId id="279" r:id="rId9"/>
-    <p:sldId id="267" r:id="rId10"/>
-    <p:sldId id="286" r:id="rId11"/>
-    <p:sldId id="269" r:id="rId12"/>
-    <p:sldId id="280" r:id="rId13"/>
-    <p:sldId id="289" r:id="rId14"/>
-    <p:sldId id="287" r:id="rId15"/>
-    <p:sldId id="275" r:id="rId16"/>
-    <p:sldId id="277" r:id="rId17"/>
-    <p:sldId id="285" r:id="rId18"/>
-    <p:sldId id="283" r:id="rId19"/>
-    <p:sldId id="264" r:id="rId20"/>
-    <p:sldId id="265" r:id="rId21"/>
-    <p:sldId id="270" r:id="rId22"/>
-    <p:sldId id="282" r:id="rId23"/>
+    <p:sldId id="290" r:id="rId8"/>
+    <p:sldId id="274" r:id="rId9"/>
+    <p:sldId id="279" r:id="rId10"/>
+    <p:sldId id="267" r:id="rId11"/>
+    <p:sldId id="286" r:id="rId12"/>
+    <p:sldId id="269" r:id="rId13"/>
+    <p:sldId id="280" r:id="rId14"/>
+    <p:sldId id="289" r:id="rId15"/>
+    <p:sldId id="287" r:id="rId16"/>
+    <p:sldId id="275" r:id="rId17"/>
+    <p:sldId id="277" r:id="rId18"/>
+    <p:sldId id="285" r:id="rId19"/>
+    <p:sldId id="283" r:id="rId20"/>
+    <p:sldId id="264" r:id="rId21"/>
+    <p:sldId id="265" r:id="rId22"/>
+    <p:sldId id="270" r:id="rId23"/>
+    <p:sldId id="282" r:id="rId24"/>
   </p:sldIdLst>
   <p:sldSz cx="12192000" cy="6858000"/>
   <p:notesSz cx="6858000" cy="9144000"/>
@@ -1829,13 +1830,8 @@
             </a:r>
             <a:r>
               <a:rPr lang="en-US" dirty="0"/>
-              <a:t> thus far (does more than just </a:t>
-            </a:r>
-            <a:r>
-              <a:rPr lang="en-US"/>
-              <a:t>python interpreter)</a:t>
-            </a:r>
-            <a:endParaRPr lang="en-US" dirty="0"/>
+              <a:t> thus far (does more than just python interpreter)</a:t>
+            </a:r>
           </a:p>
         </p:txBody>
       </p:sp>
@@ -1856,7 +1852,7 @@
           <a:p>
             <a:fld id="{806B7796-0EC5-4B07-8569-0213ABC15A1E}" type="slidenum">
               <a:rPr lang="en-US" smtClean="0"/>
-              <a:t>14</a:t>
+              <a:t>15</a:t>
             </a:fld>
             <a:endParaRPr lang="en-US"/>
           </a:p>
@@ -1948,7 +1944,7 @@
           <a:p>
             <a:fld id="{2CD6395E-E0A2-4FD5-96E6-628A2336CB73}" type="slidenum">
               <a:rPr lang="en-US" smtClean="0"/>
-              <a:t>15</a:t>
+              <a:t>16</a:t>
             </a:fld>
             <a:endParaRPr lang="en-US"/>
           </a:p>
@@ -5312,6 +5308,202 @@
 <file path=ppt/slides/slide10.xml><?xml version="1.0" encoding="utf-8"?>
 <p:sld xmlns:a="http://schemas.openxmlformats.org/drawingml/2006/main" xmlns:r="http://schemas.openxmlformats.org/officeDocument/2006/relationships" xmlns:p="http://schemas.openxmlformats.org/presentationml/2006/main">
   <p:cSld>
+    <p:bg>
+      <p:bgPr>
+        <a:solidFill>
+          <a:schemeClr val="bg1"/>
+        </a:solidFill>
+        <a:effectLst/>
+      </p:bgPr>
+    </p:bg>
+    <p:spTree>
+      <p:nvGrpSpPr>
+        <p:cNvPr id="1" name=""/>
+        <p:cNvGrpSpPr/>
+        <p:nvPr/>
+      </p:nvGrpSpPr>
+      <p:grpSpPr>
+        <a:xfrm>
+          <a:off x="0" y="0"/>
+          <a:ext cx="0" cy="0"/>
+          <a:chOff x="0" y="0"/>
+          <a:chExt cx="0" cy="0"/>
+        </a:xfrm>
+      </p:grpSpPr>
+      <p:sp>
+        <p:nvSpPr>
+          <p:cNvPr id="2" name="Title 1">
+            <a:extLst>
+              <a:ext uri="{FF2B5EF4-FFF2-40B4-BE49-F238E27FC236}">
+                <a16:creationId xmlns:a16="http://schemas.microsoft.com/office/drawing/2014/main" id="{1629B0E0-B87C-4318-8371-E847AFFEA84D}"/>
+              </a:ext>
+            </a:extLst>
+          </p:cNvPr>
+          <p:cNvSpPr>
+            <a:spLocks noGrp="1"/>
+          </p:cNvSpPr>
+          <p:nvPr>
+            <p:ph type="title"/>
+          </p:nvPr>
+        </p:nvSpPr>
+        <p:spPr>
+          <a:xfrm>
+            <a:off x="643831" y="640080"/>
+            <a:ext cx="3690425" cy="1325562"/>
+          </a:xfrm>
+        </p:spPr>
+        <p:txBody>
+          <a:bodyPr>
+            <a:normAutofit/>
+          </a:bodyPr>
+          <a:lstStyle/>
+          <a:p>
+            <a:r>
+              <a:rPr lang="en-US" sz="3200"/>
+              <a:t>Creating Your own Repo</a:t>
+            </a:r>
+          </a:p>
+        </p:txBody>
+      </p:sp>
+      <p:sp>
+        <p:nvSpPr>
+          <p:cNvPr id="3" name="Content Placeholder 2">
+            <a:extLst>
+              <a:ext uri="{FF2B5EF4-FFF2-40B4-BE49-F238E27FC236}">
+                <a16:creationId xmlns:a16="http://schemas.microsoft.com/office/drawing/2014/main" id="{8008E226-FFE2-48EE-B58E-3A901D4D27E8}"/>
+              </a:ext>
+            </a:extLst>
+          </p:cNvPr>
+          <p:cNvSpPr>
+            <a:spLocks noGrp="1"/>
+          </p:cNvSpPr>
+          <p:nvPr>
+            <p:ph idx="1"/>
+          </p:nvPr>
+        </p:nvSpPr>
+        <p:spPr>
+          <a:xfrm>
+            <a:off x="643831" y="1936955"/>
+            <a:ext cx="3690425" cy="4243182"/>
+          </a:xfrm>
+        </p:spPr>
+        <p:txBody>
+          <a:bodyPr vert="horz" lIns="91440" tIns="45720" rIns="91440" bIns="45720" rtlCol="0">
+            <a:normAutofit/>
+          </a:bodyPr>
+          <a:lstStyle/>
+          <a:p>
+            <a:r>
+              <a:rPr lang="en-US" sz="1500" dirty="0">
+                <a:ea typeface="+mn-lt"/>
+                <a:cs typeface="+mn-lt"/>
+              </a:rPr>
+              <a:t>Create a repo inside your </a:t>
+            </a:r>
+            <a:r>
+              <a:rPr lang="en-US" sz="1500" dirty="0" err="1">
+                <a:ea typeface="+mn-lt"/>
+                <a:cs typeface="+mn-lt"/>
+              </a:rPr>
+              <a:t>github</a:t>
+            </a:r>
+            <a:r>
+              <a:rPr lang="en-US" sz="1500" dirty="0">
+                <a:ea typeface="+mn-lt"/>
+                <a:cs typeface="+mn-lt"/>
+              </a:rPr>
+              <a:t> account called homework_2</a:t>
+            </a:r>
+          </a:p>
+          <a:p>
+            <a:r>
+              <a:rPr lang="en-US" sz="1500" dirty="0"/>
+              <a:t>Open </a:t>
+            </a:r>
+            <a:r>
+              <a:rPr lang="en-US" sz="1500" dirty="0" err="1"/>
+              <a:t>github</a:t>
+            </a:r>
+            <a:r>
+              <a:rPr lang="en-US" sz="1500" dirty="0"/>
+              <a:t> and create a new repository</a:t>
+            </a:r>
+          </a:p>
+          <a:p>
+            <a:pPr lvl="1">
+              <a:buFont typeface="Arial" pitchFamily="34" charset="0"/>
+              <a:buChar char="•"/>
+            </a:pPr>
+            <a:r>
+              <a:rPr lang="en-US" sz="1500" dirty="0"/>
+              <a:t>WARNING!!! These repos are public!</a:t>
+            </a:r>
+          </a:p>
+          <a:p>
+            <a:pPr lvl="2">
+              <a:buFont typeface="Arial" pitchFamily="34" charset="0"/>
+              <a:buChar char="•"/>
+            </a:pPr>
+            <a:r>
+              <a:rPr lang="en-US" sz="1500" dirty="0"/>
+              <a:t>Private info, passwords API keys are NOT to be stored in repos! </a:t>
+            </a:r>
+          </a:p>
+          <a:p>
+            <a:pPr lvl="1">
+              <a:buFont typeface="Wingdings 2" pitchFamily="34" charset="0"/>
+              <a:buChar char=""/>
+            </a:pPr>
+            <a:endParaRPr lang="en-US" sz="1500" dirty="0"/>
+          </a:p>
+        </p:txBody>
+      </p:sp>
+      <p:pic>
+        <p:nvPicPr>
+          <p:cNvPr id="7" name="Picture 6">
+            <a:extLst>
+              <a:ext uri="{FF2B5EF4-FFF2-40B4-BE49-F238E27FC236}">
+                <a16:creationId xmlns:a16="http://schemas.microsoft.com/office/drawing/2014/main" id="{1E0682A4-746C-4A67-8E74-32CB89A8ECF6}"/>
+              </a:ext>
+            </a:extLst>
+          </p:cNvPr>
+          <p:cNvPicPr>
+            <a:picLocks noChangeAspect="1"/>
+          </p:cNvPicPr>
+          <p:nvPr/>
+        </p:nvPicPr>
+        <p:blipFill>
+          <a:blip r:embed="rId2"/>
+          <a:stretch>
+            <a:fillRect/>
+          </a:stretch>
+        </p:blipFill>
+        <p:spPr>
+          <a:xfrm>
+            <a:off x="4299655" y="677863"/>
+            <a:ext cx="6877845" cy="5502274"/>
+          </a:xfrm>
+          <a:prstGeom prst="rect">
+            <a:avLst/>
+          </a:prstGeom>
+        </p:spPr>
+      </p:pic>
+    </p:spTree>
+    <p:extLst>
+      <p:ext uri="{BB962C8B-B14F-4D97-AF65-F5344CB8AC3E}">
+        <p14:creationId xmlns:p14="http://schemas.microsoft.com/office/powerpoint/2010/main" val="3420347925"/>
+      </p:ext>
+    </p:extLst>
+  </p:cSld>
+  <p:clrMapOvr>
+    <a:masterClrMapping/>
+  </p:clrMapOvr>
+</p:sld>
+</file>
+
+<file path=ppt/slides/slide11.xml><?xml version="1.0" encoding="utf-8"?>
+<p:sld xmlns:a="http://schemas.openxmlformats.org/drawingml/2006/main" xmlns:r="http://schemas.openxmlformats.org/officeDocument/2006/relationships" xmlns:p="http://schemas.openxmlformats.org/presentationml/2006/main">
+  <p:cSld>
     <p:spTree>
       <p:nvGrpSpPr>
         <p:cNvPr id="1" name=""/>
@@ -5444,167 +5636,6 @@
 </p:sld>
 </file>
 
-<file path=ppt/slides/slide11.xml><?xml version="1.0" encoding="utf-8"?>
-<p:sld xmlns:a="http://schemas.openxmlformats.org/drawingml/2006/main" xmlns:r="http://schemas.openxmlformats.org/officeDocument/2006/relationships" xmlns:p="http://schemas.openxmlformats.org/presentationml/2006/main">
-  <p:cSld>
-    <p:spTree>
-      <p:nvGrpSpPr>
-        <p:cNvPr id="1" name=""/>
-        <p:cNvGrpSpPr/>
-        <p:nvPr/>
-      </p:nvGrpSpPr>
-      <p:grpSpPr>
-        <a:xfrm>
-          <a:off x="0" y="0"/>
-          <a:ext cx="0" cy="0"/>
-          <a:chOff x="0" y="0"/>
-          <a:chExt cx="0" cy="0"/>
-        </a:xfrm>
-      </p:grpSpPr>
-      <p:sp>
-        <p:nvSpPr>
-          <p:cNvPr id="2" name="Title 1">
-            <a:extLst>
-              <a:ext uri="{FF2B5EF4-FFF2-40B4-BE49-F238E27FC236}">
-                <a16:creationId xmlns:a16="http://schemas.microsoft.com/office/drawing/2014/main" id="{D83172B4-34F1-4C4E-AA31-5A496E459E1D}"/>
-              </a:ext>
-            </a:extLst>
-          </p:cNvPr>
-          <p:cNvSpPr>
-            <a:spLocks noGrp="1"/>
-          </p:cNvSpPr>
-          <p:nvPr>
-            <p:ph type="title"/>
-          </p:nvPr>
-        </p:nvSpPr>
-        <p:spPr>
-          <a:xfrm>
-            <a:off x="439940" y="237333"/>
-            <a:ext cx="9709763" cy="649180"/>
-          </a:xfrm>
-        </p:spPr>
-        <p:txBody>
-          <a:bodyPr>
-            <a:normAutofit fontScale="90000"/>
-          </a:bodyPr>
-          <a:lstStyle/>
-          <a:p>
-            <a:r>
-              <a:rPr lang="en-US"/>
-              <a:t>Congrats! You have your first repo!</a:t>
-            </a:r>
-          </a:p>
-        </p:txBody>
-      </p:sp>
-      <p:sp>
-        <p:nvSpPr>
-          <p:cNvPr id="3" name="Content Placeholder 2">
-            <a:extLst>
-              <a:ext uri="{FF2B5EF4-FFF2-40B4-BE49-F238E27FC236}">
-                <a16:creationId xmlns:a16="http://schemas.microsoft.com/office/drawing/2014/main" id="{E4388549-A6DD-4B47-9AF0-1810E08B5629}"/>
-              </a:ext>
-            </a:extLst>
-          </p:cNvPr>
-          <p:cNvSpPr>
-            <a:spLocks noGrp="1"/>
-          </p:cNvSpPr>
-          <p:nvPr>
-            <p:ph idx="1"/>
-          </p:nvPr>
-        </p:nvSpPr>
-        <p:spPr>
-          <a:xfrm>
-            <a:off x="516996" y="1075362"/>
-            <a:ext cx="9888191" cy="4308528"/>
-          </a:xfrm>
-        </p:spPr>
-        <p:txBody>
-          <a:bodyPr vert="horz" lIns="91440" tIns="45720" rIns="91440" bIns="45720" rtlCol="0" anchor="t">
-            <a:normAutofit/>
-          </a:bodyPr>
-          <a:lstStyle/>
-          <a:p>
-            <a:r>
-              <a:rPr lang="en-US" dirty="0"/>
-              <a:t>Clone your repo into a logical location! </a:t>
-            </a:r>
-          </a:p>
-          <a:p>
-            <a:r>
-              <a:rPr lang="en-US" dirty="0"/>
-              <a:t>Copy your homework2.ipynb file into homework_02 repo (or homework repo) </a:t>
-            </a:r>
-          </a:p>
-          <a:p>
-            <a:r>
-              <a:rPr lang="en-US" dirty="0"/>
-              <a:t>Cd into your homework_02 repo</a:t>
-            </a:r>
-          </a:p>
-          <a:p>
-            <a:r>
-              <a:rPr lang="en-US" dirty="0"/>
-              <a:t>git add .</a:t>
-            </a:r>
-          </a:p>
-          <a:p>
-            <a:pPr lvl="1">
-              <a:buFont typeface="Arial" pitchFamily="18" charset="2"/>
-              <a:buChar char="•"/>
-            </a:pPr>
-            <a:r>
-              <a:rPr lang="en-US" dirty="0"/>
-              <a:t>Git add . is probably not best practice. Use the exact filename instead!</a:t>
-            </a:r>
-          </a:p>
-          <a:p>
-            <a:r>
-              <a:rPr lang="en-US" dirty="0"/>
-              <a:t>git commit –m 'adding homework'</a:t>
-            </a:r>
-          </a:p>
-          <a:p>
-            <a:r>
-              <a:rPr lang="en-US" dirty="0"/>
-              <a:t>git push</a:t>
-            </a:r>
-          </a:p>
-          <a:p>
-            <a:r>
-              <a:rPr lang="en-US" dirty="0"/>
-              <a:t>Homework will now be a link to your repo. </a:t>
-            </a:r>
-          </a:p>
-          <a:p>
-            <a:r>
-              <a:rPr lang="en-US" dirty="0"/>
-              <a:t>Make changes. Git add, git commit, git push!</a:t>
-            </a:r>
-          </a:p>
-          <a:p>
-            <a:pPr marL="0" indent="0">
-              <a:buNone/>
-            </a:pPr>
-            <a:endParaRPr lang="en-US" dirty="0"/>
-          </a:p>
-          <a:p>
-            <a:endParaRPr lang="en-US" dirty="0"/>
-          </a:p>
-        </p:txBody>
-      </p:sp>
-    </p:spTree>
-    <p:extLst>
-      <p:ext uri="{BB962C8B-B14F-4D97-AF65-F5344CB8AC3E}">
-        <p14:creationId xmlns:p14="http://schemas.microsoft.com/office/powerpoint/2010/main" val="337103106"/>
-      </p:ext>
-    </p:extLst>
-  </p:cSld>
-  <p:clrMapOvr>
-    <a:masterClrMapping/>
-  </p:clrMapOvr>
-</p:sld>
-</file>
-
 <file path=ppt/slides/slide12.xml><?xml version="1.0" encoding="utf-8"?>
 <p:sld xmlns:a="http://schemas.openxmlformats.org/drawingml/2006/main" xmlns:r="http://schemas.openxmlformats.org/officeDocument/2006/relationships" xmlns:p="http://schemas.openxmlformats.org/presentationml/2006/main">
   <p:cSld>
@@ -5627,7 +5658,7 @@
           <p:cNvPr id="2" name="Title 1">
             <a:extLst>
               <a:ext uri="{FF2B5EF4-FFF2-40B4-BE49-F238E27FC236}">
-                <a16:creationId xmlns:a16="http://schemas.microsoft.com/office/drawing/2014/main" id="{EB05D639-1333-4AB7-9DA2-45849E42C3E2}"/>
+                <a16:creationId xmlns:a16="http://schemas.microsoft.com/office/drawing/2014/main" id="{D83172B4-34F1-4C4E-AA31-5A496E459E1D}"/>
               </a:ext>
             </a:extLst>
           </p:cNvPr>
@@ -5638,14 +5669,21 @@
             <p:ph type="title"/>
           </p:nvPr>
         </p:nvSpPr>
-        <p:spPr/>
-        <p:txBody>
-          <a:bodyPr/>
+        <p:spPr>
+          <a:xfrm>
+            <a:off x="439940" y="237333"/>
+            <a:ext cx="9709763" cy="649180"/>
+          </a:xfrm>
+        </p:spPr>
+        <p:txBody>
+          <a:bodyPr>
+            <a:normAutofit fontScale="90000"/>
+          </a:bodyPr>
           <a:lstStyle/>
           <a:p>
             <a:r>
-              <a:rPr lang="en-US" dirty="0"/>
-              <a:t>Git practice (5 minutes)</a:t>
+              <a:rPr lang="en-US"/>
+              <a:t>Congrats! You have your first repo!</a:t>
             </a:r>
           </a:p>
         </p:txBody>
@@ -5655,7 +5693,7 @@
           <p:cNvPr id="3" name="Content Placeholder 2">
             <a:extLst>
               <a:ext uri="{FF2B5EF4-FFF2-40B4-BE49-F238E27FC236}">
-                <a16:creationId xmlns:a16="http://schemas.microsoft.com/office/drawing/2014/main" id="{701773B5-931E-430D-9E28-A6D30E167CDD}"/>
+                <a16:creationId xmlns:a16="http://schemas.microsoft.com/office/drawing/2014/main" id="{E4388549-A6DD-4B47-9AF0-1810E08B5629}"/>
               </a:ext>
             </a:extLst>
           </p:cNvPr>
@@ -5668,73 +5706,88 @@
         </p:nvSpPr>
         <p:spPr>
           <a:xfrm>
-            <a:off x="896112" y="1691322"/>
-            <a:ext cx="8595360" cy="4351337"/>
+            <a:off x="516996" y="1075362"/>
+            <a:ext cx="9888191" cy="4308528"/>
           </a:xfrm>
         </p:spPr>
         <p:txBody>
-          <a:bodyPr>
+          <a:bodyPr vert="horz" lIns="91440" tIns="45720" rIns="91440" bIns="45720" rtlCol="0" anchor="t">
             <a:normAutofit/>
           </a:bodyPr>
           <a:lstStyle/>
           <a:p>
             <a:r>
               <a:rPr lang="en-US" dirty="0"/>
-              <a:t>Make a directory to store all your homework assignments in</a:t>
-            </a:r>
-          </a:p>
-          <a:p>
-            <a:r>
-              <a:rPr lang="en-US" dirty="0"/>
-              <a:t>Edit the readme.md file with your name, a title, and a description of what homework 2 is about (look </a:t>
-            </a:r>
-            <a:r>
-              <a:rPr lang="en-US" dirty="0">
-                <a:sym typeface="Wingdings" panose="05000000000000000000" pitchFamily="2" charset="2"/>
-              </a:rPr>
-              <a:t>in the class repo) </a:t>
-            </a:r>
+              <a:t>Clone your repo into a logical location! </a:t>
+            </a:r>
+          </a:p>
+          <a:p>
+            <a:r>
+              <a:rPr lang="en-US" dirty="0"/>
+              <a:t>Copy your homework2.ipynb file into homework_02 repo (or homework repo) </a:t>
+            </a:r>
+          </a:p>
+          <a:p>
+            <a:r>
+              <a:rPr lang="en-US" dirty="0"/>
+              <a:t>Cd into your homework_02 repo</a:t>
+            </a:r>
+          </a:p>
+          <a:p>
+            <a:r>
+              <a:rPr lang="en-US" dirty="0"/>
+              <a:t>git add .</a:t>
+            </a:r>
+          </a:p>
+          <a:p>
+            <a:pPr lvl="1">
+              <a:buFont typeface="Arial" pitchFamily="18" charset="2"/>
+              <a:buChar char="•"/>
+            </a:pPr>
+            <a:r>
+              <a:rPr lang="en-US" dirty="0"/>
+              <a:t>Git add . is probably not best practice. Use the exact filename instead!</a:t>
+            </a:r>
+          </a:p>
+          <a:p>
+            <a:r>
+              <a:rPr lang="en-US" dirty="0"/>
+              <a:t>git commit –m 'adding homework'</a:t>
+            </a:r>
+          </a:p>
+          <a:p>
+            <a:r>
+              <a:rPr lang="en-US" dirty="0"/>
+              <a:t>git push</a:t>
+            </a:r>
+          </a:p>
+          <a:p>
+            <a:r>
+              <a:rPr lang="en-US" dirty="0"/>
+              <a:t>Homework will now be a link to your repo. </a:t>
+            </a:r>
+          </a:p>
+          <a:p>
+            <a:r>
+              <a:rPr lang="en-US" dirty="0"/>
+              <a:t>Make changes. Git add, git commit, git push!</a:t>
+            </a:r>
+          </a:p>
+          <a:p>
+            <a:pPr marL="0" indent="0">
+              <a:buNone/>
+            </a:pPr>
             <a:endParaRPr lang="en-US" dirty="0"/>
           </a:p>
           <a:p>
-            <a:pPr lvl="1"/>
-            <a:r>
-              <a:rPr lang="en-US" dirty="0"/>
-              <a:t>Push your changes to </a:t>
-            </a:r>
-            <a:r>
-              <a:rPr lang="en-US" dirty="0" err="1"/>
-              <a:t>github</a:t>
-            </a:r>
             <a:endParaRPr lang="en-US" dirty="0"/>
-          </a:p>
-          <a:p>
-            <a:pPr lvl="2"/>
-            <a:r>
-              <a:rPr lang="en-US" dirty="0"/>
-              <a:t>Git add .</a:t>
-            </a:r>
-          </a:p>
-          <a:p>
-            <a:pPr lvl="2"/>
-            <a:r>
-              <a:rPr lang="en-US" dirty="0"/>
-              <a:t>Git commit –m “your message”</a:t>
-            </a:r>
-          </a:p>
-          <a:p>
-            <a:pPr lvl="2"/>
-            <a:r>
-              <a:rPr lang="en-US" dirty="0"/>
-              <a:t>Git push</a:t>
-            </a:r>
           </a:p>
         </p:txBody>
       </p:sp>
     </p:spTree>
     <p:extLst>
       <p:ext uri="{BB962C8B-B14F-4D97-AF65-F5344CB8AC3E}">
-        <p14:creationId xmlns:p14="http://schemas.microsoft.com/office/powerpoint/2010/main" val="959168994"/>
+        <p14:creationId xmlns:p14="http://schemas.microsoft.com/office/powerpoint/2010/main" val="337103106"/>
       </p:ext>
     </p:extLst>
   </p:cSld>
@@ -5763,10 +5816,10 @@
       </p:grpSpPr>
       <p:sp>
         <p:nvSpPr>
-          <p:cNvPr id="4" name="Title 3">
+          <p:cNvPr id="2" name="Title 1">
             <a:extLst>
               <a:ext uri="{FF2B5EF4-FFF2-40B4-BE49-F238E27FC236}">
-                <a16:creationId xmlns:a16="http://schemas.microsoft.com/office/drawing/2014/main" id="{154A3AC3-6CFA-4F15-8186-DA2D0E80FC66}"/>
+                <a16:creationId xmlns:a16="http://schemas.microsoft.com/office/drawing/2014/main" id="{EB05D639-1333-4AB7-9DA2-45849E42C3E2}"/>
               </a:ext>
             </a:extLst>
           </p:cNvPr>
@@ -5774,7 +5827,7 @@
             <a:spLocks noGrp="1"/>
           </p:cNvSpPr>
           <p:nvPr>
-            <p:ph type="ctrTitle"/>
+            <p:ph type="title"/>
           </p:nvPr>
         </p:nvSpPr>
         <p:spPr/>
@@ -5784,25 +5837,17 @@
           <a:p>
             <a:r>
               <a:rPr lang="en-US" dirty="0"/>
-              <a:t>.</a:t>
-            </a:r>
-            <a:r>
-              <a:rPr lang="en-US" dirty="0" err="1"/>
-              <a:t>gitignore</a:t>
-            </a:r>
-            <a:r>
-              <a:rPr lang="en-US" dirty="0"/>
-              <a:t> </a:t>
-            </a:r>
-          </a:p>
-        </p:txBody>
-      </p:sp>
-      <p:sp>
-        <p:nvSpPr>
-          <p:cNvPr id="5" name="Subtitle 4">
+              <a:t>Git practice (5 minutes)</a:t>
+            </a:r>
+          </a:p>
+        </p:txBody>
+      </p:sp>
+      <p:sp>
+        <p:nvSpPr>
+          <p:cNvPr id="3" name="Content Placeholder 2">
             <a:extLst>
               <a:ext uri="{FF2B5EF4-FFF2-40B4-BE49-F238E27FC236}">
-                <a16:creationId xmlns:a16="http://schemas.microsoft.com/office/drawing/2014/main" id="{314C64EA-259F-4D39-9E89-75A5D1FD2D86}"/>
+                <a16:creationId xmlns:a16="http://schemas.microsoft.com/office/drawing/2014/main" id="{701773B5-931E-430D-9E28-A6D30E167CDD}"/>
               </a:ext>
             </a:extLst>
           </p:cNvPr>
@@ -5810,21 +5855,70 @@
             <a:spLocks noGrp="1"/>
           </p:cNvSpPr>
           <p:nvPr>
-            <p:ph type="subTitle" idx="1"/>
-          </p:nvPr>
-        </p:nvSpPr>
-        <p:spPr/>
-        <p:txBody>
-          <a:bodyPr/>
+            <p:ph idx="1"/>
+          </p:nvPr>
+        </p:nvSpPr>
+        <p:spPr>
+          <a:xfrm>
+            <a:off x="896112" y="1691322"/>
+            <a:ext cx="8595360" cy="4351337"/>
+          </a:xfrm>
+        </p:spPr>
+        <p:txBody>
+          <a:bodyPr>
+            <a:normAutofit/>
+          </a:bodyPr>
           <a:lstStyle/>
           <a:p>
             <a:r>
               <a:rPr lang="en-US" dirty="0"/>
-              <a:t>Untracked files . </a:t>
-            </a:r>
-            <a:r>
-              <a:rPr lang="en-US"/>
-              <a:t>What is a dot file?</a:t>
+              <a:t>Make a directory to store your homework 2 assignment in</a:t>
+            </a:r>
+          </a:p>
+          <a:p>
+            <a:r>
+              <a:rPr lang="en-US" dirty="0"/>
+              <a:t>Edit the readme.md file with your name, a title, and a description of what homework 2 is about (look </a:t>
+            </a:r>
+            <a:r>
+              <a:rPr lang="en-US" dirty="0">
+                <a:sym typeface="Wingdings" panose="05000000000000000000" pitchFamily="2" charset="2"/>
+              </a:rPr>
+              <a:t>in the class repo) </a:t>
+            </a:r>
+            <a:endParaRPr lang="en-US" dirty="0"/>
+          </a:p>
+          <a:p>
+            <a:pPr lvl="1"/>
+            <a:r>
+              <a:rPr lang="en-US" dirty="0"/>
+              <a:t>Push your changes to </a:t>
+            </a:r>
+            <a:r>
+              <a:rPr lang="en-US" dirty="0" err="1"/>
+              <a:t>github</a:t>
+            </a:r>
+            <a:endParaRPr lang="en-US" dirty="0"/>
+          </a:p>
+          <a:p>
+            <a:pPr lvl="2"/>
+            <a:r>
+              <a:rPr lang="en-US" dirty="0"/>
+              <a:t>Git add .</a:t>
+            </a:r>
+          </a:p>
+          <a:p>
+            <a:pPr lvl="2"/>
+            <a:r>
+              <a:rPr lang="en-US" dirty="0"/>
+              <a:t>Git commit –m “your message”</a:t>
+            </a:r>
+          </a:p>
+          <a:p>
+            <a:pPr lvl="2"/>
+            <a:r>
+              <a:rPr lang="en-US" dirty="0"/>
+              <a:t>Git push</a:t>
             </a:r>
           </a:p>
         </p:txBody>
@@ -5832,7 +5926,7 @@
     </p:spTree>
     <p:extLst>
       <p:ext uri="{BB962C8B-B14F-4D97-AF65-F5344CB8AC3E}">
-        <p14:creationId xmlns:p14="http://schemas.microsoft.com/office/powerpoint/2010/main" val="1463043383"/>
+        <p14:creationId xmlns:p14="http://schemas.microsoft.com/office/powerpoint/2010/main" val="959168994"/>
       </p:ext>
     </p:extLst>
   </p:cSld>
@@ -5864,6 +5958,104 @@
           <p:cNvPr id="4" name="Title 3">
             <a:extLst>
               <a:ext uri="{FF2B5EF4-FFF2-40B4-BE49-F238E27FC236}">
+                <a16:creationId xmlns:a16="http://schemas.microsoft.com/office/drawing/2014/main" id="{154A3AC3-6CFA-4F15-8186-DA2D0E80FC66}"/>
+              </a:ext>
+            </a:extLst>
+          </p:cNvPr>
+          <p:cNvSpPr>
+            <a:spLocks noGrp="1"/>
+          </p:cNvSpPr>
+          <p:nvPr>
+            <p:ph type="ctrTitle"/>
+          </p:nvPr>
+        </p:nvSpPr>
+        <p:spPr/>
+        <p:txBody>
+          <a:bodyPr/>
+          <a:lstStyle/>
+          <a:p>
+            <a:r>
+              <a:rPr lang="en-US" dirty="0"/>
+              <a:t>.</a:t>
+            </a:r>
+            <a:r>
+              <a:rPr lang="en-US" dirty="0" err="1"/>
+              <a:t>gitignore</a:t>
+            </a:r>
+            <a:r>
+              <a:rPr lang="en-US" dirty="0"/>
+              <a:t> </a:t>
+            </a:r>
+          </a:p>
+        </p:txBody>
+      </p:sp>
+      <p:sp>
+        <p:nvSpPr>
+          <p:cNvPr id="5" name="Subtitle 4">
+            <a:extLst>
+              <a:ext uri="{FF2B5EF4-FFF2-40B4-BE49-F238E27FC236}">
+                <a16:creationId xmlns:a16="http://schemas.microsoft.com/office/drawing/2014/main" id="{314C64EA-259F-4D39-9E89-75A5D1FD2D86}"/>
+              </a:ext>
+            </a:extLst>
+          </p:cNvPr>
+          <p:cNvSpPr>
+            <a:spLocks noGrp="1"/>
+          </p:cNvSpPr>
+          <p:nvPr>
+            <p:ph type="subTitle" idx="1"/>
+          </p:nvPr>
+        </p:nvSpPr>
+        <p:spPr/>
+        <p:txBody>
+          <a:bodyPr/>
+          <a:lstStyle/>
+          <a:p>
+            <a:r>
+              <a:rPr lang="en-US" dirty="0"/>
+              <a:t>Untracked files . </a:t>
+            </a:r>
+            <a:r>
+              <a:rPr lang="en-US"/>
+              <a:t>What is a dot file?</a:t>
+            </a:r>
+          </a:p>
+        </p:txBody>
+      </p:sp>
+    </p:spTree>
+    <p:extLst>
+      <p:ext uri="{BB962C8B-B14F-4D97-AF65-F5344CB8AC3E}">
+        <p14:creationId xmlns:p14="http://schemas.microsoft.com/office/powerpoint/2010/main" val="1463043383"/>
+      </p:ext>
+    </p:extLst>
+  </p:cSld>
+  <p:clrMapOvr>
+    <a:masterClrMapping/>
+  </p:clrMapOvr>
+</p:sld>
+</file>
+
+<file path=ppt/slides/slide15.xml><?xml version="1.0" encoding="utf-8"?>
+<p:sld xmlns:a="http://schemas.openxmlformats.org/drawingml/2006/main" xmlns:r="http://schemas.openxmlformats.org/officeDocument/2006/relationships" xmlns:p="http://schemas.openxmlformats.org/presentationml/2006/main">
+  <p:cSld>
+    <p:spTree>
+      <p:nvGrpSpPr>
+        <p:cNvPr id="1" name=""/>
+        <p:cNvGrpSpPr/>
+        <p:nvPr/>
+      </p:nvGrpSpPr>
+      <p:grpSpPr>
+        <a:xfrm>
+          <a:off x="0" y="0"/>
+          <a:ext cx="0" cy="0"/>
+          <a:chOff x="0" y="0"/>
+          <a:chExt cx="0" cy="0"/>
+        </a:xfrm>
+      </p:grpSpPr>
+      <p:sp>
+        <p:nvSpPr>
+          <p:cNvPr id="4" name="Title 3">
+            <a:extLst>
+              <a:ext uri="{FF2B5EF4-FFF2-40B4-BE49-F238E27FC236}">
                 <a16:creationId xmlns:a16="http://schemas.microsoft.com/office/drawing/2014/main" id="{59636316-10C0-450E-9C14-FBDC9A3F763D}"/>
               </a:ext>
             </a:extLst>
@@ -5928,7 +6120,7 @@
 </p:sld>
 </file>
 
-<file path=ppt/slides/slide15.xml><?xml version="1.0" encoding="utf-8"?>
+<file path=ppt/slides/slide16.xml><?xml version="1.0" encoding="utf-8"?>
 <p:sld xmlns:a="http://schemas.openxmlformats.org/drawingml/2006/main" xmlns:r="http://schemas.openxmlformats.org/officeDocument/2006/relationships" xmlns:p="http://schemas.openxmlformats.org/presentationml/2006/main">
   <p:cSld>
     <p:spTree>
@@ -6033,124 +6225,6 @@
 </p:sld>
 </file>
 
-<file path=ppt/slides/slide16.xml><?xml version="1.0" encoding="utf-8"?>
-<p:sld xmlns:a="http://schemas.openxmlformats.org/drawingml/2006/main" xmlns:r="http://schemas.openxmlformats.org/officeDocument/2006/relationships" xmlns:p="http://schemas.openxmlformats.org/presentationml/2006/main">
-  <p:cSld>
-    <p:spTree>
-      <p:nvGrpSpPr>
-        <p:cNvPr id="1" name=""/>
-        <p:cNvGrpSpPr/>
-        <p:nvPr/>
-      </p:nvGrpSpPr>
-      <p:grpSpPr>
-        <a:xfrm>
-          <a:off x="0" y="0"/>
-          <a:ext cx="0" cy="0"/>
-          <a:chOff x="0" y="0"/>
-          <a:chExt cx="0" cy="0"/>
-        </a:xfrm>
-      </p:grpSpPr>
-      <p:sp>
-        <p:nvSpPr>
-          <p:cNvPr id="2" name="Title 1">
-            <a:extLst>
-              <a:ext uri="{FF2B5EF4-FFF2-40B4-BE49-F238E27FC236}">
-                <a16:creationId xmlns:a16="http://schemas.microsoft.com/office/drawing/2014/main" id="{47F85EB0-7CDB-4E13-A551-F7F23BFFFB23}"/>
-              </a:ext>
-            </a:extLst>
-          </p:cNvPr>
-          <p:cNvSpPr>
-            <a:spLocks noGrp="1"/>
-          </p:cNvSpPr>
-          <p:nvPr>
-            <p:ph type="title"/>
-          </p:nvPr>
-        </p:nvSpPr>
-        <p:spPr/>
-        <p:txBody>
-          <a:bodyPr/>
-          <a:lstStyle/>
-          <a:p>
-            <a:r>
-              <a:rPr lang="en-US" dirty="0"/>
-              <a:t>Python Flow control</a:t>
-            </a:r>
-          </a:p>
-        </p:txBody>
-      </p:sp>
-      <p:sp>
-        <p:nvSpPr>
-          <p:cNvPr id="3" name="Content Placeholder 2">
-            <a:extLst>
-              <a:ext uri="{FF2B5EF4-FFF2-40B4-BE49-F238E27FC236}">
-                <a16:creationId xmlns:a16="http://schemas.microsoft.com/office/drawing/2014/main" id="{829A05FB-1BBF-4E8B-B510-61049917C545}"/>
-              </a:ext>
-            </a:extLst>
-          </p:cNvPr>
-          <p:cNvSpPr>
-            <a:spLocks noGrp="1"/>
-          </p:cNvSpPr>
-          <p:nvPr>
-            <p:ph idx="1"/>
-          </p:nvPr>
-        </p:nvSpPr>
-        <p:spPr/>
-        <p:txBody>
-          <a:bodyPr/>
-          <a:lstStyle/>
-          <a:p>
-            <a:r>
-              <a:rPr lang="en-US" dirty="0"/>
-              <a:t>If… </a:t>
-            </a:r>
-            <a:r>
-              <a:rPr lang="en-US" dirty="0" err="1"/>
-              <a:t>elif</a:t>
-            </a:r>
-            <a:r>
-              <a:rPr lang="en-US" dirty="0"/>
-              <a:t>… else</a:t>
-            </a:r>
-          </a:p>
-          <a:p>
-            <a:r>
-              <a:rPr lang="en-US" dirty="0"/>
-              <a:t>for</a:t>
-            </a:r>
-          </a:p>
-          <a:p>
-            <a:r>
-              <a:rPr lang="en-US" dirty="0"/>
-              <a:t>While</a:t>
-            </a:r>
-          </a:p>
-          <a:p>
-            <a:r>
-              <a:rPr lang="en-US" dirty="0"/>
-              <a:t>Range</a:t>
-            </a:r>
-          </a:p>
-          <a:p>
-            <a:pPr marL="0" indent="0">
-              <a:buNone/>
-            </a:pPr>
-            <a:endParaRPr lang="en-US" dirty="0"/>
-          </a:p>
-        </p:txBody>
-      </p:sp>
-    </p:spTree>
-    <p:extLst>
-      <p:ext uri="{BB962C8B-B14F-4D97-AF65-F5344CB8AC3E}">
-        <p14:creationId xmlns:p14="http://schemas.microsoft.com/office/powerpoint/2010/main" val="1130824563"/>
-      </p:ext>
-    </p:extLst>
-  </p:cSld>
-  <p:clrMapOvr>
-    <a:masterClrMapping/>
-  </p:clrMapOvr>
-</p:sld>
-</file>
-
 <file path=ppt/slides/slide17.xml><?xml version="1.0" encoding="utf-8"?>
 <p:sld xmlns:a="http://schemas.openxmlformats.org/drawingml/2006/main" xmlns:r="http://schemas.openxmlformats.org/officeDocument/2006/relationships" xmlns:p="http://schemas.openxmlformats.org/presentationml/2006/main">
   <p:cSld>
@@ -6170,10 +6244,10 @@
       </p:grpSpPr>
       <p:sp>
         <p:nvSpPr>
-          <p:cNvPr id="4" name="Title 3">
+          <p:cNvPr id="2" name="Title 1">
             <a:extLst>
               <a:ext uri="{FF2B5EF4-FFF2-40B4-BE49-F238E27FC236}">
-                <a16:creationId xmlns:a16="http://schemas.microsoft.com/office/drawing/2014/main" id="{297BDE90-8DCF-4039-AB05-11C3F09C3813}"/>
+                <a16:creationId xmlns:a16="http://schemas.microsoft.com/office/drawing/2014/main" id="{47F85EB0-7CDB-4E13-A551-F7F23BFFFB23}"/>
               </a:ext>
             </a:extLst>
           </p:cNvPr>
@@ -6181,7 +6255,7 @@
             <a:spLocks noGrp="1"/>
           </p:cNvSpPr>
           <p:nvPr>
-            <p:ph type="ctrTitle"/>
+            <p:ph type="title"/>
           </p:nvPr>
         </p:nvSpPr>
         <p:spPr/>
@@ -6191,17 +6265,17 @@
           <a:p>
             <a:r>
               <a:rPr lang="en-US" dirty="0"/>
-              <a:t>Break (10 Minutes)</a:t>
-            </a:r>
-          </a:p>
-        </p:txBody>
-      </p:sp>
-      <p:sp>
-        <p:nvSpPr>
-          <p:cNvPr id="5" name="Subtitle 4">
+              <a:t>Python Flow control</a:t>
+            </a:r>
+          </a:p>
+        </p:txBody>
+      </p:sp>
+      <p:sp>
+        <p:nvSpPr>
+          <p:cNvPr id="3" name="Content Placeholder 2">
             <a:extLst>
               <a:ext uri="{FF2B5EF4-FFF2-40B4-BE49-F238E27FC236}">
-                <a16:creationId xmlns:a16="http://schemas.microsoft.com/office/drawing/2014/main" id="{AE43AD4D-53BE-4D90-B4EE-A313556AC5A9}"/>
+                <a16:creationId xmlns:a16="http://schemas.microsoft.com/office/drawing/2014/main" id="{829A05FB-1BBF-4E8B-B510-61049917C545}"/>
               </a:ext>
             </a:extLst>
           </p:cNvPr>
@@ -6209,7 +6283,7 @@
             <a:spLocks noGrp="1"/>
           </p:cNvSpPr>
           <p:nvPr>
-            <p:ph type="subTitle" idx="1"/>
+            <p:ph idx="1"/>
           </p:nvPr>
         </p:nvSpPr>
         <p:spPr/>
@@ -6219,15 +6293,47 @@
           <a:p>
             <a:r>
               <a:rPr lang="en-US" dirty="0"/>
-              <a:t>We will always have a break about midway through class. You need a breather, we need a breather, breaks are good. </a:t>
-            </a:r>
+              <a:t>If… </a:t>
+            </a:r>
+            <a:r>
+              <a:rPr lang="en-US" dirty="0" err="1"/>
+              <a:t>elif</a:t>
+            </a:r>
+            <a:r>
+              <a:rPr lang="en-US" dirty="0"/>
+              <a:t>… else</a:t>
+            </a:r>
+          </a:p>
+          <a:p>
+            <a:r>
+              <a:rPr lang="en-US" dirty="0"/>
+              <a:t>for</a:t>
+            </a:r>
+          </a:p>
+          <a:p>
+            <a:r>
+              <a:rPr lang="en-US" dirty="0"/>
+              <a:t>While</a:t>
+            </a:r>
+          </a:p>
+          <a:p>
+            <a:r>
+              <a:rPr lang="en-US" dirty="0"/>
+              <a:t>Range</a:t>
+            </a:r>
+          </a:p>
+          <a:p>
+            <a:pPr marL="0" indent="0">
+              <a:buNone/>
+            </a:pPr>
+            <a:endParaRPr lang="en-US" dirty="0"/>
           </a:p>
         </p:txBody>
       </p:sp>
     </p:spTree>
     <p:extLst>
       <p:ext uri="{BB962C8B-B14F-4D97-AF65-F5344CB8AC3E}">
-        <p14:creationId xmlns:p14="http://schemas.microsoft.com/office/powerpoint/2010/main" val="3877287137"/>
+        <p14:creationId xmlns:p14="http://schemas.microsoft.com/office/powerpoint/2010/main" val="1130824563"/>
       </p:ext>
     </p:extLst>
   </p:cSld>
@@ -6259,7 +6365,7 @@
           <p:cNvPr id="4" name="Title 3">
             <a:extLst>
               <a:ext uri="{FF2B5EF4-FFF2-40B4-BE49-F238E27FC236}">
-                <a16:creationId xmlns:a16="http://schemas.microsoft.com/office/drawing/2014/main" id="{526E2F76-E148-4A03-8403-C722C7973B45}"/>
+                <a16:creationId xmlns:a16="http://schemas.microsoft.com/office/drawing/2014/main" id="{297BDE90-8DCF-4039-AB05-11C3F09C3813}"/>
               </a:ext>
             </a:extLst>
           </p:cNvPr>
@@ -6277,7 +6383,7 @@
           <a:p>
             <a:r>
               <a:rPr lang="en-US" dirty="0"/>
-              <a:t>Review Week 1 Homework</a:t>
+              <a:t>Break (10 Minutes)</a:t>
             </a:r>
           </a:p>
         </p:txBody>
@@ -6287,7 +6393,7 @@
           <p:cNvPr id="5" name="Subtitle 4">
             <a:extLst>
               <a:ext uri="{FF2B5EF4-FFF2-40B4-BE49-F238E27FC236}">
-                <a16:creationId xmlns:a16="http://schemas.microsoft.com/office/drawing/2014/main" id="{7E60D122-A577-40B6-B740-B95C8557E016}"/>
+                <a16:creationId xmlns:a16="http://schemas.microsoft.com/office/drawing/2014/main" id="{AE43AD4D-53BE-4D90-B4EE-A313556AC5A9}"/>
               </a:ext>
             </a:extLst>
           </p:cNvPr>
@@ -6303,14 +6409,17 @@
           <a:bodyPr/>
           <a:lstStyle/>
           <a:p>
-            <a:endParaRPr lang="en-US"/>
+            <a:r>
+              <a:rPr lang="en-US" dirty="0"/>
+              <a:t>We will always have a break about midway through class. You need a breather, we need a breather, breaks are good. </a:t>
+            </a:r>
           </a:p>
         </p:txBody>
       </p:sp>
     </p:spTree>
     <p:extLst>
       <p:ext uri="{BB962C8B-B14F-4D97-AF65-F5344CB8AC3E}">
-        <p14:creationId xmlns:p14="http://schemas.microsoft.com/office/powerpoint/2010/main" val="244332754"/>
+        <p14:creationId xmlns:p14="http://schemas.microsoft.com/office/powerpoint/2010/main" val="3877287137"/>
       </p:ext>
     </p:extLst>
   </p:cSld>
@@ -6321,7 +6430,7 @@
 </file>
 
 <file path=ppt/slides/slide19.xml><?xml version="1.0" encoding="utf-8"?>
-<p:sld xmlns:a="http://schemas.openxmlformats.org/drawingml/2006/main" xmlns:r="http://schemas.openxmlformats.org/officeDocument/2006/relationships" xmlns:p="http://schemas.openxmlformats.org/presentationml/2006/main" show="0">
+<p:sld xmlns:a="http://schemas.openxmlformats.org/drawingml/2006/main" xmlns:r="http://schemas.openxmlformats.org/officeDocument/2006/relationships" xmlns:p="http://schemas.openxmlformats.org/presentationml/2006/main">
   <p:cSld>
     <p:spTree>
       <p:nvGrpSpPr>
@@ -6339,10 +6448,10 @@
       </p:grpSpPr>
       <p:sp>
         <p:nvSpPr>
-          <p:cNvPr id="2" name="Title 1">
+          <p:cNvPr id="4" name="Title 3">
             <a:extLst>
               <a:ext uri="{FF2B5EF4-FFF2-40B4-BE49-F238E27FC236}">
-                <a16:creationId xmlns:a16="http://schemas.microsoft.com/office/drawing/2014/main" id="{D59EB417-A1B2-4787-81FF-131409557CF8}"/>
+                <a16:creationId xmlns:a16="http://schemas.microsoft.com/office/drawing/2014/main" id="{526E2F76-E148-4A03-8403-C722C7973B45}"/>
               </a:ext>
             </a:extLst>
           </p:cNvPr>
@@ -6350,32 +6459,27 @@
             <a:spLocks noGrp="1"/>
           </p:cNvSpPr>
           <p:nvPr>
-            <p:ph type="title"/>
-          </p:nvPr>
-        </p:nvSpPr>
-        <p:spPr>
-          <a:xfrm>
-            <a:off x="970771" y="-507543"/>
-            <a:ext cx="9692640" cy="1325562"/>
-          </a:xfrm>
-        </p:spPr>
+            <p:ph type="ctrTitle"/>
+          </p:nvPr>
+        </p:nvSpPr>
+        <p:spPr/>
         <p:txBody>
           <a:bodyPr/>
           <a:lstStyle/>
           <a:p>
             <a:r>
-              <a:rPr lang="en-US"/>
-              <a:t>Installation Corrections</a:t>
-            </a:r>
-          </a:p>
-        </p:txBody>
-      </p:sp>
-      <p:sp>
-        <p:nvSpPr>
-          <p:cNvPr id="3" name="Content Placeholder 2">
+              <a:rPr lang="en-US" dirty="0"/>
+              <a:t>Review Week 1 Homework</a:t>
+            </a:r>
+          </a:p>
+        </p:txBody>
+      </p:sp>
+      <p:sp>
+        <p:nvSpPr>
+          <p:cNvPr id="5" name="Subtitle 4">
             <a:extLst>
               <a:ext uri="{FF2B5EF4-FFF2-40B4-BE49-F238E27FC236}">
-                <a16:creationId xmlns:a16="http://schemas.microsoft.com/office/drawing/2014/main" id="{1E614483-10C4-418F-A031-02C4467C14E7}"/>
+                <a16:creationId xmlns:a16="http://schemas.microsoft.com/office/drawing/2014/main" id="{7E60D122-A577-40B6-B740-B95C8557E016}"/>
               </a:ext>
             </a:extLst>
           </p:cNvPr>
@@ -6383,299 +6487,22 @@
             <a:spLocks noGrp="1"/>
           </p:cNvSpPr>
           <p:nvPr>
-            <p:ph idx="1"/>
-          </p:nvPr>
-        </p:nvSpPr>
-        <p:spPr>
-          <a:xfrm>
-            <a:off x="868029" y="1006867"/>
-            <a:ext cx="9913876" cy="5498617"/>
-          </a:xfrm>
-        </p:spPr>
-        <p:txBody>
-          <a:bodyPr vert="horz" lIns="91440" tIns="45720" rIns="91440" bIns="45720" rtlCol="0" anchor="t">
-            <a:normAutofit lnSpcReduction="10000"/>
-          </a:bodyPr>
+            <p:ph type="subTitle" idx="1"/>
+          </p:nvPr>
+        </p:nvSpPr>
+        <p:spPr/>
+        <p:txBody>
+          <a:bodyPr/>
           <a:lstStyle/>
           <a:p>
-            <a:r>
-              <a:rPr lang="en-US" dirty="0"/>
-              <a:t>Everyone together (please do this with the class): </a:t>
-            </a:r>
-          </a:p>
-          <a:p>
-            <a:pPr lvl="1">
-              <a:buFont typeface="Arial" pitchFamily="18" charset="2"/>
-              <a:buChar char="•"/>
-            </a:pPr>
-            <a:r>
-              <a:rPr lang="en-US" dirty="0"/>
-              <a:t>In a terminal: python --version </a:t>
-            </a:r>
-          </a:p>
-          <a:p>
-            <a:pPr lvl="2">
-              <a:buFont typeface="Arial" pitchFamily="18" charset="2"/>
-              <a:buChar char="•"/>
-            </a:pPr>
-            <a:r>
-              <a:rPr lang="en-US" dirty="0"/>
-              <a:t>If you do not have python 3.X as a version let us know</a:t>
-            </a:r>
-          </a:p>
-          <a:p>
-            <a:pPr lvl="1">
-              <a:buFont typeface="Arial" pitchFamily="18" charset="2"/>
-              <a:buChar char="•"/>
-            </a:pPr>
-            <a:r>
-              <a:rPr lang="en-US" dirty="0"/>
-              <a:t>In a terminal: pip </a:t>
-            </a:r>
-            <a:r>
-              <a:rPr lang="en-US" dirty="0">
-                <a:ea typeface="+mn-lt"/>
-                <a:cs typeface="+mn-lt"/>
-              </a:rPr>
-              <a:t>--version </a:t>
-            </a:r>
-          </a:p>
-          <a:p>
-            <a:pPr lvl="2">
-              <a:buFont typeface="Arial" pitchFamily="18" charset="2"/>
-              <a:buChar char="•"/>
-            </a:pPr>
-            <a:r>
-              <a:rPr lang="en-US" dirty="0"/>
-              <a:t>If you do not have pip3 let us know</a:t>
-            </a:r>
-          </a:p>
-          <a:p>
-            <a:pPr lvl="1">
-              <a:buFont typeface="Arial" pitchFamily="18" charset="2"/>
-              <a:buChar char="•"/>
-            </a:pPr>
-            <a:r>
-              <a:rPr lang="en-US" dirty="0"/>
-              <a:t>Aliasing (not everyone had to do this last week)</a:t>
-            </a:r>
-          </a:p>
-          <a:p>
-            <a:pPr lvl="2">
-              <a:buFont typeface="Arial" pitchFamily="18" charset="2"/>
-              <a:buChar char="•"/>
-            </a:pPr>
-            <a:r>
-              <a:rPr lang="en-US" dirty="0"/>
-              <a:t>When we did alias python='python3' it likely did not persist</a:t>
-            </a:r>
-          </a:p>
-          <a:p>
-            <a:pPr lvl="2">
-              <a:buFont typeface="Arial" pitchFamily="18" charset="2"/>
-              <a:buChar char="•"/>
-            </a:pPr>
-            <a:r>
-              <a:rPr lang="en-US" dirty="0"/>
-              <a:t>Why? Some commands are set for the session only. </a:t>
-            </a:r>
-          </a:p>
-          <a:p>
-            <a:pPr lvl="2">
-              <a:buFont typeface="Arial" pitchFamily="18" charset="2"/>
-              <a:buChar char="•"/>
-            </a:pPr>
-            <a:r>
-              <a:rPr lang="en-US" dirty="0"/>
-              <a:t>Set aliases in .</a:t>
-            </a:r>
-            <a:r>
-              <a:rPr lang="en-US" dirty="0" err="1"/>
-              <a:t>bashrc</a:t>
-            </a:r>
-            <a:r>
-              <a:rPr lang="en-US" dirty="0"/>
-              <a:t> or  other .</a:t>
-            </a:r>
-            <a:r>
-              <a:rPr lang="en-US" dirty="0" err="1"/>
-              <a:t>xxxrc</a:t>
-            </a:r>
-            <a:r>
-              <a:rPr lang="en-US" dirty="0"/>
-              <a:t> file. </a:t>
-            </a:r>
-          </a:p>
-          <a:p>
-            <a:pPr lvl="3">
-              <a:buFont typeface="Arial" pitchFamily="18" charset="2"/>
-              <a:buChar char="•"/>
-            </a:pPr>
-            <a:r>
-              <a:rPr lang="en-US" dirty="0"/>
-              <a:t>cd ~</a:t>
-            </a:r>
-          </a:p>
-          <a:p>
-            <a:pPr lvl="3">
-              <a:buFont typeface="Arial" pitchFamily="18" charset="2"/>
-              <a:buChar char="•"/>
-            </a:pPr>
-            <a:r>
-              <a:rPr lang="en-US" dirty="0"/>
-              <a:t>ls –la </a:t>
-            </a:r>
-          </a:p>
-          <a:p>
-            <a:pPr lvl="3">
-              <a:buFont typeface="Arial" pitchFamily="18" charset="2"/>
-              <a:buChar char="•"/>
-            </a:pPr>
-            <a:r>
-              <a:rPr lang="en-US" dirty="0"/>
-              <a:t>Find .</a:t>
-            </a:r>
-            <a:r>
-              <a:rPr lang="en-US" dirty="0" err="1"/>
-              <a:t>bashrc</a:t>
-            </a:r>
-            <a:r>
-              <a:rPr lang="en-US" dirty="0"/>
-              <a:t> or equivalent</a:t>
-            </a:r>
-          </a:p>
-          <a:p>
-            <a:pPr lvl="4">
-              <a:buFont typeface="Arial" pitchFamily="18" charset="2"/>
-              <a:buChar char="•"/>
-            </a:pPr>
-            <a:r>
-              <a:rPr lang="en-US" dirty="0"/>
-              <a:t>If it does not exist that's ok!</a:t>
-            </a:r>
-          </a:p>
-          <a:p>
-            <a:pPr lvl="4">
-              <a:buFont typeface="Arial" pitchFamily="18" charset="2"/>
-              <a:buChar char="•"/>
-            </a:pPr>
-            <a:r>
-              <a:rPr lang="en-US" dirty="0"/>
-              <a:t>touch .</a:t>
-            </a:r>
-            <a:r>
-              <a:rPr lang="en-US" dirty="0" err="1"/>
-              <a:t>bashrc</a:t>
-            </a:r>
-            <a:r>
-              <a:rPr lang="en-US" dirty="0"/>
-              <a:t> or equivalent</a:t>
-            </a:r>
-          </a:p>
-          <a:p>
-            <a:pPr lvl="3">
-              <a:buFont typeface="Arial" pitchFamily="18" charset="2"/>
-              <a:buChar char="•"/>
-            </a:pPr>
-            <a:r>
-              <a:rPr lang="en-US" dirty="0"/>
-              <a:t>vim .</a:t>
-            </a:r>
-            <a:r>
-              <a:rPr lang="en-US" dirty="0" err="1"/>
-              <a:t>bashrc</a:t>
-            </a:r>
-            <a:r>
-              <a:rPr lang="en-US" dirty="0"/>
-              <a:t> or equivalent</a:t>
-            </a:r>
-          </a:p>
-          <a:p>
-            <a:pPr lvl="3">
-              <a:buFont typeface="Arial" pitchFamily="18" charset="2"/>
-              <a:buChar char="•"/>
-            </a:pPr>
-            <a:r>
-              <a:rPr lang="en-US" dirty="0"/>
-              <a:t>Hit the '</a:t>
-            </a:r>
-            <a:r>
-              <a:rPr lang="en-US" dirty="0" err="1"/>
-              <a:t>i</a:t>
-            </a:r>
-            <a:r>
-              <a:rPr lang="en-US" dirty="0"/>
-              <a:t>' key to toggle to insert mode</a:t>
-            </a:r>
-          </a:p>
-          <a:p>
-            <a:pPr lvl="3">
-              <a:buFont typeface="Arial" pitchFamily="18" charset="2"/>
-              <a:buChar char="•"/>
-            </a:pPr>
-            <a:r>
-              <a:rPr lang="en-US" dirty="0"/>
-              <a:t>Type alias python='python3' and hit 'return'</a:t>
-            </a:r>
-          </a:p>
-          <a:p>
-            <a:pPr lvl="3">
-              <a:buFont typeface="Arial" pitchFamily="18" charset="2"/>
-              <a:buChar char="•"/>
-            </a:pPr>
-            <a:r>
-              <a:rPr lang="en-US" dirty="0"/>
-              <a:t>Type alias pip='pip3'</a:t>
-            </a:r>
-          </a:p>
-          <a:p>
-            <a:pPr lvl="3">
-              <a:buFont typeface="Arial" pitchFamily="18" charset="2"/>
-              <a:buChar char="•"/>
-            </a:pPr>
-            <a:r>
-              <a:rPr lang="en-US" dirty="0"/>
-              <a:t>Hit escape key followed by :</a:t>
-            </a:r>
-            <a:r>
-              <a:rPr lang="en-US" dirty="0" err="1"/>
-              <a:t>wq</a:t>
-            </a:r>
-            <a:r>
-              <a:rPr lang="en-US" dirty="0"/>
-              <a:t> and hit enter</a:t>
-            </a:r>
-          </a:p>
-          <a:p>
-            <a:pPr lvl="3">
-              <a:buFont typeface="Arial" pitchFamily="18" charset="2"/>
-              <a:buChar char="•"/>
-            </a:pPr>
-            <a:r>
-              <a:rPr lang="en-US" dirty="0"/>
-              <a:t>Close terminal and open new terminal</a:t>
-            </a:r>
-          </a:p>
-          <a:p>
-            <a:pPr lvl="3">
-              <a:buFont typeface="Arial" pitchFamily="18" charset="2"/>
-              <a:buChar char="•"/>
-            </a:pPr>
-            <a:r>
-              <a:rPr lang="en-US" dirty="0"/>
-              <a:t>See python and pip versions again and let us know if they are incorrect</a:t>
-            </a:r>
-          </a:p>
-          <a:p>
-            <a:pPr lvl="2"/>
-            <a:endParaRPr lang="en-US" dirty="0"/>
+            <a:endParaRPr lang="en-US"/>
           </a:p>
         </p:txBody>
       </p:sp>
     </p:spTree>
     <p:extLst>
       <p:ext uri="{BB962C8B-B14F-4D97-AF65-F5344CB8AC3E}">
-        <p14:creationId xmlns:p14="http://schemas.microsoft.com/office/powerpoint/2010/main" val="373214369"/>
+        <p14:creationId xmlns:p14="http://schemas.microsoft.com/office/powerpoint/2010/main" val="244332754"/>
       </p:ext>
     </p:extLst>
   </p:cSld>
@@ -6856,6 +6683,371 @@
           <p:cNvPr id="2" name="Title 1">
             <a:extLst>
               <a:ext uri="{FF2B5EF4-FFF2-40B4-BE49-F238E27FC236}">
+                <a16:creationId xmlns:a16="http://schemas.microsoft.com/office/drawing/2014/main" id="{D59EB417-A1B2-4787-81FF-131409557CF8}"/>
+              </a:ext>
+            </a:extLst>
+          </p:cNvPr>
+          <p:cNvSpPr>
+            <a:spLocks noGrp="1"/>
+          </p:cNvSpPr>
+          <p:nvPr>
+            <p:ph type="title"/>
+          </p:nvPr>
+        </p:nvSpPr>
+        <p:spPr>
+          <a:xfrm>
+            <a:off x="970771" y="-507543"/>
+            <a:ext cx="9692640" cy="1325562"/>
+          </a:xfrm>
+        </p:spPr>
+        <p:txBody>
+          <a:bodyPr/>
+          <a:lstStyle/>
+          <a:p>
+            <a:r>
+              <a:rPr lang="en-US"/>
+              <a:t>Installation Corrections</a:t>
+            </a:r>
+          </a:p>
+        </p:txBody>
+      </p:sp>
+      <p:sp>
+        <p:nvSpPr>
+          <p:cNvPr id="3" name="Content Placeholder 2">
+            <a:extLst>
+              <a:ext uri="{FF2B5EF4-FFF2-40B4-BE49-F238E27FC236}">
+                <a16:creationId xmlns:a16="http://schemas.microsoft.com/office/drawing/2014/main" id="{1E614483-10C4-418F-A031-02C4467C14E7}"/>
+              </a:ext>
+            </a:extLst>
+          </p:cNvPr>
+          <p:cNvSpPr>
+            <a:spLocks noGrp="1"/>
+          </p:cNvSpPr>
+          <p:nvPr>
+            <p:ph idx="1"/>
+          </p:nvPr>
+        </p:nvSpPr>
+        <p:spPr>
+          <a:xfrm>
+            <a:off x="868029" y="1006867"/>
+            <a:ext cx="9913876" cy="5498617"/>
+          </a:xfrm>
+        </p:spPr>
+        <p:txBody>
+          <a:bodyPr vert="horz" lIns="91440" tIns="45720" rIns="91440" bIns="45720" rtlCol="0" anchor="t">
+            <a:normAutofit lnSpcReduction="10000"/>
+          </a:bodyPr>
+          <a:lstStyle/>
+          <a:p>
+            <a:r>
+              <a:rPr lang="en-US" dirty="0"/>
+              <a:t>Everyone together (please do this with the class): </a:t>
+            </a:r>
+          </a:p>
+          <a:p>
+            <a:pPr lvl="1">
+              <a:buFont typeface="Arial" pitchFamily="18" charset="2"/>
+              <a:buChar char="•"/>
+            </a:pPr>
+            <a:r>
+              <a:rPr lang="en-US" dirty="0"/>
+              <a:t>In a terminal: python --version </a:t>
+            </a:r>
+          </a:p>
+          <a:p>
+            <a:pPr lvl="2">
+              <a:buFont typeface="Arial" pitchFamily="18" charset="2"/>
+              <a:buChar char="•"/>
+            </a:pPr>
+            <a:r>
+              <a:rPr lang="en-US" dirty="0"/>
+              <a:t>If you do not have python 3.X as a version let us know</a:t>
+            </a:r>
+          </a:p>
+          <a:p>
+            <a:pPr lvl="1">
+              <a:buFont typeface="Arial" pitchFamily="18" charset="2"/>
+              <a:buChar char="•"/>
+            </a:pPr>
+            <a:r>
+              <a:rPr lang="en-US" dirty="0"/>
+              <a:t>In a terminal: pip </a:t>
+            </a:r>
+            <a:r>
+              <a:rPr lang="en-US" dirty="0">
+                <a:ea typeface="+mn-lt"/>
+                <a:cs typeface="+mn-lt"/>
+              </a:rPr>
+              <a:t>--version </a:t>
+            </a:r>
+          </a:p>
+          <a:p>
+            <a:pPr lvl="2">
+              <a:buFont typeface="Arial" pitchFamily="18" charset="2"/>
+              <a:buChar char="•"/>
+            </a:pPr>
+            <a:r>
+              <a:rPr lang="en-US" dirty="0"/>
+              <a:t>If you do not have pip3 let us know</a:t>
+            </a:r>
+          </a:p>
+          <a:p>
+            <a:pPr lvl="1">
+              <a:buFont typeface="Arial" pitchFamily="18" charset="2"/>
+              <a:buChar char="•"/>
+            </a:pPr>
+            <a:r>
+              <a:rPr lang="en-US" dirty="0"/>
+              <a:t>Aliasing (not everyone had to do this last week)</a:t>
+            </a:r>
+          </a:p>
+          <a:p>
+            <a:pPr lvl="2">
+              <a:buFont typeface="Arial" pitchFamily="18" charset="2"/>
+              <a:buChar char="•"/>
+            </a:pPr>
+            <a:r>
+              <a:rPr lang="en-US" dirty="0"/>
+              <a:t>When we did alias python='python3' it likely did not persist</a:t>
+            </a:r>
+          </a:p>
+          <a:p>
+            <a:pPr lvl="2">
+              <a:buFont typeface="Arial" pitchFamily="18" charset="2"/>
+              <a:buChar char="•"/>
+            </a:pPr>
+            <a:r>
+              <a:rPr lang="en-US" dirty="0"/>
+              <a:t>Why? Some commands are set for the session only. </a:t>
+            </a:r>
+          </a:p>
+          <a:p>
+            <a:pPr lvl="2">
+              <a:buFont typeface="Arial" pitchFamily="18" charset="2"/>
+              <a:buChar char="•"/>
+            </a:pPr>
+            <a:r>
+              <a:rPr lang="en-US" dirty="0"/>
+              <a:t>Set aliases in .</a:t>
+            </a:r>
+            <a:r>
+              <a:rPr lang="en-US" dirty="0" err="1"/>
+              <a:t>bashrc</a:t>
+            </a:r>
+            <a:r>
+              <a:rPr lang="en-US" dirty="0"/>
+              <a:t> or  other .</a:t>
+            </a:r>
+            <a:r>
+              <a:rPr lang="en-US" dirty="0" err="1"/>
+              <a:t>xxxrc</a:t>
+            </a:r>
+            <a:r>
+              <a:rPr lang="en-US" dirty="0"/>
+              <a:t> file. </a:t>
+            </a:r>
+          </a:p>
+          <a:p>
+            <a:pPr lvl="3">
+              <a:buFont typeface="Arial" pitchFamily="18" charset="2"/>
+              <a:buChar char="•"/>
+            </a:pPr>
+            <a:r>
+              <a:rPr lang="en-US" dirty="0"/>
+              <a:t>cd ~</a:t>
+            </a:r>
+          </a:p>
+          <a:p>
+            <a:pPr lvl="3">
+              <a:buFont typeface="Arial" pitchFamily="18" charset="2"/>
+              <a:buChar char="•"/>
+            </a:pPr>
+            <a:r>
+              <a:rPr lang="en-US" dirty="0"/>
+              <a:t>ls –la </a:t>
+            </a:r>
+          </a:p>
+          <a:p>
+            <a:pPr lvl="3">
+              <a:buFont typeface="Arial" pitchFamily="18" charset="2"/>
+              <a:buChar char="•"/>
+            </a:pPr>
+            <a:r>
+              <a:rPr lang="en-US" dirty="0"/>
+              <a:t>Find .</a:t>
+            </a:r>
+            <a:r>
+              <a:rPr lang="en-US" dirty="0" err="1"/>
+              <a:t>bashrc</a:t>
+            </a:r>
+            <a:r>
+              <a:rPr lang="en-US" dirty="0"/>
+              <a:t> or equivalent</a:t>
+            </a:r>
+          </a:p>
+          <a:p>
+            <a:pPr lvl="4">
+              <a:buFont typeface="Arial" pitchFamily="18" charset="2"/>
+              <a:buChar char="•"/>
+            </a:pPr>
+            <a:r>
+              <a:rPr lang="en-US" dirty="0"/>
+              <a:t>If it does not exist that's ok!</a:t>
+            </a:r>
+          </a:p>
+          <a:p>
+            <a:pPr lvl="4">
+              <a:buFont typeface="Arial" pitchFamily="18" charset="2"/>
+              <a:buChar char="•"/>
+            </a:pPr>
+            <a:r>
+              <a:rPr lang="en-US" dirty="0"/>
+              <a:t>touch .</a:t>
+            </a:r>
+            <a:r>
+              <a:rPr lang="en-US" dirty="0" err="1"/>
+              <a:t>bashrc</a:t>
+            </a:r>
+            <a:r>
+              <a:rPr lang="en-US" dirty="0"/>
+              <a:t> or equivalent</a:t>
+            </a:r>
+          </a:p>
+          <a:p>
+            <a:pPr lvl="3">
+              <a:buFont typeface="Arial" pitchFamily="18" charset="2"/>
+              <a:buChar char="•"/>
+            </a:pPr>
+            <a:r>
+              <a:rPr lang="en-US" dirty="0"/>
+              <a:t>vim .</a:t>
+            </a:r>
+            <a:r>
+              <a:rPr lang="en-US" dirty="0" err="1"/>
+              <a:t>bashrc</a:t>
+            </a:r>
+            <a:r>
+              <a:rPr lang="en-US" dirty="0"/>
+              <a:t> or equivalent</a:t>
+            </a:r>
+          </a:p>
+          <a:p>
+            <a:pPr lvl="3">
+              <a:buFont typeface="Arial" pitchFamily="18" charset="2"/>
+              <a:buChar char="•"/>
+            </a:pPr>
+            <a:r>
+              <a:rPr lang="en-US" dirty="0"/>
+              <a:t>Hit the '</a:t>
+            </a:r>
+            <a:r>
+              <a:rPr lang="en-US" dirty="0" err="1"/>
+              <a:t>i</a:t>
+            </a:r>
+            <a:r>
+              <a:rPr lang="en-US" dirty="0"/>
+              <a:t>' key to toggle to insert mode</a:t>
+            </a:r>
+          </a:p>
+          <a:p>
+            <a:pPr lvl="3">
+              <a:buFont typeface="Arial" pitchFamily="18" charset="2"/>
+              <a:buChar char="•"/>
+            </a:pPr>
+            <a:r>
+              <a:rPr lang="en-US" dirty="0"/>
+              <a:t>Type alias python='python3' and hit 'return'</a:t>
+            </a:r>
+          </a:p>
+          <a:p>
+            <a:pPr lvl="3">
+              <a:buFont typeface="Arial" pitchFamily="18" charset="2"/>
+              <a:buChar char="•"/>
+            </a:pPr>
+            <a:r>
+              <a:rPr lang="en-US" dirty="0"/>
+              <a:t>Type alias pip='pip3'</a:t>
+            </a:r>
+          </a:p>
+          <a:p>
+            <a:pPr lvl="3">
+              <a:buFont typeface="Arial" pitchFamily="18" charset="2"/>
+              <a:buChar char="•"/>
+            </a:pPr>
+            <a:r>
+              <a:rPr lang="en-US" dirty="0"/>
+              <a:t>Hit escape key followed by :</a:t>
+            </a:r>
+            <a:r>
+              <a:rPr lang="en-US" dirty="0" err="1"/>
+              <a:t>wq</a:t>
+            </a:r>
+            <a:r>
+              <a:rPr lang="en-US" dirty="0"/>
+              <a:t> and hit enter</a:t>
+            </a:r>
+          </a:p>
+          <a:p>
+            <a:pPr lvl="3">
+              <a:buFont typeface="Arial" pitchFamily="18" charset="2"/>
+              <a:buChar char="•"/>
+            </a:pPr>
+            <a:r>
+              <a:rPr lang="en-US" dirty="0"/>
+              <a:t>Close terminal and open new terminal</a:t>
+            </a:r>
+          </a:p>
+          <a:p>
+            <a:pPr lvl="3">
+              <a:buFont typeface="Arial" pitchFamily="18" charset="2"/>
+              <a:buChar char="•"/>
+            </a:pPr>
+            <a:r>
+              <a:rPr lang="en-US" dirty="0"/>
+              <a:t>See python and pip versions again and let us know if they are incorrect</a:t>
+            </a:r>
+          </a:p>
+          <a:p>
+            <a:pPr lvl="2"/>
+            <a:endParaRPr lang="en-US" dirty="0"/>
+          </a:p>
+        </p:txBody>
+      </p:sp>
+    </p:spTree>
+    <p:extLst>
+      <p:ext uri="{BB962C8B-B14F-4D97-AF65-F5344CB8AC3E}">
+        <p14:creationId xmlns:p14="http://schemas.microsoft.com/office/powerpoint/2010/main" val="373214369"/>
+      </p:ext>
+    </p:extLst>
+  </p:cSld>
+  <p:clrMapOvr>
+    <a:masterClrMapping/>
+  </p:clrMapOvr>
+</p:sld>
+</file>
+
+<file path=ppt/slides/slide21.xml><?xml version="1.0" encoding="utf-8"?>
+<p:sld xmlns:a="http://schemas.openxmlformats.org/drawingml/2006/main" xmlns:r="http://schemas.openxmlformats.org/officeDocument/2006/relationships" xmlns:p="http://schemas.openxmlformats.org/presentationml/2006/main" show="0">
+  <p:cSld>
+    <p:spTree>
+      <p:nvGrpSpPr>
+        <p:cNvPr id="1" name=""/>
+        <p:cNvGrpSpPr/>
+        <p:nvPr/>
+      </p:nvGrpSpPr>
+      <p:grpSpPr>
+        <a:xfrm>
+          <a:off x="0" y="0"/>
+          <a:ext cx="0" cy="0"/>
+          <a:chOff x="0" y="0"/>
+          <a:chExt cx="0" cy="0"/>
+        </a:xfrm>
+      </p:grpSpPr>
+      <p:sp>
+        <p:nvSpPr>
+          <p:cNvPr id="2" name="Title 1">
+            <a:extLst>
+              <a:ext uri="{FF2B5EF4-FFF2-40B4-BE49-F238E27FC236}">
                 <a16:creationId xmlns:a16="http://schemas.microsoft.com/office/drawing/2014/main" id="{B1EDD2EB-930B-4D1A-AEEE-78EEBB799ADB}"/>
               </a:ext>
             </a:extLst>
@@ -7063,7 +7255,7 @@
 </p:sld>
 </file>
 
-<file path=ppt/slides/slide21.xml><?xml version="1.0" encoding="utf-8"?>
+<file path=ppt/slides/slide22.xml><?xml version="1.0" encoding="utf-8"?>
 <p:sld xmlns:a="http://schemas.openxmlformats.org/drawingml/2006/main" xmlns:r="http://schemas.openxmlformats.org/officeDocument/2006/relationships" xmlns:p="http://schemas.openxmlformats.org/presentationml/2006/main">
   <p:cSld>
     <p:spTree>
@@ -7184,7 +7376,7 @@
 </p:sld>
 </file>
 
-<file path=ppt/slides/slide22.xml><?xml version="1.0" encoding="utf-8"?>
+<file path=ppt/slides/slide23.xml><?xml version="1.0" encoding="utf-8"?>
 <p:sld xmlns:a="http://schemas.openxmlformats.org/drawingml/2006/main" xmlns:r="http://schemas.openxmlformats.org/officeDocument/2006/relationships" xmlns:p="http://schemas.openxmlformats.org/presentationml/2006/main">
   <p:cSld>
     <p:spTree>
@@ -7392,26 +7584,7 @@
             </a:r>
             <a:r>
               <a:rPr lang="en-US" dirty="0"/>
-              <a:t> files (10 mins)</a:t>
-            </a:r>
-          </a:p>
-          <a:p>
-            <a:r>
-              <a:rPr lang="en-US" dirty="0"/>
-              <a:t>Data types and flow control (20 minutes)</a:t>
-            </a:r>
-          </a:p>
-          <a:p>
-            <a:pPr lvl="1"/>
-            <a:r>
-              <a:rPr lang="en-US" dirty="0"/>
-              <a:t>Exercise</a:t>
-            </a:r>
-          </a:p>
-          <a:p>
-            <a:r>
-              <a:rPr lang="en-US" dirty="0"/>
-              <a:t>Break (10 minutes)</a:t>
+              <a:t> files (5 mins)</a:t>
             </a:r>
           </a:p>
           <a:p>
@@ -7427,13 +7600,32 @@
           <a:p>
             <a:r>
               <a:rPr lang="en-US" dirty="0"/>
+              <a:t>Break (10 minutes)</a:t>
+            </a:r>
+          </a:p>
+          <a:p>
+            <a:r>
+              <a:rPr lang="en-US" dirty="0"/>
+              <a:t>Flow control (20 minutes)</a:t>
+            </a:r>
+          </a:p>
+          <a:p>
+            <a:pPr lvl="1"/>
+            <a:r>
+              <a:rPr lang="en-US" dirty="0"/>
+              <a:t>Exercise</a:t>
+            </a:r>
+          </a:p>
+          <a:p>
+            <a:r>
+              <a:rPr lang="en-US" dirty="0"/>
               <a:t>Survival Guide (15 minutes)</a:t>
             </a:r>
           </a:p>
           <a:p>
             <a:r>
               <a:rPr lang="en-US" dirty="0"/>
-              <a:t>Group Exercise (30 minutes)</a:t>
+              <a:t>Group Exercise (40 minutes)</a:t>
             </a:r>
           </a:p>
           <a:p>
@@ -7948,7 +8140,7 @@
           <p:cNvPr id="2" name="Title 1">
             <a:extLst>
               <a:ext uri="{FF2B5EF4-FFF2-40B4-BE49-F238E27FC236}">
-                <a16:creationId xmlns:a16="http://schemas.microsoft.com/office/drawing/2014/main" id="{6CFEDE31-0F58-4774-9328-8C65C202D437}"/>
+                <a16:creationId xmlns:a16="http://schemas.microsoft.com/office/drawing/2014/main" id="{D35328FC-7A1B-4708-89DB-8DEFDC4D709E}"/>
               </a:ext>
             </a:extLst>
           </p:cNvPr>
@@ -7959,19 +8151,14 @@
             <p:ph type="title"/>
           </p:nvPr>
         </p:nvSpPr>
-        <p:spPr>
-          <a:xfrm>
-            <a:off x="95353" y="-509129"/>
-            <a:ext cx="9692640" cy="1325562"/>
-          </a:xfrm>
-        </p:spPr>
+        <p:spPr/>
         <p:txBody>
           <a:bodyPr/>
           <a:lstStyle/>
           <a:p>
             <a:r>
-              <a:rPr lang="en-US"/>
-              <a:t>Good Struggle vs Bad Struggle</a:t>
+              <a:rPr lang="en-US" dirty="0"/>
+              <a:t>Some Classes to Take</a:t>
             </a:r>
           </a:p>
         </p:txBody>
@@ -7981,7 +8168,7 @@
           <p:cNvPr id="3" name="Content Placeholder 2">
             <a:extLst>
               <a:ext uri="{FF2B5EF4-FFF2-40B4-BE49-F238E27FC236}">
-                <a16:creationId xmlns:a16="http://schemas.microsoft.com/office/drawing/2014/main" id="{DE7D8463-D174-44B9-952E-C195D56426D9}"/>
+                <a16:creationId xmlns:a16="http://schemas.microsoft.com/office/drawing/2014/main" id="{4BBD6E61-DB06-487B-B29F-AB52B155FEE6}"/>
               </a:ext>
             </a:extLst>
           </p:cNvPr>
@@ -7992,180 +8179,78 @@
             <p:ph idx="1"/>
           </p:nvPr>
         </p:nvSpPr>
+        <p:spPr/>
+        <p:txBody>
+          <a:bodyPr/>
+          <a:lstStyle/>
+          <a:p>
+            <a:r>
+              <a:rPr lang="en-US" dirty="0">
+                <a:hlinkClick r:id="rId2"/>
+              </a:rPr>
+              <a:t>https://applications.stlcc.edu/ClassSchedule/Term_Courses.asp</a:t>
+            </a:r>
+            <a:endParaRPr lang="en-US" dirty="0"/>
+          </a:p>
+          <a:p>
+            <a:r>
+              <a:rPr lang="en-US" dirty="0"/>
+              <a:t>Linear algebra has </a:t>
+            </a:r>
+            <a:r>
+              <a:rPr lang="en-US" dirty="0" err="1"/>
+              <a:t>prereq</a:t>
+            </a:r>
+            <a:r>
+              <a:rPr lang="en-US" dirty="0"/>
+              <a:t> of Calc 1 and Diff EQ has a </a:t>
+            </a:r>
+            <a:r>
+              <a:rPr lang="en-US" dirty="0" err="1"/>
+              <a:t>prereq</a:t>
+            </a:r>
+            <a:r>
+              <a:rPr lang="en-US"/>
+              <a:t> of Calc 3</a:t>
+            </a:r>
+            <a:endParaRPr lang="en-US" dirty="0"/>
+          </a:p>
+        </p:txBody>
+      </p:sp>
+      <p:pic>
+        <p:nvPicPr>
+          <p:cNvPr id="5" name="Picture 4">
+            <a:extLst>
+              <a:ext uri="{FF2B5EF4-FFF2-40B4-BE49-F238E27FC236}">
+                <a16:creationId xmlns:a16="http://schemas.microsoft.com/office/drawing/2014/main" id="{3DA561DA-489A-4BB2-9121-1FC26A7BB720}"/>
+              </a:ext>
+            </a:extLst>
+          </p:cNvPr>
+          <p:cNvPicPr>
+            <a:picLocks noChangeAspect="1"/>
+          </p:cNvPicPr>
+          <p:nvPr/>
+        </p:nvPicPr>
+        <p:blipFill>
+          <a:blip r:embed="rId3"/>
+          <a:stretch>
+            <a:fillRect/>
+          </a:stretch>
+        </p:blipFill>
         <p:spPr>
           <a:xfrm>
-            <a:off x="236465" y="888059"/>
-            <a:ext cx="10514471" cy="5762448"/>
+            <a:off x="369379" y="2682240"/>
+            <a:ext cx="11477625" cy="3810000"/>
           </a:xfrm>
+          <a:prstGeom prst="rect">
+            <a:avLst/>
+          </a:prstGeom>
         </p:spPr>
-        <p:txBody>
-          <a:bodyPr vert="horz" lIns="91440" tIns="45720" rIns="91440" bIns="45720" rtlCol="0" anchor="t">
-            <a:normAutofit/>
-          </a:bodyPr>
-          <a:lstStyle/>
-          <a:p>
-            <a:r>
-              <a:rPr lang="en-US" dirty="0"/>
-              <a:t>Good struggle is working a problem and solving it in a reasonable amount of time. </a:t>
-            </a:r>
-          </a:p>
-          <a:p>
-            <a:pPr lvl="1">
-              <a:buFont typeface="Arial" pitchFamily="18" charset="2"/>
-              <a:buChar char="•"/>
-            </a:pPr>
-            <a:r>
-              <a:rPr lang="en-US" dirty="0"/>
-              <a:t>Exercising cognitive muscles. Challenging but progress is made.</a:t>
-            </a:r>
-          </a:p>
-          <a:p>
-            <a:pPr lvl="1">
-              <a:buFont typeface="Arial" pitchFamily="18" charset="2"/>
-              <a:buChar char="•"/>
-            </a:pPr>
-            <a:r>
-              <a:rPr lang="en-US" dirty="0"/>
-              <a:t>Feeling of satisfaction when the problem is solved. </a:t>
-            </a:r>
-          </a:p>
-          <a:p>
-            <a:pPr lvl="1">
-              <a:buFont typeface="Arial" pitchFamily="18" charset="2"/>
-              <a:buChar char="•"/>
-            </a:pPr>
-            <a:r>
-              <a:rPr lang="en-US" dirty="0"/>
-              <a:t>Important for growth and real learning. </a:t>
-            </a:r>
-          </a:p>
-          <a:p>
-            <a:r>
-              <a:rPr lang="en-US" dirty="0"/>
-              <a:t>Bad struggle is working on a problem and making little or no progress in a large amount of time. </a:t>
-            </a:r>
-          </a:p>
-          <a:p>
-            <a:pPr lvl="1">
-              <a:buFont typeface="Arial" pitchFamily="18" charset="2"/>
-              <a:buChar char="•"/>
-            </a:pPr>
-            <a:r>
-              <a:rPr lang="en-US" dirty="0"/>
-              <a:t>Feelings of frustration. Anger. </a:t>
-            </a:r>
-          </a:p>
-          <a:p>
-            <a:pPr lvl="1">
-              <a:buFont typeface="Arial" pitchFamily="18" charset="2"/>
-              <a:buChar char="•"/>
-            </a:pPr>
-            <a:r>
-              <a:rPr lang="en-US" dirty="0"/>
-              <a:t>Does nothing to foster learning. </a:t>
-            </a:r>
-          </a:p>
-          <a:p>
-            <a:pPr>
-              <a:buFont typeface="Arial" pitchFamily="18" charset="2"/>
-              <a:buChar char="•"/>
-            </a:pPr>
-            <a:r>
-              <a:rPr lang="en-US" spc="0" dirty="0"/>
-              <a:t>Rule of thumb:</a:t>
-            </a:r>
-          </a:p>
-          <a:p>
-            <a:pPr lvl="1"/>
-            <a:r>
-              <a:rPr lang="en-US" dirty="0"/>
-              <a:t>Stuck on a HW problem for more than 15 mins? </a:t>
-            </a:r>
-            <a:endParaRPr lang="en-US" spc="0" dirty="0"/>
-          </a:p>
-          <a:p>
-            <a:pPr lvl="2"/>
-            <a:r>
-              <a:rPr lang="en-US" dirty="0"/>
-              <a:t>Consider skipping and returning to it later. You might find insight in other problems.</a:t>
-            </a:r>
-          </a:p>
-          <a:p>
-            <a:pPr lvl="1"/>
-            <a:r>
-              <a:rPr lang="en-US" dirty="0"/>
-              <a:t>Stuck &gt;30mins? </a:t>
-            </a:r>
-          </a:p>
-          <a:p>
-            <a:pPr lvl="2"/>
-            <a:r>
-              <a:rPr lang="en-US" dirty="0"/>
-              <a:t>Post to Slack</a:t>
-            </a:r>
-          </a:p>
-          <a:p>
-            <a:pPr lvl="2"/>
-            <a:r>
-              <a:rPr lang="en-US" dirty="0"/>
-              <a:t>Post sooner than later in the week.</a:t>
-            </a:r>
-          </a:p>
-          <a:p>
-            <a:pPr lvl="2"/>
-            <a:r>
-              <a:rPr lang="en-US" dirty="0"/>
-              <a:t>Students should answer questions. Mentors will only step in when needed. </a:t>
-            </a:r>
-          </a:p>
-          <a:p>
-            <a:pPr lvl="1"/>
-            <a:r>
-              <a:rPr lang="en-US" dirty="0"/>
-              <a:t>No Slack help?</a:t>
-            </a:r>
-          </a:p>
-          <a:p>
-            <a:pPr lvl="2"/>
-            <a:r>
-              <a:rPr lang="en-US" dirty="0"/>
-              <a:t>Reply to your post with @mentors "Any insights?". </a:t>
-            </a:r>
-          </a:p>
-          <a:p>
-            <a:pPr lvl="2"/>
-            <a:r>
-              <a:rPr lang="en-US" dirty="0"/>
-              <a:t>Give us 24hrs to respond. </a:t>
-            </a:r>
-            <a:endParaRPr lang="en-US" spc="0" dirty="0"/>
-          </a:p>
-          <a:p>
-            <a:pPr lvl="2"/>
-            <a:endParaRPr lang="en-US" dirty="0"/>
-          </a:p>
-          <a:p>
-            <a:pPr lvl="1"/>
-            <a:endParaRPr lang="en-US" dirty="0"/>
-          </a:p>
-          <a:p>
-            <a:pPr lvl="1"/>
-            <a:endParaRPr lang="en-US" dirty="0"/>
-          </a:p>
-          <a:p>
-            <a:pPr lvl="1"/>
-            <a:endParaRPr lang="en-US" dirty="0"/>
-          </a:p>
-          <a:p>
-            <a:pPr lvl="1"/>
-            <a:endParaRPr lang="en-US" dirty="0"/>
-          </a:p>
-        </p:txBody>
-      </p:sp>
+      </p:pic>
     </p:spTree>
     <p:extLst>
       <p:ext uri="{BB962C8B-B14F-4D97-AF65-F5344CB8AC3E}">
-        <p14:creationId xmlns:p14="http://schemas.microsoft.com/office/powerpoint/2010/main" val="3936753933"/>
+        <p14:creationId xmlns:p14="http://schemas.microsoft.com/office/powerpoint/2010/main" val="1578605325"/>
       </p:ext>
     </p:extLst>
   </p:cSld>
@@ -8194,10 +8279,10 @@
       </p:grpSpPr>
       <p:sp>
         <p:nvSpPr>
-          <p:cNvPr id="4" name="Title 3">
+          <p:cNvPr id="2" name="Title 1">
             <a:extLst>
               <a:ext uri="{FF2B5EF4-FFF2-40B4-BE49-F238E27FC236}">
-                <a16:creationId xmlns:a16="http://schemas.microsoft.com/office/drawing/2014/main" id="{D6D56CF0-6DBF-42C3-9733-E1BB680D3447}"/>
+                <a16:creationId xmlns:a16="http://schemas.microsoft.com/office/drawing/2014/main" id="{6CFEDE31-0F58-4774-9328-8C65C202D437}"/>
               </a:ext>
             </a:extLst>
           </p:cNvPr>
@@ -8205,27 +8290,32 @@
             <a:spLocks noGrp="1"/>
           </p:cNvSpPr>
           <p:nvPr>
-            <p:ph type="ctrTitle"/>
-          </p:nvPr>
-        </p:nvSpPr>
-        <p:spPr/>
+            <p:ph type="title"/>
+          </p:nvPr>
+        </p:nvSpPr>
+        <p:spPr>
+          <a:xfrm>
+            <a:off x="95353" y="-509129"/>
+            <a:ext cx="9692640" cy="1325562"/>
+          </a:xfrm>
+        </p:spPr>
         <p:txBody>
           <a:bodyPr/>
           <a:lstStyle/>
           <a:p>
             <a:r>
-              <a:rPr lang="en-US" dirty="0"/>
-              <a:t>Everything is hard before it is easy.</a:t>
-            </a:r>
-          </a:p>
-        </p:txBody>
-      </p:sp>
-      <p:sp>
-        <p:nvSpPr>
-          <p:cNvPr id="5" name="Subtitle 4">
+              <a:rPr lang="en-US"/>
+              <a:t>Good Struggle vs Bad Struggle</a:t>
+            </a:r>
+          </a:p>
+        </p:txBody>
+      </p:sp>
+      <p:sp>
+        <p:nvSpPr>
+          <p:cNvPr id="3" name="Content Placeholder 2">
             <a:extLst>
               <a:ext uri="{FF2B5EF4-FFF2-40B4-BE49-F238E27FC236}">
-                <a16:creationId xmlns:a16="http://schemas.microsoft.com/office/drawing/2014/main" id="{60036C91-F007-4595-AE5E-72604098A3C6}"/>
+                <a16:creationId xmlns:a16="http://schemas.microsoft.com/office/drawing/2014/main" id="{DE7D8463-D174-44B9-952E-C195D56426D9}"/>
               </a:ext>
             </a:extLst>
           </p:cNvPr>
@@ -8233,14 +8323,175 @@
             <a:spLocks noGrp="1"/>
           </p:cNvSpPr>
           <p:nvPr>
-            <p:ph type="subTitle" idx="1"/>
-          </p:nvPr>
-        </p:nvSpPr>
-        <p:spPr/>
-        <p:txBody>
-          <a:bodyPr/>
+            <p:ph idx="1"/>
+          </p:nvPr>
+        </p:nvSpPr>
+        <p:spPr>
+          <a:xfrm>
+            <a:off x="236465" y="888059"/>
+            <a:ext cx="10514471" cy="5762448"/>
+          </a:xfrm>
+        </p:spPr>
+        <p:txBody>
+          <a:bodyPr vert="horz" lIns="91440" tIns="45720" rIns="91440" bIns="45720" rtlCol="0" anchor="t">
+            <a:normAutofit/>
+          </a:bodyPr>
           <a:lstStyle/>
           <a:p>
+            <a:r>
+              <a:rPr lang="en-US" dirty="0"/>
+              <a:t>Good struggle is working a problem and solving it in a reasonable amount of time. </a:t>
+            </a:r>
+          </a:p>
+          <a:p>
+            <a:pPr lvl="1">
+              <a:buFont typeface="Arial" pitchFamily="18" charset="2"/>
+              <a:buChar char="•"/>
+            </a:pPr>
+            <a:r>
+              <a:rPr lang="en-US" dirty="0"/>
+              <a:t>Exercising cognitive muscles. Challenging but progress is made.</a:t>
+            </a:r>
+          </a:p>
+          <a:p>
+            <a:pPr lvl="1">
+              <a:buFont typeface="Arial" pitchFamily="18" charset="2"/>
+              <a:buChar char="•"/>
+            </a:pPr>
+            <a:r>
+              <a:rPr lang="en-US" dirty="0"/>
+              <a:t>Feeling of satisfaction when the problem is solved. </a:t>
+            </a:r>
+          </a:p>
+          <a:p>
+            <a:pPr lvl="1">
+              <a:buFont typeface="Arial" pitchFamily="18" charset="2"/>
+              <a:buChar char="•"/>
+            </a:pPr>
+            <a:r>
+              <a:rPr lang="en-US" dirty="0"/>
+              <a:t>Important for growth and real learning. </a:t>
+            </a:r>
+          </a:p>
+          <a:p>
+            <a:r>
+              <a:rPr lang="en-US" dirty="0"/>
+              <a:t>Bad struggle is working on a problem and making little or no progress in a large amount of time. </a:t>
+            </a:r>
+          </a:p>
+          <a:p>
+            <a:pPr lvl="1">
+              <a:buFont typeface="Arial" pitchFamily="18" charset="2"/>
+              <a:buChar char="•"/>
+            </a:pPr>
+            <a:r>
+              <a:rPr lang="en-US" dirty="0"/>
+              <a:t>Feelings of frustration. Anger. </a:t>
+            </a:r>
+          </a:p>
+          <a:p>
+            <a:pPr lvl="1">
+              <a:buFont typeface="Arial" pitchFamily="18" charset="2"/>
+              <a:buChar char="•"/>
+            </a:pPr>
+            <a:r>
+              <a:rPr lang="en-US" dirty="0"/>
+              <a:t>Does nothing to foster learning. </a:t>
+            </a:r>
+          </a:p>
+          <a:p>
+            <a:pPr>
+              <a:buFont typeface="Arial" pitchFamily="18" charset="2"/>
+              <a:buChar char="•"/>
+            </a:pPr>
+            <a:r>
+              <a:rPr lang="en-US" spc="0" dirty="0"/>
+              <a:t>Rule of thumb:</a:t>
+            </a:r>
+          </a:p>
+          <a:p>
+            <a:pPr lvl="1"/>
+            <a:r>
+              <a:rPr lang="en-US" dirty="0"/>
+              <a:t>Stuck on a HW problem for more than 15 mins? </a:t>
+            </a:r>
+            <a:endParaRPr lang="en-US" spc="0" dirty="0"/>
+          </a:p>
+          <a:p>
+            <a:pPr lvl="2"/>
+            <a:r>
+              <a:rPr lang="en-US" dirty="0"/>
+              <a:t>Consider skipping and returning to it later. You might find insight in other problems.</a:t>
+            </a:r>
+          </a:p>
+          <a:p>
+            <a:pPr lvl="1"/>
+            <a:r>
+              <a:rPr lang="en-US" dirty="0"/>
+              <a:t>Stuck &gt;30mins? </a:t>
+            </a:r>
+          </a:p>
+          <a:p>
+            <a:pPr lvl="2"/>
+            <a:r>
+              <a:rPr lang="en-US" dirty="0"/>
+              <a:t>Post to Slack</a:t>
+            </a:r>
+          </a:p>
+          <a:p>
+            <a:pPr lvl="2"/>
+            <a:r>
+              <a:rPr lang="en-US" dirty="0"/>
+              <a:t>Post sooner than later in the week.</a:t>
+            </a:r>
+          </a:p>
+          <a:p>
+            <a:pPr lvl="2"/>
+            <a:r>
+              <a:rPr lang="en-US" dirty="0"/>
+              <a:t>Students should answer questions. Mentors will only step in when needed. </a:t>
+            </a:r>
+          </a:p>
+          <a:p>
+            <a:pPr lvl="1"/>
+            <a:r>
+              <a:rPr lang="en-US" dirty="0"/>
+              <a:t>No Slack help?</a:t>
+            </a:r>
+          </a:p>
+          <a:p>
+            <a:pPr lvl="2"/>
+            <a:r>
+              <a:rPr lang="en-US" dirty="0"/>
+              <a:t>Reply to your post with @mentors "Any insights?". </a:t>
+            </a:r>
+          </a:p>
+          <a:p>
+            <a:pPr lvl="2"/>
+            <a:r>
+              <a:rPr lang="en-US" dirty="0"/>
+              <a:t>Give us 24hrs to respond. </a:t>
+            </a:r>
+            <a:endParaRPr lang="en-US" spc="0" dirty="0"/>
+          </a:p>
+          <a:p>
+            <a:pPr lvl="2"/>
+            <a:endParaRPr lang="en-US" dirty="0"/>
+          </a:p>
+          <a:p>
+            <a:pPr lvl="1"/>
+            <a:endParaRPr lang="en-US" dirty="0"/>
+          </a:p>
+          <a:p>
+            <a:pPr lvl="1"/>
+            <a:endParaRPr lang="en-US" dirty="0"/>
+          </a:p>
+          <a:p>
+            <a:pPr lvl="1"/>
+            <a:endParaRPr lang="en-US" dirty="0"/>
+          </a:p>
+          <a:p>
+            <a:pPr lvl="1"/>
             <a:endParaRPr lang="en-US" dirty="0"/>
           </a:p>
         </p:txBody>
@@ -8248,7 +8499,7 @@
     </p:spTree>
     <p:extLst>
       <p:ext uri="{BB962C8B-B14F-4D97-AF65-F5344CB8AC3E}">
-        <p14:creationId xmlns:p14="http://schemas.microsoft.com/office/powerpoint/2010/main" val="2421487548"/>
+        <p14:creationId xmlns:p14="http://schemas.microsoft.com/office/powerpoint/2010/main" val="3936753933"/>
       </p:ext>
     </p:extLst>
   </p:cSld>
@@ -8261,14 +8512,6 @@
 <file path=ppt/slides/slide9.xml><?xml version="1.0" encoding="utf-8"?>
 <p:sld xmlns:a="http://schemas.openxmlformats.org/drawingml/2006/main" xmlns:r="http://schemas.openxmlformats.org/officeDocument/2006/relationships" xmlns:p="http://schemas.openxmlformats.org/presentationml/2006/main">
   <p:cSld>
-    <p:bg>
-      <p:bgPr>
-        <a:solidFill>
-          <a:schemeClr val="bg1"/>
-        </a:solidFill>
-        <a:effectLst/>
-      </p:bgPr>
-    </p:bg>
     <p:spTree>
       <p:nvGrpSpPr>
         <p:cNvPr id="1" name=""/>
@@ -8285,10 +8528,10 @@
       </p:grpSpPr>
       <p:sp>
         <p:nvSpPr>
-          <p:cNvPr id="2" name="Title 1">
+          <p:cNvPr id="4" name="Title 3">
             <a:extLst>
               <a:ext uri="{FF2B5EF4-FFF2-40B4-BE49-F238E27FC236}">
-                <a16:creationId xmlns:a16="http://schemas.microsoft.com/office/drawing/2014/main" id="{1629B0E0-B87C-4318-8371-E847AFFEA84D}"/>
+                <a16:creationId xmlns:a16="http://schemas.microsoft.com/office/drawing/2014/main" id="{D6D56CF0-6DBF-42C3-9733-E1BB680D3447}"/>
               </a:ext>
             </a:extLst>
           </p:cNvPr>
@@ -8296,34 +8539,27 @@
             <a:spLocks noGrp="1"/>
           </p:cNvSpPr>
           <p:nvPr>
-            <p:ph type="title"/>
-          </p:nvPr>
-        </p:nvSpPr>
-        <p:spPr>
-          <a:xfrm>
-            <a:off x="643831" y="640080"/>
-            <a:ext cx="3690425" cy="1325562"/>
-          </a:xfrm>
-        </p:spPr>
-        <p:txBody>
-          <a:bodyPr>
-            <a:normAutofit/>
-          </a:bodyPr>
+            <p:ph type="ctrTitle"/>
+          </p:nvPr>
+        </p:nvSpPr>
+        <p:spPr/>
+        <p:txBody>
+          <a:bodyPr/>
           <a:lstStyle/>
           <a:p>
             <a:r>
-              <a:rPr lang="en-US" sz="3200"/>
-              <a:t>Creating Your own Repo</a:t>
-            </a:r>
-          </a:p>
-        </p:txBody>
-      </p:sp>
-      <p:sp>
-        <p:nvSpPr>
-          <p:cNvPr id="3" name="Content Placeholder 2">
+              <a:rPr lang="en-US" dirty="0"/>
+              <a:t>Everything is hard before it is easy.</a:t>
+            </a:r>
+          </a:p>
+        </p:txBody>
+      </p:sp>
+      <p:sp>
+        <p:nvSpPr>
+          <p:cNvPr id="5" name="Subtitle 4">
             <a:extLst>
               <a:ext uri="{FF2B5EF4-FFF2-40B4-BE49-F238E27FC236}">
-                <a16:creationId xmlns:a16="http://schemas.microsoft.com/office/drawing/2014/main" id="{8008E226-FFE2-48EE-B58E-3A901D4D27E8}"/>
+                <a16:creationId xmlns:a16="http://schemas.microsoft.com/office/drawing/2014/main" id="{60036C91-F007-4595-AE5E-72604098A3C6}"/>
               </a:ext>
             </a:extLst>
           </p:cNvPr>
@@ -8331,120 +8567,22 @@
             <a:spLocks noGrp="1"/>
           </p:cNvSpPr>
           <p:nvPr>
-            <p:ph idx="1"/>
-          </p:nvPr>
-        </p:nvSpPr>
-        <p:spPr>
-          <a:xfrm>
-            <a:off x="643831" y="1936955"/>
-            <a:ext cx="3690425" cy="4243182"/>
-          </a:xfrm>
-        </p:spPr>
-        <p:txBody>
-          <a:bodyPr vert="horz" lIns="91440" tIns="45720" rIns="91440" bIns="45720" rtlCol="0">
-            <a:normAutofit/>
-          </a:bodyPr>
+            <p:ph type="subTitle" idx="1"/>
+          </p:nvPr>
+        </p:nvSpPr>
+        <p:spPr/>
+        <p:txBody>
+          <a:bodyPr/>
           <a:lstStyle/>
           <a:p>
-            <a:r>
-              <a:rPr lang="en-US" sz="1500" dirty="0">
-                <a:ea typeface="+mn-lt"/>
-                <a:cs typeface="+mn-lt"/>
-              </a:rPr>
-              <a:t>Create a repo inside your </a:t>
-            </a:r>
-            <a:r>
-              <a:rPr lang="en-US" sz="1500" dirty="0" err="1">
-                <a:ea typeface="+mn-lt"/>
-                <a:cs typeface="+mn-lt"/>
-              </a:rPr>
-              <a:t>github</a:t>
-            </a:r>
-            <a:r>
-              <a:rPr lang="en-US" sz="1500" dirty="0">
-                <a:ea typeface="+mn-lt"/>
-                <a:cs typeface="+mn-lt"/>
-              </a:rPr>
-              <a:t> account called homework_2</a:t>
-            </a:r>
-          </a:p>
-          <a:p>
-            <a:r>
-              <a:rPr lang="en-US" sz="1500" dirty="0"/>
-              <a:t>Open </a:t>
-            </a:r>
-            <a:r>
-              <a:rPr lang="en-US" sz="1500" dirty="0" err="1"/>
-              <a:t>github</a:t>
-            </a:r>
-            <a:r>
-              <a:rPr lang="en-US" sz="1500" dirty="0"/>
-              <a:t> and create a new repository</a:t>
-            </a:r>
-          </a:p>
-          <a:p>
-            <a:pPr lvl="1">
-              <a:buFont typeface="Arial" pitchFamily="34" charset="0"/>
-              <a:buChar char="•"/>
-            </a:pPr>
-            <a:r>
-              <a:rPr lang="en-US" sz="1500" dirty="0"/>
-              <a:t>WARNING!!! These repos are public!</a:t>
-            </a:r>
-          </a:p>
-          <a:p>
-            <a:pPr lvl="2">
-              <a:buFont typeface="Arial" pitchFamily="34" charset="0"/>
-              <a:buChar char="•"/>
-            </a:pPr>
-            <a:r>
-              <a:rPr lang="en-US" sz="1500" dirty="0"/>
-              <a:t>Private info, passwords API keys are NOT to be stored in repos! </a:t>
-            </a:r>
-          </a:p>
-          <a:p>
-            <a:pPr lvl="1">
-              <a:buFont typeface="Wingdings 2" pitchFamily="34" charset="0"/>
-              <a:buChar char=""/>
-            </a:pPr>
-            <a:endParaRPr lang="en-US" sz="1500" dirty="0"/>
-          </a:p>
-        </p:txBody>
-      </p:sp>
-      <p:pic>
-        <p:nvPicPr>
-          <p:cNvPr id="7" name="Picture 6">
-            <a:extLst>
-              <a:ext uri="{FF2B5EF4-FFF2-40B4-BE49-F238E27FC236}">
-                <a16:creationId xmlns:a16="http://schemas.microsoft.com/office/drawing/2014/main" id="{1E0682A4-746C-4A67-8E74-32CB89A8ECF6}"/>
-              </a:ext>
-            </a:extLst>
-          </p:cNvPr>
-          <p:cNvPicPr>
-            <a:picLocks noChangeAspect="1"/>
-          </p:cNvPicPr>
-          <p:nvPr/>
-        </p:nvPicPr>
-        <p:blipFill>
-          <a:blip r:embed="rId2"/>
-          <a:stretch>
-            <a:fillRect/>
-          </a:stretch>
-        </p:blipFill>
-        <p:spPr>
-          <a:xfrm>
-            <a:off x="4299655" y="677863"/>
-            <a:ext cx="6877845" cy="5502274"/>
-          </a:xfrm>
-          <a:prstGeom prst="rect">
-            <a:avLst/>
-          </a:prstGeom>
-        </p:spPr>
-      </p:pic>
+            <a:endParaRPr lang="en-US" dirty="0"/>
+          </a:p>
+        </p:txBody>
+      </p:sp>
     </p:spTree>
     <p:extLst>
       <p:ext uri="{BB962C8B-B14F-4D97-AF65-F5344CB8AC3E}">
-        <p14:creationId xmlns:p14="http://schemas.microsoft.com/office/powerpoint/2010/main" val="3420347925"/>
+        <p14:creationId xmlns:p14="http://schemas.microsoft.com/office/powerpoint/2010/main" val="2421487548"/>
       </p:ext>
     </p:extLst>
   </p:cSld>
